--- a/docs/deployment_guide/images/Cribl_AWS.pptx
+++ b/docs/deployment_guide/images/Cribl_AWS.pptx
@@ -5,31 +5,33 @@
     <p:sldMasterId id="2147483665" r:id="rId1"/>
   </p:sldMasterIdLst>
   <p:notesMasterIdLst>
-    <p:notesMasterId r:id="rId7"/>
+    <p:notesMasterId r:id="rId9"/>
   </p:notesMasterIdLst>
   <p:sldIdLst>
     <p:sldId id="256" r:id="rId2"/>
     <p:sldId id="275" r:id="rId3"/>
     <p:sldId id="277" r:id="rId4"/>
     <p:sldId id="276" r:id="rId5"/>
-    <p:sldId id="274" r:id="rId6"/>
+    <p:sldId id="279" r:id="rId6"/>
+    <p:sldId id="280" r:id="rId7"/>
+    <p:sldId id="278" r:id="rId8"/>
   </p:sldIdLst>
   <p:sldSz cx="12192000" cy="6858000"/>
   <p:notesSz cx="6858000" cy="9144000"/>
   <p:embeddedFontLst>
     <p:embeddedFont>
       <p:font typeface="Calibri" panose="020F0502020204030204" pitchFamily="34" charset="0"/>
-      <p:regular r:id="rId8"/>
-      <p:bold r:id="rId9"/>
-      <p:italic r:id="rId10"/>
-      <p:boldItalic r:id="rId11"/>
+      <p:regular r:id="rId10"/>
+      <p:bold r:id="rId11"/>
+      <p:italic r:id="rId12"/>
+      <p:boldItalic r:id="rId13"/>
     </p:embeddedFont>
     <p:embeddedFont>
       <p:font typeface="Source Sans Pro" panose="020B0503030403020204" pitchFamily="34" charset="0"/>
-      <p:regular r:id="rId12"/>
-      <p:bold r:id="rId13"/>
-      <p:italic r:id="rId14"/>
-      <p:boldItalic r:id="rId15"/>
+      <p:regular r:id="rId14"/>
+      <p:bold r:id="rId15"/>
+      <p:italic r:id="rId16"/>
+      <p:boldItalic r:id="rId17"/>
     </p:embeddedFont>
   </p:embeddedFontLst>
   <p:defaultTextStyle>
@@ -264,12 +266,12 @@
   <p:extLst>
     <p:ext uri="{EFAFB233-063F-42B5-8137-9DF3F51BA10A}">
       <p15:sldGuideLst xmlns:p15="http://schemas.microsoft.com/office/powerpoint/2012/main">
-        <p15:guide id="1" orient="horz" pos="2424" userDrawn="1">
+        <p15:guide id="1" orient="horz" pos="528" userDrawn="1">
           <p15:clr>
             <a:srgbClr val="A4A3A4"/>
           </p15:clr>
         </p15:guide>
-        <p15:guide id="2" pos="3840" userDrawn="1">
+        <p15:guide id="2" pos="2256" userDrawn="1">
           <p15:clr>
             <a:srgbClr val="A4A3A4"/>
           </p15:clr>
@@ -1610,156 +1612,6 @@
             <a:fld id="{00000000-1234-1234-1234-123412341234}" type="slidenum">
               <a:rPr lang="en-US"/>
               <a:t>1</a:t>
-            </a:fld>
-            <a:endParaRPr/>
-          </a:p>
-        </p:txBody>
-      </p:sp>
-    </p:spTree>
-  </p:cSld>
-  <p:clrMapOvr>
-    <a:masterClrMapping/>
-  </p:clrMapOvr>
-</p:notes>
-</file>
-
-<file path=ppt/notesSlides/notesSlide2.xml><?xml version="1.0" encoding="utf-8"?>
-<p:notes xmlns:a="http://schemas.openxmlformats.org/drawingml/2006/main" xmlns:r="http://schemas.openxmlformats.org/officeDocument/2006/relationships" xmlns:p="http://schemas.openxmlformats.org/presentationml/2006/main" showMasterSp="0" showMasterPhAnim="0">
-  <p:cSld>
-    <p:spTree>
-      <p:nvGrpSpPr>
-        <p:cNvPr id="1" name="Shape 799"/>
-        <p:cNvGrpSpPr/>
-        <p:nvPr/>
-      </p:nvGrpSpPr>
-      <p:grpSpPr>
-        <a:xfrm>
-          <a:off x="0" y="0"/>
-          <a:ext cx="0" cy="0"/>
-          <a:chOff x="0" y="0"/>
-          <a:chExt cx="0" cy="0"/>
-        </a:xfrm>
-      </p:grpSpPr>
-      <p:sp>
-        <p:nvSpPr>
-          <p:cNvPr id="800" name="Google Shape;800;ga484ef439d_0_477:notes"/>
-          <p:cNvSpPr>
-            <a:spLocks noGrp="1" noRot="1" noChangeAspect="1"/>
-          </p:cNvSpPr>
-          <p:nvPr>
-            <p:ph type="sldImg" idx="2"/>
-          </p:nvPr>
-        </p:nvSpPr>
-        <p:spPr>
-          <a:xfrm>
-            <a:off x="685800" y="1143000"/>
-            <a:ext cx="5486400" cy="3086100"/>
-          </a:xfrm>
-          <a:custGeom>
-            <a:avLst/>
-            <a:gdLst/>
-            <a:ahLst/>
-            <a:cxnLst/>
-            <a:rect l="l" t="t" r="r" b="b"/>
-            <a:pathLst>
-              <a:path w="120000" h="120000" extrusionOk="0">
-                <a:moveTo>
-                  <a:pt x="0" y="0"/>
-                </a:moveTo>
-                <a:lnTo>
-                  <a:pt x="120000" y="0"/>
-                </a:lnTo>
-                <a:lnTo>
-                  <a:pt x="120000" y="120000"/>
-                </a:lnTo>
-                <a:lnTo>
-                  <a:pt x="0" y="120000"/>
-                </a:lnTo>
-                <a:close/>
-              </a:path>
-            </a:pathLst>
-          </a:custGeom>
-        </p:spPr>
-      </p:sp>
-      <p:sp>
-        <p:nvSpPr>
-          <p:cNvPr id="801" name="Google Shape;801;ga484ef439d_0_477:notes"/>
-          <p:cNvSpPr txBox="1">
-            <a:spLocks noGrp="1"/>
-          </p:cNvSpPr>
-          <p:nvPr>
-            <p:ph type="body" idx="1"/>
-          </p:nvPr>
-        </p:nvSpPr>
-        <p:spPr>
-          <a:xfrm>
-            <a:off x="685800" y="4400550"/>
-            <a:ext cx="5486400" cy="3600600"/>
-          </a:xfrm>
-          <a:prstGeom prst="rect">
-            <a:avLst/>
-          </a:prstGeom>
-        </p:spPr>
-        <p:txBody>
-          <a:bodyPr spcFirstLastPara="1" wrap="square" lIns="91425" tIns="45700" rIns="91425" bIns="45700" anchor="t" anchorCtr="0">
-            <a:noAutofit/>
-          </a:bodyPr>
-          <a:lstStyle/>
-          <a:p>
-            <a:pPr marL="0" lvl="0" indent="0" algn="l" rtl="0">
-              <a:spcBef>
-                <a:spcPts val="0"/>
-              </a:spcBef>
-              <a:spcAft>
-                <a:spcPts val="0"/>
-              </a:spcAft>
-              <a:buNone/>
-            </a:pPr>
-            <a:endParaRPr/>
-          </a:p>
-        </p:txBody>
-      </p:sp>
-      <p:sp>
-        <p:nvSpPr>
-          <p:cNvPr id="802" name="Google Shape;802;ga484ef439d_0_477:notes"/>
-          <p:cNvSpPr txBox="1">
-            <a:spLocks noGrp="1"/>
-          </p:cNvSpPr>
-          <p:nvPr>
-            <p:ph type="sldNum" idx="12"/>
-          </p:nvPr>
-        </p:nvSpPr>
-        <p:spPr>
-          <a:xfrm>
-            <a:off x="3884613" y="8685213"/>
-            <a:ext cx="2971800" cy="458700"/>
-          </a:xfrm>
-          <a:prstGeom prst="rect">
-            <a:avLst/>
-          </a:prstGeom>
-        </p:spPr>
-        <p:txBody>
-          <a:bodyPr spcFirstLastPara="1" wrap="square" lIns="91425" tIns="45700" rIns="91425" bIns="45700" anchor="b" anchorCtr="0">
-            <a:noAutofit/>
-          </a:bodyPr>
-          <a:lstStyle/>
-          <a:p>
-            <a:pPr marL="0" lvl="0" indent="0" algn="r" rtl="0">
-              <a:spcBef>
-                <a:spcPts val="0"/>
-              </a:spcBef>
-              <a:spcAft>
-                <a:spcPts val="0"/>
-              </a:spcAft>
-              <a:buClr>
-                <a:srgbClr val="000000"/>
-              </a:buClr>
-              <a:buFont typeface="Arial"/>
-              <a:buNone/>
-            </a:pPr>
-            <a:fld id="{00000000-1234-1234-1234-123412341234}" type="slidenum">
-              <a:rPr lang="en-US"/>
-              <a:t>5</a:t>
             </a:fld>
             <a:endParaRPr/>
           </a:p>
@@ -18732,7 +18584,5190 @@
   <p:cSld>
     <p:spTree>
       <p:nvGrpSpPr>
-        <p:cNvPr id="1" name="Shape 803"/>
+        <p:cNvPr id="1" name=""/>
+        <p:cNvGrpSpPr/>
+        <p:nvPr/>
+      </p:nvGrpSpPr>
+      <p:grpSpPr>
+        <a:xfrm>
+          <a:off x="0" y="0"/>
+          <a:ext cx="0" cy="0"/>
+          <a:chOff x="0" y="0"/>
+          <a:chExt cx="0" cy="0"/>
+        </a:xfrm>
+      </p:grpSpPr>
+      <p:sp>
+        <p:nvSpPr>
+          <p:cNvPr id="61" name="Rectangle 60">
+            <a:extLst>
+              <a:ext uri="{FF2B5EF4-FFF2-40B4-BE49-F238E27FC236}">
+                <a16:creationId xmlns:a16="http://schemas.microsoft.com/office/drawing/2014/main" id="{572D60F8-0B10-4D46-A25F-D77467D3DC7B}"/>
+              </a:ext>
+            </a:extLst>
+          </p:cNvPr>
+          <p:cNvSpPr/>
+          <p:nvPr/>
+        </p:nvSpPr>
+        <p:spPr>
+          <a:xfrm>
+            <a:off x="3530743" y="1476381"/>
+            <a:ext cx="5164470" cy="2811789"/>
+          </a:xfrm>
+          <a:prstGeom prst="rect">
+            <a:avLst/>
+          </a:prstGeom>
+          <a:solidFill>
+            <a:srgbClr val="1D8900">
+              <a:alpha val="9804"/>
+            </a:srgbClr>
+          </a:solidFill>
+          <a:ln w="12700">
+            <a:noFill/>
+            <a:prstDash val="dash"/>
+          </a:ln>
+        </p:spPr>
+        <p:style>
+          <a:lnRef idx="2">
+            <a:schemeClr val="accent1">
+              <a:shade val="50000"/>
+            </a:schemeClr>
+          </a:lnRef>
+          <a:fillRef idx="1">
+            <a:schemeClr val="accent1"/>
+          </a:fillRef>
+          <a:effectRef idx="0">
+            <a:schemeClr val="accent1"/>
+          </a:effectRef>
+          <a:fontRef idx="minor">
+            <a:schemeClr val="lt1"/>
+          </a:fontRef>
+        </p:style>
+        <p:txBody>
+          <a:bodyPr lIns="502920"/>
+          <a:lstStyle/>
+          <a:p>
+            <a:pPr eaLnBrk="1" fontAlgn="auto" hangingPunct="1">
+              <a:spcBef>
+                <a:spcPts val="0"/>
+              </a:spcBef>
+              <a:spcAft>
+                <a:spcPts val="0"/>
+              </a:spcAft>
+              <a:defRPr/>
+            </a:pPr>
+            <a:r>
+              <a:rPr lang="en-US" sz="1200" dirty="0">
+                <a:solidFill>
+                  <a:srgbClr val="1E8900"/>
+                </a:solidFill>
+                <a:latin typeface="Arial" panose="020B0604020202020204" pitchFamily="34" charset="0"/>
+                <a:cs typeface="Arial" panose="020B0604020202020204" pitchFamily="34" charset="0"/>
+              </a:rPr>
+              <a:t>Public subnet</a:t>
+            </a:r>
+          </a:p>
+        </p:txBody>
+      </p:sp>
+      <p:sp>
+        <p:nvSpPr>
+          <p:cNvPr id="2" name="Title 1">
+            <a:extLst>
+              <a:ext uri="{FF2B5EF4-FFF2-40B4-BE49-F238E27FC236}">
+                <a16:creationId xmlns:a16="http://schemas.microsoft.com/office/drawing/2014/main" id="{70E1DAAE-910D-AD46-84A2-CD668D0DBC19}"/>
+              </a:ext>
+            </a:extLst>
+          </p:cNvPr>
+          <p:cNvSpPr>
+            <a:spLocks noGrp="1"/>
+          </p:cNvSpPr>
+          <p:nvPr>
+            <p:ph type="title"/>
+          </p:nvPr>
+        </p:nvSpPr>
+        <p:spPr/>
+        <p:txBody>
+          <a:bodyPr/>
+          <a:lstStyle/>
+          <a:p>
+            <a:r>
+              <a:rPr lang="en-US" dirty="0"/>
+              <a:t>Cribl LogStream Single Instance Deployment</a:t>
+            </a:r>
+          </a:p>
+        </p:txBody>
+      </p:sp>
+      <p:sp>
+        <p:nvSpPr>
+          <p:cNvPr id="7" name="Rectangle 6">
+            <a:extLst>
+              <a:ext uri="{FF2B5EF4-FFF2-40B4-BE49-F238E27FC236}">
+                <a16:creationId xmlns:a16="http://schemas.microsoft.com/office/drawing/2014/main" id="{14E1F782-3753-C94A-BC41-58F4543E5CFA}"/>
+              </a:ext>
+            </a:extLst>
+          </p:cNvPr>
+          <p:cNvSpPr/>
+          <p:nvPr/>
+        </p:nvSpPr>
+        <p:spPr bwMode="auto">
+          <a:xfrm>
+            <a:off x="909431" y="1430382"/>
+            <a:ext cx="10371550" cy="4378238"/>
+          </a:xfrm>
+          <a:prstGeom prst="rect">
+            <a:avLst/>
+          </a:prstGeom>
+          <a:noFill/>
+          <a:ln w="12700">
+            <a:solidFill>
+              <a:srgbClr val="1E8900"/>
+            </a:solidFill>
+          </a:ln>
+        </p:spPr>
+        <p:style>
+          <a:lnRef idx="2">
+            <a:schemeClr val="accent1">
+              <a:shade val="50000"/>
+            </a:schemeClr>
+          </a:lnRef>
+          <a:fillRef idx="1">
+            <a:schemeClr val="accent1"/>
+          </a:fillRef>
+          <a:effectRef idx="0">
+            <a:schemeClr val="accent1"/>
+          </a:effectRef>
+          <a:fontRef idx="minor">
+            <a:schemeClr val="lt1"/>
+          </a:fontRef>
+        </p:style>
+        <p:txBody>
+          <a:bodyPr lIns="502920" tIns="91440"/>
+          <a:lstStyle/>
+          <a:p>
+            <a:pPr eaLnBrk="1" fontAlgn="auto" hangingPunct="1">
+              <a:spcBef>
+                <a:spcPts val="0"/>
+              </a:spcBef>
+              <a:spcAft>
+                <a:spcPts val="0"/>
+              </a:spcAft>
+              <a:defRPr/>
+            </a:pPr>
+            <a:r>
+              <a:rPr lang="en-US" sz="1200" dirty="0">
+                <a:ln w="0"/>
+                <a:solidFill>
+                  <a:srgbClr val="1E8900"/>
+                </a:solidFill>
+                <a:latin typeface="Arial" panose="020B0604020202020204" pitchFamily="34" charset="0"/>
+                <a:cs typeface="Arial" panose="020B0604020202020204" pitchFamily="34" charset="0"/>
+              </a:rPr>
+              <a:t>VPC</a:t>
+            </a:r>
+          </a:p>
+        </p:txBody>
+      </p:sp>
+      <p:sp>
+        <p:nvSpPr>
+          <p:cNvPr id="8" name="Rectangle 7">
+            <a:extLst>
+              <a:ext uri="{FF2B5EF4-FFF2-40B4-BE49-F238E27FC236}">
+                <a16:creationId xmlns:a16="http://schemas.microsoft.com/office/drawing/2014/main" id="{3CAB4C6C-D2C7-7849-8A20-5D3F6918DD4B}"/>
+              </a:ext>
+            </a:extLst>
+          </p:cNvPr>
+          <p:cNvSpPr/>
+          <p:nvPr/>
+        </p:nvSpPr>
+        <p:spPr bwMode="auto">
+          <a:xfrm>
+            <a:off x="528431" y="1049380"/>
+            <a:ext cx="11135138" cy="5172515"/>
+          </a:xfrm>
+          <a:prstGeom prst="rect">
+            <a:avLst/>
+          </a:prstGeom>
+          <a:noFill/>
+          <a:ln w="12700">
+            <a:solidFill>
+              <a:schemeClr val="tx1"/>
+            </a:solidFill>
+          </a:ln>
+        </p:spPr>
+        <p:style>
+          <a:lnRef idx="2">
+            <a:schemeClr val="accent1">
+              <a:shade val="50000"/>
+            </a:schemeClr>
+          </a:lnRef>
+          <a:fillRef idx="1">
+            <a:schemeClr val="accent1"/>
+          </a:fillRef>
+          <a:effectRef idx="0">
+            <a:schemeClr val="accent1"/>
+          </a:effectRef>
+          <a:fontRef idx="minor">
+            <a:schemeClr val="lt1"/>
+          </a:fontRef>
+        </p:style>
+        <p:txBody>
+          <a:bodyPr lIns="502920" tIns="91440"/>
+          <a:lstStyle/>
+          <a:p>
+            <a:pPr eaLnBrk="1" fontAlgn="auto" hangingPunct="1">
+              <a:spcBef>
+                <a:spcPts val="0"/>
+              </a:spcBef>
+              <a:spcAft>
+                <a:spcPts val="0"/>
+              </a:spcAft>
+              <a:defRPr/>
+            </a:pPr>
+            <a:r>
+              <a:rPr lang="en-US" sz="1200" dirty="0">
+                <a:solidFill>
+                  <a:sysClr val="windowText" lastClr="000000"/>
+                </a:solidFill>
+                <a:latin typeface="Arial" panose="020B0604020202020204" pitchFamily="34" charset="0"/>
+                <a:cs typeface="Arial" panose="020B0604020202020204" pitchFamily="34" charset="0"/>
+              </a:rPr>
+              <a:t>AWS Cloud</a:t>
+            </a:r>
+          </a:p>
+        </p:txBody>
+      </p:sp>
+      <p:sp>
+        <p:nvSpPr>
+          <p:cNvPr id="9" name="Rectangle 8">
+            <a:extLst>
+              <a:ext uri="{FF2B5EF4-FFF2-40B4-BE49-F238E27FC236}">
+                <a16:creationId xmlns:a16="http://schemas.microsoft.com/office/drawing/2014/main" id="{A88BD5B1-1FCC-2443-9823-D0A2DACDBBB0}"/>
+              </a:ext>
+            </a:extLst>
+          </p:cNvPr>
+          <p:cNvSpPr/>
+          <p:nvPr/>
+        </p:nvSpPr>
+        <p:spPr bwMode="auto">
+          <a:xfrm>
+            <a:off x="3597419" y="2693044"/>
+            <a:ext cx="2095500" cy="1530602"/>
+          </a:xfrm>
+          <a:prstGeom prst="rect">
+            <a:avLst/>
+          </a:prstGeom>
+          <a:noFill/>
+          <a:ln w="12700">
+            <a:solidFill>
+              <a:srgbClr val="5B9CD5"/>
+            </a:solidFill>
+            <a:prstDash val="dash"/>
+          </a:ln>
+        </p:spPr>
+        <p:style>
+          <a:lnRef idx="2">
+            <a:schemeClr val="accent1">
+              <a:shade val="50000"/>
+            </a:schemeClr>
+          </a:lnRef>
+          <a:fillRef idx="1">
+            <a:schemeClr val="accent1"/>
+          </a:fillRef>
+          <a:effectRef idx="0">
+            <a:schemeClr val="accent1"/>
+          </a:effectRef>
+          <a:fontRef idx="minor">
+            <a:schemeClr val="lt1"/>
+          </a:fontRef>
+        </p:style>
+        <p:txBody>
+          <a:bodyPr tIns="91440"/>
+          <a:lstStyle/>
+          <a:p>
+            <a:pPr algn="ctr" eaLnBrk="1" fontAlgn="auto" hangingPunct="1">
+              <a:spcBef>
+                <a:spcPts val="0"/>
+              </a:spcBef>
+              <a:spcAft>
+                <a:spcPts val="0"/>
+              </a:spcAft>
+              <a:defRPr/>
+            </a:pPr>
+            <a:r>
+              <a:rPr lang="en-US" sz="1200" dirty="0">
+                <a:solidFill>
+                  <a:srgbClr val="5B9CD5"/>
+                </a:solidFill>
+                <a:latin typeface="Arial" panose="020B0604020202020204" pitchFamily="34" charset="0"/>
+                <a:cs typeface="Arial" panose="020B0604020202020204" pitchFamily="34" charset="0"/>
+              </a:rPr>
+              <a:t>Availability Zone</a:t>
+            </a:r>
+          </a:p>
+        </p:txBody>
+      </p:sp>
+      <p:grpSp>
+        <p:nvGrpSpPr>
+          <p:cNvPr id="10" name="Group 9">
+            <a:extLst>
+              <a:ext uri="{FF2B5EF4-FFF2-40B4-BE49-F238E27FC236}">
+                <a16:creationId xmlns:a16="http://schemas.microsoft.com/office/drawing/2014/main" id="{A176597A-6FCC-7D47-A6C0-B2DC347B52D7}"/>
+              </a:ext>
+            </a:extLst>
+          </p:cNvPr>
+          <p:cNvGrpSpPr/>
+          <p:nvPr/>
+        </p:nvGrpSpPr>
+        <p:grpSpPr>
+          <a:xfrm>
+            <a:off x="5423240" y="1539020"/>
+            <a:ext cx="1339850" cy="905549"/>
+            <a:chOff x="6865178" y="2805113"/>
+            <a:chExt cx="1339850" cy="905549"/>
+          </a:xfrm>
+        </p:grpSpPr>
+        <p:sp>
+          <p:nvSpPr>
+            <p:cNvPr id="55" name="TextBox 19">
+              <a:extLst>
+                <a:ext uri="{FF2B5EF4-FFF2-40B4-BE49-F238E27FC236}">
+                  <a16:creationId xmlns:a16="http://schemas.microsoft.com/office/drawing/2014/main" id="{7326EA55-2CAB-A742-93ED-43C7CF99BFDE}"/>
+                </a:ext>
+              </a:extLst>
+            </p:cNvPr>
+            <p:cNvSpPr txBox="1">
+              <a:spLocks noChangeArrowheads="1"/>
+            </p:cNvSpPr>
+            <p:nvPr/>
+          </p:nvSpPr>
+          <p:spPr bwMode="auto">
+            <a:xfrm>
+              <a:off x="6865178" y="3279775"/>
+              <a:ext cx="1339850" cy="430887"/>
+            </a:xfrm>
+            <a:prstGeom prst="rect">
+              <a:avLst/>
+            </a:prstGeom>
+            <a:noFill/>
+            <a:ln>
+              <a:noFill/>
+            </a:ln>
+            <a:extLst>
+              <a:ext uri="{909E8E84-426E-40DD-AFC4-6F175D3DCCD1}">
+                <a14:hiddenFill xmlns:a14="http://schemas.microsoft.com/office/drawing/2010/main">
+                  <a:solidFill>
+                    <a:srgbClr val="FFFFFF"/>
+                  </a:solidFill>
+                </a14:hiddenFill>
+              </a:ext>
+              <a:ext uri="{91240B29-F687-4F45-9708-019B960494DF}">
+                <a14:hiddenLine xmlns:a14="http://schemas.microsoft.com/office/drawing/2010/main" w="9525">
+                  <a:solidFill>
+                    <a:srgbClr val="000000"/>
+                  </a:solidFill>
+                  <a:miter lim="800000"/>
+                  <a:headEnd/>
+                  <a:tailEnd/>
+                </a14:hiddenLine>
+              </a:ext>
+            </a:extLst>
+          </p:spPr>
+          <p:txBody>
+            <a:bodyPr wrap="square">
+              <a:spAutoFit/>
+            </a:bodyPr>
+            <a:lstStyle>
+              <a:lvl1pPr>
+                <a:defRPr>
+                  <a:solidFill>
+                    <a:schemeClr val="tx1"/>
+                  </a:solidFill>
+                  <a:latin typeface="Calibri" panose="020F0502020204030204" pitchFamily="34" charset="0"/>
+                </a:defRPr>
+              </a:lvl1pPr>
+              <a:lvl2pPr marL="742950" indent="-285750">
+                <a:defRPr>
+                  <a:solidFill>
+                    <a:schemeClr val="tx1"/>
+                  </a:solidFill>
+                  <a:latin typeface="Calibri" panose="020F0502020204030204" pitchFamily="34" charset="0"/>
+                </a:defRPr>
+              </a:lvl2pPr>
+              <a:lvl3pPr marL="1143000" indent="-228600">
+                <a:defRPr>
+                  <a:solidFill>
+                    <a:schemeClr val="tx1"/>
+                  </a:solidFill>
+                  <a:latin typeface="Calibri" panose="020F0502020204030204" pitchFamily="34" charset="0"/>
+                </a:defRPr>
+              </a:lvl3pPr>
+              <a:lvl4pPr marL="1600200" indent="-228600">
+                <a:defRPr>
+                  <a:solidFill>
+                    <a:schemeClr val="tx1"/>
+                  </a:solidFill>
+                  <a:latin typeface="Calibri" panose="020F0502020204030204" pitchFamily="34" charset="0"/>
+                </a:defRPr>
+              </a:lvl4pPr>
+              <a:lvl5pPr marL="2057400" indent="-228600">
+                <a:defRPr>
+                  <a:solidFill>
+                    <a:schemeClr val="tx1"/>
+                  </a:solidFill>
+                  <a:latin typeface="Calibri" panose="020F0502020204030204" pitchFamily="34" charset="0"/>
+                </a:defRPr>
+              </a:lvl5pPr>
+              <a:lvl6pPr marL="2514600" indent="-228600" eaLnBrk="0" fontAlgn="base" hangingPunct="0">
+                <a:spcBef>
+                  <a:spcPct val="0"/>
+                </a:spcBef>
+                <a:spcAft>
+                  <a:spcPct val="0"/>
+                </a:spcAft>
+                <a:defRPr>
+                  <a:solidFill>
+                    <a:schemeClr val="tx1"/>
+                  </a:solidFill>
+                  <a:latin typeface="Calibri" panose="020F0502020204030204" pitchFamily="34" charset="0"/>
+                </a:defRPr>
+              </a:lvl6pPr>
+              <a:lvl7pPr marL="2971800" indent="-228600" eaLnBrk="0" fontAlgn="base" hangingPunct="0">
+                <a:spcBef>
+                  <a:spcPct val="0"/>
+                </a:spcBef>
+                <a:spcAft>
+                  <a:spcPct val="0"/>
+                </a:spcAft>
+                <a:defRPr>
+                  <a:solidFill>
+                    <a:schemeClr val="tx1"/>
+                  </a:solidFill>
+                  <a:latin typeface="Calibri" panose="020F0502020204030204" pitchFamily="34" charset="0"/>
+                </a:defRPr>
+              </a:lvl7pPr>
+              <a:lvl8pPr marL="3429000" indent="-228600" eaLnBrk="0" fontAlgn="base" hangingPunct="0">
+                <a:spcBef>
+                  <a:spcPct val="0"/>
+                </a:spcBef>
+                <a:spcAft>
+                  <a:spcPct val="0"/>
+                </a:spcAft>
+                <a:defRPr>
+                  <a:solidFill>
+                    <a:schemeClr val="tx1"/>
+                  </a:solidFill>
+                  <a:latin typeface="Calibri" panose="020F0502020204030204" pitchFamily="34" charset="0"/>
+                </a:defRPr>
+              </a:lvl8pPr>
+              <a:lvl9pPr marL="3886200" indent="-228600" eaLnBrk="0" fontAlgn="base" hangingPunct="0">
+                <a:spcBef>
+                  <a:spcPct val="0"/>
+                </a:spcBef>
+                <a:spcAft>
+                  <a:spcPct val="0"/>
+                </a:spcAft>
+                <a:defRPr>
+                  <a:solidFill>
+                    <a:schemeClr val="tx1"/>
+                  </a:solidFill>
+                  <a:latin typeface="Calibri" panose="020F0502020204030204" pitchFamily="34" charset="0"/>
+                </a:defRPr>
+              </a:lvl9pPr>
+            </a:lstStyle>
+            <a:p>
+              <a:pPr algn="ctr" eaLnBrk="1" hangingPunct="1"/>
+              <a:r>
+                <a:rPr lang="en-US" altLang="en-US" sz="1100" dirty="0">
+                  <a:latin typeface="Arial" panose="020B0604020202020204" pitchFamily="34" charset="0"/>
+                  <a:ea typeface="Amazon Ember" panose="020B0603020204020204" pitchFamily="34" charset="0"/>
+                  <a:cs typeface="Arial" panose="020B0604020202020204" pitchFamily="34" charset="0"/>
+                </a:rPr>
+                <a:t>Application Load </a:t>
+              </a:r>
+              <a:br>
+                <a:rPr lang="en-US" altLang="en-US" sz="1100" dirty="0">
+                  <a:latin typeface="Arial" panose="020B0604020202020204" pitchFamily="34" charset="0"/>
+                  <a:ea typeface="Amazon Ember" panose="020B0603020204020204" pitchFamily="34" charset="0"/>
+                  <a:cs typeface="Arial" panose="020B0604020202020204" pitchFamily="34" charset="0"/>
+                </a:rPr>
+              </a:br>
+              <a:r>
+                <a:rPr lang="en-US" altLang="en-US" sz="1100" dirty="0">
+                  <a:latin typeface="Arial" panose="020B0604020202020204" pitchFamily="34" charset="0"/>
+                  <a:ea typeface="Amazon Ember" panose="020B0603020204020204" pitchFamily="34" charset="0"/>
+                  <a:cs typeface="Arial" panose="020B0604020202020204" pitchFamily="34" charset="0"/>
+                </a:rPr>
+                <a:t>Balancer</a:t>
+              </a:r>
+            </a:p>
+          </p:txBody>
+        </p:sp>
+        <p:pic>
+          <p:nvPicPr>
+            <p:cNvPr id="57" name="Graphic 8">
+              <a:extLst>
+                <a:ext uri="{FF2B5EF4-FFF2-40B4-BE49-F238E27FC236}">
+                  <a16:creationId xmlns:a16="http://schemas.microsoft.com/office/drawing/2014/main" id="{7E439D0A-1295-F04A-ADF5-EFDBEAF7B4CB}"/>
+                </a:ext>
+              </a:extLst>
+            </p:cNvPr>
+            <p:cNvPicPr>
+              <a:picLocks noChangeAspect="1" noChangeArrowheads="1"/>
+            </p:cNvPicPr>
+            <p:nvPr/>
+          </p:nvPicPr>
+          <p:blipFill>
+            <a:blip r:embed="rId2">
+              <a:extLst>
+                <a:ext uri="{28A0092B-C50C-407E-A947-70E740481C1C}">
+                  <a14:useLocalDpi xmlns:a14="http://schemas.microsoft.com/office/drawing/2010/main" val="0"/>
+                </a:ext>
+              </a:extLst>
+            </a:blip>
+            <a:srcRect/>
+            <a:stretch>
+              <a:fillRect/>
+            </a:stretch>
+          </p:blipFill>
+          <p:spPr bwMode="auto">
+            <a:xfrm>
+              <a:off x="7302500" y="2805113"/>
+              <a:ext cx="457200" cy="457200"/>
+            </a:xfrm>
+            <a:prstGeom prst="rect">
+              <a:avLst/>
+            </a:prstGeom>
+            <a:noFill/>
+            <a:ln>
+              <a:noFill/>
+            </a:ln>
+            <a:extLst>
+              <a:ext uri="{909E8E84-426E-40DD-AFC4-6F175D3DCCD1}">
+                <a14:hiddenFill xmlns:a14="http://schemas.microsoft.com/office/drawing/2010/main">
+                  <a:solidFill>
+                    <a:srgbClr val="FFFFFF"/>
+                  </a:solidFill>
+                </a14:hiddenFill>
+              </a:ext>
+              <a:ext uri="{91240B29-F687-4F45-9708-019B960494DF}">
+                <a14:hiddenLine xmlns:a14="http://schemas.microsoft.com/office/drawing/2010/main" w="9525">
+                  <a:solidFill>
+                    <a:srgbClr val="000000"/>
+                  </a:solidFill>
+                  <a:miter lim="800000"/>
+                  <a:headEnd/>
+                  <a:tailEnd/>
+                </a14:hiddenLine>
+              </a:ext>
+            </a:extLst>
+          </p:spPr>
+        </p:pic>
+      </p:grpSp>
+      <p:cxnSp>
+        <p:nvCxnSpPr>
+          <p:cNvPr id="60" name="Straight Arrow Connector 59">
+            <a:extLst>
+              <a:ext uri="{FF2B5EF4-FFF2-40B4-BE49-F238E27FC236}">
+                <a16:creationId xmlns:a16="http://schemas.microsoft.com/office/drawing/2014/main" id="{7DD54C9D-6F6F-9440-843F-BC81E3DB9CE3}"/>
+              </a:ext>
+            </a:extLst>
+          </p:cNvPr>
+          <p:cNvCxnSpPr>
+            <a:cxnSpLocks/>
+          </p:cNvCxnSpPr>
+          <p:nvPr/>
+        </p:nvCxnSpPr>
+        <p:spPr>
+          <a:xfrm>
+            <a:off x="2959479" y="1981200"/>
+            <a:ext cx="2733440" cy="0"/>
+          </a:xfrm>
+          <a:prstGeom prst="straightConnector1">
+            <a:avLst/>
+          </a:prstGeom>
+          <a:ln w="12700">
+            <a:solidFill>
+              <a:schemeClr val="tx2"/>
+            </a:solidFill>
+            <a:headEnd type="none" w="med" len="sm"/>
+            <a:tailEnd type="arrow" w="med" len="sm"/>
+          </a:ln>
+        </p:spPr>
+        <p:style>
+          <a:lnRef idx="1">
+            <a:schemeClr val="accent1"/>
+          </a:lnRef>
+          <a:fillRef idx="0">
+            <a:schemeClr val="accent1"/>
+          </a:fillRef>
+          <a:effectRef idx="0">
+            <a:schemeClr val="accent1"/>
+          </a:effectRef>
+          <a:fontRef idx="minor">
+            <a:schemeClr val="tx1"/>
+          </a:fontRef>
+        </p:style>
+      </p:cxnSp>
+      <p:grpSp>
+        <p:nvGrpSpPr>
+          <p:cNvPr id="4" name="Group 3">
+            <a:extLst>
+              <a:ext uri="{FF2B5EF4-FFF2-40B4-BE49-F238E27FC236}">
+                <a16:creationId xmlns:a16="http://schemas.microsoft.com/office/drawing/2014/main" id="{BD1CE6C9-F4E0-0444-8B72-626C2407AC92}"/>
+              </a:ext>
+            </a:extLst>
+          </p:cNvPr>
+          <p:cNvGrpSpPr/>
+          <p:nvPr/>
+        </p:nvGrpSpPr>
+        <p:grpSpPr>
+          <a:xfrm>
+            <a:off x="2172767" y="1539020"/>
+            <a:ext cx="978153" cy="888093"/>
+            <a:chOff x="3821723" y="1554772"/>
+            <a:chExt cx="978153" cy="888093"/>
+          </a:xfrm>
+        </p:grpSpPr>
+        <p:pic>
+          <p:nvPicPr>
+            <p:cNvPr id="59" name="Graphic 6">
+              <a:extLst>
+                <a:ext uri="{FF2B5EF4-FFF2-40B4-BE49-F238E27FC236}">
+                  <a16:creationId xmlns:a16="http://schemas.microsoft.com/office/drawing/2014/main" id="{CB729728-5AA5-2540-8851-8563280BAD8C}"/>
+                </a:ext>
+              </a:extLst>
+            </p:cNvPr>
+            <p:cNvPicPr>
+              <a:picLocks noChangeAspect="1" noChangeArrowheads="1"/>
+            </p:cNvPicPr>
+            <p:nvPr/>
+          </p:nvPicPr>
+          <p:blipFill>
+            <a:blip r:embed="rId3">
+              <a:extLst>
+                <a:ext uri="{96DAC541-7B7A-43D3-8B79-37D633B846F1}">
+                  <asvg:svgBlip xmlns:asvg="http://schemas.microsoft.com/office/drawing/2016/SVG/main" r:embed="rId4"/>
+                </a:ext>
+              </a:extLst>
+            </a:blip>
+            <a:srcRect/>
+            <a:stretch/>
+          </p:blipFill>
+          <p:spPr bwMode="auto">
+            <a:xfrm flipH="1">
+              <a:off x="4066748" y="1554772"/>
+              <a:ext cx="469900" cy="469900"/>
+            </a:xfrm>
+            <a:prstGeom prst="rect">
+              <a:avLst/>
+            </a:prstGeom>
+            <a:noFill/>
+            <a:ln>
+              <a:noFill/>
+            </a:ln>
+            <a:extLst>
+              <a:ext uri="{909E8E84-426E-40DD-AFC4-6F175D3DCCD1}">
+                <a14:hiddenFill xmlns:a14="http://schemas.microsoft.com/office/drawing/2010/main">
+                  <a:solidFill>
+                    <a:srgbClr val="FFFFFF"/>
+                  </a:solidFill>
+                </a14:hiddenFill>
+              </a:ext>
+              <a:ext uri="{91240B29-F687-4F45-9708-019B960494DF}">
+                <a14:hiddenLine xmlns:a14="http://schemas.microsoft.com/office/drawing/2010/main" w="9525">
+                  <a:solidFill>
+                    <a:srgbClr val="000000"/>
+                  </a:solidFill>
+                  <a:miter lim="800000"/>
+                  <a:headEnd/>
+                  <a:tailEnd/>
+                </a14:hiddenLine>
+              </a:ext>
+            </a:extLst>
+          </p:spPr>
+        </p:pic>
+        <p:sp>
+          <p:nvSpPr>
+            <p:cNvPr id="13" name="TextBox 12">
+              <a:extLst>
+                <a:ext uri="{FF2B5EF4-FFF2-40B4-BE49-F238E27FC236}">
+                  <a16:creationId xmlns:a16="http://schemas.microsoft.com/office/drawing/2014/main" id="{59950511-41A9-E14D-801B-78B467A17C4A}"/>
+                </a:ext>
+              </a:extLst>
+            </p:cNvPr>
+            <p:cNvSpPr txBox="1"/>
+            <p:nvPr/>
+          </p:nvSpPr>
+          <p:spPr>
+            <a:xfrm>
+              <a:off x="3821723" y="1981200"/>
+              <a:ext cx="978153" cy="461665"/>
+            </a:xfrm>
+            <a:prstGeom prst="rect">
+              <a:avLst/>
+            </a:prstGeom>
+            <a:noFill/>
+          </p:spPr>
+          <p:txBody>
+            <a:bodyPr wrap="none" rtlCol="0">
+              <a:spAutoFit/>
+            </a:bodyPr>
+            <a:lstStyle/>
+            <a:p>
+              <a:pPr algn="ctr"/>
+              <a:r>
+                <a:rPr lang="en-US" sz="1200" dirty="0"/>
+                <a:t>LogStream </a:t>
+              </a:r>
+            </a:p>
+            <a:p>
+              <a:pPr algn="ctr"/>
+              <a:r>
+                <a:rPr lang="en-US" sz="1200" dirty="0"/>
+                <a:t>Users</a:t>
+              </a:r>
+            </a:p>
+          </p:txBody>
+        </p:sp>
+      </p:grpSp>
+      <p:pic>
+        <p:nvPicPr>
+          <p:cNvPr id="27" name="Graphic 26">
+            <a:extLst>
+              <a:ext uri="{FF2B5EF4-FFF2-40B4-BE49-F238E27FC236}">
+                <a16:creationId xmlns:a16="http://schemas.microsoft.com/office/drawing/2014/main" id="{11D10E49-1F57-CC41-9751-42D8C0FC2542}"/>
+              </a:ext>
+            </a:extLst>
+          </p:cNvPr>
+          <p:cNvPicPr>
+            <a:picLocks noChangeAspect="1"/>
+          </p:cNvPicPr>
+          <p:nvPr/>
+        </p:nvPicPr>
+        <p:blipFill>
+          <a:blip r:embed="rId5">
+            <a:extLst>
+              <a:ext uri="{96DAC541-7B7A-43D3-8B79-37D633B846F1}">
+                <asvg:svgBlip xmlns:asvg="http://schemas.microsoft.com/office/drawing/2016/SVG/main" r:embed="rId6"/>
+              </a:ext>
+            </a:extLst>
+          </a:blip>
+          <a:srcRect/>
+          <a:stretch/>
+        </p:blipFill>
+        <p:spPr>
+          <a:xfrm>
+            <a:off x="528431" y="1046687"/>
+            <a:ext cx="381000" cy="381000"/>
+          </a:xfrm>
+          <a:prstGeom prst="rect">
+            <a:avLst/>
+          </a:prstGeom>
+        </p:spPr>
+      </p:pic>
+      <p:pic>
+        <p:nvPicPr>
+          <p:cNvPr id="28" name="Graphic 27">
+            <a:extLst>
+              <a:ext uri="{FF2B5EF4-FFF2-40B4-BE49-F238E27FC236}">
+                <a16:creationId xmlns:a16="http://schemas.microsoft.com/office/drawing/2014/main" id="{4BCE0EE9-90B5-2445-9B83-FE7EEC3C8A62}"/>
+              </a:ext>
+            </a:extLst>
+          </p:cNvPr>
+          <p:cNvPicPr>
+            <a:picLocks noChangeAspect="1"/>
+          </p:cNvPicPr>
+          <p:nvPr/>
+        </p:nvPicPr>
+        <p:blipFill>
+          <a:blip r:embed="rId7">
+            <a:extLst>
+              <a:ext uri="{96DAC541-7B7A-43D3-8B79-37D633B846F1}">
+                <asvg:svgBlip xmlns:asvg="http://schemas.microsoft.com/office/drawing/2016/SVG/main" r:embed="rId8"/>
+              </a:ext>
+            </a:extLst>
+          </a:blip>
+          <a:stretch>
+            <a:fillRect/>
+          </a:stretch>
+        </p:blipFill>
+        <p:spPr>
+          <a:xfrm>
+            <a:off x="911019" y="1427687"/>
+            <a:ext cx="381000" cy="381000"/>
+          </a:xfrm>
+          <a:prstGeom prst="rect">
+            <a:avLst/>
+          </a:prstGeom>
+        </p:spPr>
+      </p:pic>
+      <p:grpSp>
+        <p:nvGrpSpPr>
+          <p:cNvPr id="63" name="Group 62">
+            <a:extLst>
+              <a:ext uri="{FF2B5EF4-FFF2-40B4-BE49-F238E27FC236}">
+                <a16:creationId xmlns:a16="http://schemas.microsoft.com/office/drawing/2014/main" id="{7A888609-1B15-0B43-B244-18159CDA4DFC}"/>
+              </a:ext>
+            </a:extLst>
+          </p:cNvPr>
+          <p:cNvGrpSpPr/>
+          <p:nvPr/>
+        </p:nvGrpSpPr>
+        <p:grpSpPr>
+          <a:xfrm>
+            <a:off x="1270006" y="4348320"/>
+            <a:ext cx="4871245" cy="1376276"/>
+            <a:chOff x="1973386" y="4348320"/>
+            <a:chExt cx="4871245" cy="1376276"/>
+          </a:xfrm>
+        </p:grpSpPr>
+        <p:sp>
+          <p:nvSpPr>
+            <p:cNvPr id="34" name="Rectangle 33">
+              <a:extLst>
+                <a:ext uri="{FF2B5EF4-FFF2-40B4-BE49-F238E27FC236}">
+                  <a16:creationId xmlns:a16="http://schemas.microsoft.com/office/drawing/2014/main" id="{FFF835A2-34CA-8247-BE9B-0C9C4A4C0B66}"/>
+                </a:ext>
+              </a:extLst>
+            </p:cNvPr>
+            <p:cNvSpPr/>
+            <p:nvPr/>
+          </p:nvSpPr>
+          <p:spPr>
+            <a:xfrm>
+              <a:off x="1973386" y="4348320"/>
+              <a:ext cx="4422913" cy="1376276"/>
+            </a:xfrm>
+            <a:prstGeom prst="rect">
+              <a:avLst/>
+            </a:prstGeom>
+            <a:noFill/>
+            <a:ln w="12700">
+              <a:solidFill>
+                <a:srgbClr val="5A6B86"/>
+              </a:solidFill>
+              <a:prstDash val="dash"/>
+            </a:ln>
+          </p:spPr>
+          <p:style>
+            <a:lnRef idx="2">
+              <a:schemeClr val="accent1">
+                <a:shade val="50000"/>
+              </a:schemeClr>
+            </a:lnRef>
+            <a:fillRef idx="1">
+              <a:schemeClr val="accent1"/>
+            </a:fillRef>
+            <a:effectRef idx="0">
+              <a:schemeClr val="accent1"/>
+            </a:effectRef>
+            <a:fontRef idx="minor">
+              <a:schemeClr val="lt1"/>
+            </a:fontRef>
+          </p:style>
+          <p:txBody>
+            <a:bodyPr tIns="91440"/>
+            <a:lstStyle/>
+            <a:p>
+              <a:pPr algn="ctr" eaLnBrk="1" fontAlgn="auto" hangingPunct="1">
+                <a:spcBef>
+                  <a:spcPts val="0"/>
+                </a:spcBef>
+                <a:spcAft>
+                  <a:spcPts val="0"/>
+                </a:spcAft>
+                <a:defRPr/>
+              </a:pPr>
+              <a:r>
+                <a:rPr lang="en-US" sz="1200" dirty="0">
+                  <a:solidFill>
+                    <a:srgbClr val="5A6B86"/>
+                  </a:solidFill>
+                  <a:latin typeface="Arial" panose="020B0604020202020204" pitchFamily="34" charset="0"/>
+                  <a:cs typeface="Arial" panose="020B0604020202020204" pitchFamily="34" charset="0"/>
+                </a:rPr>
+                <a:t>Sources</a:t>
+              </a:r>
+            </a:p>
+          </p:txBody>
+        </p:sp>
+        <p:grpSp>
+          <p:nvGrpSpPr>
+            <p:cNvPr id="40" name="Group 39">
+              <a:extLst>
+                <a:ext uri="{FF2B5EF4-FFF2-40B4-BE49-F238E27FC236}">
+                  <a16:creationId xmlns:a16="http://schemas.microsoft.com/office/drawing/2014/main" id="{CE2E9154-BE20-DE46-98D9-04F379FE211E}"/>
+                </a:ext>
+              </a:extLst>
+            </p:cNvPr>
+            <p:cNvGrpSpPr/>
+            <p:nvPr/>
+          </p:nvGrpSpPr>
+          <p:grpSpPr>
+            <a:xfrm>
+              <a:off x="2171294" y="4627816"/>
+              <a:ext cx="952505" cy="921352"/>
+              <a:chOff x="1465018" y="4401122"/>
+              <a:chExt cx="952505" cy="921352"/>
+            </a:xfrm>
+          </p:grpSpPr>
+          <p:pic>
+            <p:nvPicPr>
+              <p:cNvPr id="33" name="Graphic 64">
+                <a:extLst>
+                  <a:ext uri="{FF2B5EF4-FFF2-40B4-BE49-F238E27FC236}">
+                    <a16:creationId xmlns:a16="http://schemas.microsoft.com/office/drawing/2014/main" id="{79BF47A4-08AE-8049-AC4D-E1D96A210A9F}"/>
+                  </a:ext>
+                </a:extLst>
+              </p:cNvPr>
+              <p:cNvPicPr>
+                <a:picLocks noChangeAspect="1" noChangeArrowheads="1"/>
+              </p:cNvPicPr>
+              <p:nvPr/>
+            </p:nvPicPr>
+            <p:blipFill>
+              <a:blip r:embed="rId9">
+                <a:extLst>
+                  <a:ext uri="{28A0092B-C50C-407E-A947-70E740481C1C}">
+                    <a14:useLocalDpi xmlns:a14="http://schemas.microsoft.com/office/drawing/2010/main" val="0"/>
+                  </a:ext>
+                </a:extLst>
+              </a:blip>
+              <a:srcRect/>
+              <a:stretch>
+                <a:fillRect/>
+              </a:stretch>
+            </p:blipFill>
+            <p:spPr bwMode="auto">
+              <a:xfrm>
+                <a:off x="1712671" y="4401122"/>
+                <a:ext cx="457200" cy="457200"/>
+              </a:xfrm>
+              <a:prstGeom prst="rect">
+                <a:avLst/>
+              </a:prstGeom>
+              <a:noFill/>
+              <a:ln>
+                <a:noFill/>
+              </a:ln>
+              <a:extLst>
+                <a:ext uri="{909E8E84-426E-40DD-AFC4-6F175D3DCCD1}">
+                  <a14:hiddenFill xmlns:a14="http://schemas.microsoft.com/office/drawing/2010/main">
+                    <a:solidFill>
+                      <a:srgbClr val="FFFFFF"/>
+                    </a:solidFill>
+                  </a14:hiddenFill>
+                </a:ext>
+                <a:ext uri="{91240B29-F687-4F45-9708-019B960494DF}">
+                  <a14:hiddenLine xmlns:a14="http://schemas.microsoft.com/office/drawing/2010/main" w="9525">
+                    <a:solidFill>
+                      <a:srgbClr val="000000"/>
+                    </a:solidFill>
+                    <a:miter lim="800000"/>
+                    <a:headEnd/>
+                    <a:tailEnd/>
+                  </a14:hiddenLine>
+                </a:ext>
+              </a:extLst>
+            </p:spPr>
+          </p:pic>
+          <p:sp>
+            <p:nvSpPr>
+              <p:cNvPr id="36" name="TextBox 35">
+                <a:extLst>
+                  <a:ext uri="{FF2B5EF4-FFF2-40B4-BE49-F238E27FC236}">
+                    <a16:creationId xmlns:a16="http://schemas.microsoft.com/office/drawing/2014/main" id="{38D8309E-22F4-C44F-81B4-86B0B2131B31}"/>
+                  </a:ext>
+                </a:extLst>
+              </p:cNvPr>
+              <p:cNvSpPr txBox="1"/>
+              <p:nvPr/>
+            </p:nvSpPr>
+            <p:spPr>
+              <a:xfrm>
+                <a:off x="1465018" y="4891587"/>
+                <a:ext cx="952505" cy="430887"/>
+              </a:xfrm>
+              <a:prstGeom prst="rect">
+                <a:avLst/>
+              </a:prstGeom>
+              <a:noFill/>
+            </p:spPr>
+            <p:txBody>
+              <a:bodyPr wrap="none" rtlCol="0">
+                <a:spAutoFit/>
+              </a:bodyPr>
+              <a:lstStyle/>
+              <a:p>
+                <a:pPr algn="ctr"/>
+                <a:r>
+                  <a:rPr lang="en-US" sz="1100" dirty="0"/>
+                  <a:t>Amazon S3 </a:t>
+                </a:r>
+              </a:p>
+              <a:p>
+                <a:pPr algn="ctr"/>
+                <a:r>
+                  <a:rPr lang="en-US" sz="1100" dirty="0"/>
+                  <a:t>Bucket</a:t>
+                </a:r>
+              </a:p>
+            </p:txBody>
+          </p:sp>
+        </p:grpSp>
+        <p:grpSp>
+          <p:nvGrpSpPr>
+            <p:cNvPr id="41" name="Group 40">
+              <a:extLst>
+                <a:ext uri="{FF2B5EF4-FFF2-40B4-BE49-F238E27FC236}">
+                  <a16:creationId xmlns:a16="http://schemas.microsoft.com/office/drawing/2014/main" id="{80BE00D8-31BB-1246-A495-25FF63F5091D}"/>
+                </a:ext>
+              </a:extLst>
+            </p:cNvPr>
+            <p:cNvGrpSpPr/>
+            <p:nvPr/>
+          </p:nvGrpSpPr>
+          <p:grpSpPr>
+            <a:xfrm>
+              <a:off x="3662859" y="4697042"/>
+              <a:ext cx="1039067" cy="752709"/>
+              <a:chOff x="2427626" y="4401122"/>
+              <a:chExt cx="1039067" cy="752709"/>
+            </a:xfrm>
+          </p:grpSpPr>
+          <p:pic>
+            <p:nvPicPr>
+              <p:cNvPr id="35" name="Graphic 26">
+                <a:extLst>
+                  <a:ext uri="{FF2B5EF4-FFF2-40B4-BE49-F238E27FC236}">
+                    <a16:creationId xmlns:a16="http://schemas.microsoft.com/office/drawing/2014/main" id="{5A28506D-F10F-E74A-9376-0E76D49C8959}"/>
+                  </a:ext>
+                </a:extLst>
+              </p:cNvPr>
+              <p:cNvPicPr>
+                <a:picLocks noChangeAspect="1" noChangeArrowheads="1"/>
+              </p:cNvPicPr>
+              <p:nvPr/>
+            </p:nvPicPr>
+            <p:blipFill>
+              <a:blip r:embed="rId10">
+                <a:extLst>
+                  <a:ext uri="{28A0092B-C50C-407E-A947-70E740481C1C}">
+                    <a14:useLocalDpi xmlns:a14="http://schemas.microsoft.com/office/drawing/2010/main" val="0"/>
+                  </a:ext>
+                </a:extLst>
+              </a:blip>
+              <a:srcRect/>
+              <a:stretch>
+                <a:fillRect/>
+              </a:stretch>
+            </p:blipFill>
+            <p:spPr bwMode="auto">
+              <a:xfrm>
+                <a:off x="2718559" y="4401122"/>
+                <a:ext cx="457200" cy="457200"/>
+              </a:xfrm>
+              <a:prstGeom prst="rect">
+                <a:avLst/>
+              </a:prstGeom>
+              <a:noFill/>
+              <a:ln>
+                <a:noFill/>
+              </a:ln>
+              <a:extLst>
+                <a:ext uri="{909E8E84-426E-40DD-AFC4-6F175D3DCCD1}">
+                  <a14:hiddenFill xmlns:a14="http://schemas.microsoft.com/office/drawing/2010/main">
+                    <a:solidFill>
+                      <a:srgbClr val="FFFFFF"/>
+                    </a:solidFill>
+                  </a14:hiddenFill>
+                </a:ext>
+                <a:ext uri="{91240B29-F687-4F45-9708-019B960494DF}">
+                  <a14:hiddenLine xmlns:a14="http://schemas.microsoft.com/office/drawing/2010/main" w="9525">
+                    <a:solidFill>
+                      <a:srgbClr val="000000"/>
+                    </a:solidFill>
+                    <a:miter lim="800000"/>
+                    <a:headEnd/>
+                    <a:tailEnd/>
+                  </a14:hiddenLine>
+                </a:ext>
+              </a:extLst>
+            </p:spPr>
+          </p:pic>
+          <p:sp>
+            <p:nvSpPr>
+              <p:cNvPr id="37" name="TextBox 36">
+                <a:extLst>
+                  <a:ext uri="{FF2B5EF4-FFF2-40B4-BE49-F238E27FC236}">
+                    <a16:creationId xmlns:a16="http://schemas.microsoft.com/office/drawing/2014/main" id="{C81B05E9-DAC9-D64C-8413-C9833BC8761A}"/>
+                  </a:ext>
+                </a:extLst>
+              </p:cNvPr>
+              <p:cNvSpPr txBox="1"/>
+              <p:nvPr/>
+            </p:nvSpPr>
+            <p:spPr>
+              <a:xfrm>
+                <a:off x="2427626" y="4892221"/>
+                <a:ext cx="1039067" cy="261610"/>
+              </a:xfrm>
+              <a:prstGeom prst="rect">
+                <a:avLst/>
+              </a:prstGeom>
+              <a:noFill/>
+            </p:spPr>
+            <p:txBody>
+              <a:bodyPr wrap="none" rtlCol="0">
+                <a:spAutoFit/>
+              </a:bodyPr>
+              <a:lstStyle/>
+              <a:p>
+                <a:pPr algn="ctr"/>
+                <a:r>
+                  <a:rPr lang="en-US" sz="1100" dirty="0"/>
+                  <a:t>Amazon SQS</a:t>
+                </a:r>
+              </a:p>
+            </p:txBody>
+          </p:sp>
+        </p:grpSp>
+        <p:grpSp>
+          <p:nvGrpSpPr>
+            <p:cNvPr id="42" name="Group 41">
+              <a:extLst>
+                <a:ext uri="{FF2B5EF4-FFF2-40B4-BE49-F238E27FC236}">
+                  <a16:creationId xmlns:a16="http://schemas.microsoft.com/office/drawing/2014/main" id="{0BD9EA3E-EA91-7E4F-BAFA-A0FCD90699D9}"/>
+                </a:ext>
+              </a:extLst>
+            </p:cNvPr>
+            <p:cNvGrpSpPr/>
+            <p:nvPr/>
+          </p:nvGrpSpPr>
+          <p:grpSpPr>
+            <a:xfrm>
+              <a:off x="4564981" y="4721790"/>
+              <a:ext cx="2279650" cy="727961"/>
+              <a:chOff x="2875556" y="4410481"/>
+              <a:chExt cx="2279650" cy="727961"/>
+            </a:xfrm>
+          </p:grpSpPr>
+          <p:pic>
+            <p:nvPicPr>
+              <p:cNvPr id="38" name="Graphic 24">
+                <a:extLst>
+                  <a:ext uri="{FF2B5EF4-FFF2-40B4-BE49-F238E27FC236}">
+                    <a16:creationId xmlns:a16="http://schemas.microsoft.com/office/drawing/2014/main" id="{1B70C626-1642-F143-AAE7-697AE9D78BAF}"/>
+                  </a:ext>
+                </a:extLst>
+              </p:cNvPr>
+              <p:cNvPicPr>
+                <a:picLocks noChangeAspect="1" noChangeArrowheads="1"/>
+              </p:cNvPicPr>
+              <p:nvPr/>
+            </p:nvPicPr>
+            <p:blipFill>
+              <a:blip r:embed="rId11">
+                <a:extLst>
+                  <a:ext uri="{28A0092B-C50C-407E-A947-70E740481C1C}">
+                    <a14:useLocalDpi xmlns:a14="http://schemas.microsoft.com/office/drawing/2010/main" val="0"/>
+                  </a:ext>
+                </a:extLst>
+              </a:blip>
+              <a:srcRect/>
+              <a:stretch>
+                <a:fillRect/>
+              </a:stretch>
+            </p:blipFill>
+            <p:spPr bwMode="auto">
+              <a:xfrm>
+                <a:off x="3788568" y="4410481"/>
+                <a:ext cx="457200" cy="457200"/>
+              </a:xfrm>
+              <a:prstGeom prst="rect">
+                <a:avLst/>
+              </a:prstGeom>
+              <a:noFill/>
+              <a:ln>
+                <a:noFill/>
+              </a:ln>
+              <a:extLst>
+                <a:ext uri="{909E8E84-426E-40DD-AFC4-6F175D3DCCD1}">
+                  <a14:hiddenFill xmlns:a14="http://schemas.microsoft.com/office/drawing/2010/main">
+                    <a:solidFill>
+                      <a:srgbClr val="FFFFFF"/>
+                    </a:solidFill>
+                  </a14:hiddenFill>
+                </a:ext>
+                <a:ext uri="{91240B29-F687-4F45-9708-019B960494DF}">
+                  <a14:hiddenLine xmlns:a14="http://schemas.microsoft.com/office/drawing/2010/main" w="9525">
+                    <a:solidFill>
+                      <a:srgbClr val="000000"/>
+                    </a:solidFill>
+                    <a:miter lim="800000"/>
+                    <a:headEnd/>
+                    <a:tailEnd/>
+                  </a14:hiddenLine>
+                </a:ext>
+              </a:extLst>
+            </p:spPr>
+          </p:pic>
+          <p:sp>
+            <p:nvSpPr>
+              <p:cNvPr id="39" name="TextBox 19">
+                <a:extLst>
+                  <a:ext uri="{FF2B5EF4-FFF2-40B4-BE49-F238E27FC236}">
+                    <a16:creationId xmlns:a16="http://schemas.microsoft.com/office/drawing/2014/main" id="{BC5DDDBB-A218-6A45-849A-CCFB91E061E5}"/>
+                  </a:ext>
+                </a:extLst>
+              </p:cNvPr>
+              <p:cNvSpPr txBox="1">
+                <a:spLocks noChangeArrowheads="1"/>
+              </p:cNvSpPr>
+              <p:nvPr/>
+            </p:nvSpPr>
+            <p:spPr bwMode="auto">
+              <a:xfrm>
+                <a:off x="2875556" y="4876832"/>
+                <a:ext cx="2279650" cy="261610"/>
+              </a:xfrm>
+              <a:prstGeom prst="rect">
+                <a:avLst/>
+              </a:prstGeom>
+              <a:noFill/>
+              <a:ln>
+                <a:noFill/>
+              </a:ln>
+              <a:extLst>
+                <a:ext uri="{909E8E84-426E-40DD-AFC4-6F175D3DCCD1}">
+                  <a14:hiddenFill xmlns:a14="http://schemas.microsoft.com/office/drawing/2010/main">
+                    <a:solidFill>
+                      <a:srgbClr val="FFFFFF"/>
+                    </a:solidFill>
+                  </a14:hiddenFill>
+                </a:ext>
+                <a:ext uri="{91240B29-F687-4F45-9708-019B960494DF}">
+                  <a14:hiddenLine xmlns:a14="http://schemas.microsoft.com/office/drawing/2010/main" w="9525">
+                    <a:solidFill>
+                      <a:srgbClr val="000000"/>
+                    </a:solidFill>
+                    <a:miter lim="800000"/>
+                    <a:headEnd/>
+                    <a:tailEnd/>
+                  </a14:hiddenLine>
+                </a:ext>
+              </a:extLst>
+            </p:spPr>
+            <p:txBody>
+              <a:bodyPr>
+                <a:spAutoFit/>
+              </a:bodyPr>
+              <a:lstStyle>
+                <a:lvl1pPr>
+                  <a:defRPr>
+                    <a:solidFill>
+                      <a:schemeClr val="tx1"/>
+                    </a:solidFill>
+                    <a:latin typeface="Calibri" panose="020F0502020204030204" pitchFamily="34" charset="0"/>
+                  </a:defRPr>
+                </a:lvl1pPr>
+                <a:lvl2pPr marL="742950" indent="-285750">
+                  <a:defRPr>
+                    <a:solidFill>
+                      <a:schemeClr val="tx1"/>
+                    </a:solidFill>
+                    <a:latin typeface="Calibri" panose="020F0502020204030204" pitchFamily="34" charset="0"/>
+                  </a:defRPr>
+                </a:lvl2pPr>
+                <a:lvl3pPr marL="1143000" indent="-228600">
+                  <a:defRPr>
+                    <a:solidFill>
+                      <a:schemeClr val="tx1"/>
+                    </a:solidFill>
+                    <a:latin typeface="Calibri" panose="020F0502020204030204" pitchFamily="34" charset="0"/>
+                  </a:defRPr>
+                </a:lvl3pPr>
+                <a:lvl4pPr marL="1600200" indent="-228600">
+                  <a:defRPr>
+                    <a:solidFill>
+                      <a:schemeClr val="tx1"/>
+                    </a:solidFill>
+                    <a:latin typeface="Calibri" panose="020F0502020204030204" pitchFamily="34" charset="0"/>
+                  </a:defRPr>
+                </a:lvl4pPr>
+                <a:lvl5pPr marL="2057400" indent="-228600">
+                  <a:defRPr>
+                    <a:solidFill>
+                      <a:schemeClr val="tx1"/>
+                    </a:solidFill>
+                    <a:latin typeface="Calibri" panose="020F0502020204030204" pitchFamily="34" charset="0"/>
+                  </a:defRPr>
+                </a:lvl5pPr>
+                <a:lvl6pPr marL="2514600" indent="-228600" eaLnBrk="0" fontAlgn="base" hangingPunct="0">
+                  <a:spcBef>
+                    <a:spcPct val="0"/>
+                  </a:spcBef>
+                  <a:spcAft>
+                    <a:spcPct val="0"/>
+                  </a:spcAft>
+                  <a:defRPr>
+                    <a:solidFill>
+                      <a:schemeClr val="tx1"/>
+                    </a:solidFill>
+                    <a:latin typeface="Calibri" panose="020F0502020204030204" pitchFamily="34" charset="0"/>
+                  </a:defRPr>
+                </a:lvl6pPr>
+                <a:lvl7pPr marL="2971800" indent="-228600" eaLnBrk="0" fontAlgn="base" hangingPunct="0">
+                  <a:spcBef>
+                    <a:spcPct val="0"/>
+                  </a:spcBef>
+                  <a:spcAft>
+                    <a:spcPct val="0"/>
+                  </a:spcAft>
+                  <a:defRPr>
+                    <a:solidFill>
+                      <a:schemeClr val="tx1"/>
+                    </a:solidFill>
+                    <a:latin typeface="Calibri" panose="020F0502020204030204" pitchFamily="34" charset="0"/>
+                  </a:defRPr>
+                </a:lvl7pPr>
+                <a:lvl8pPr marL="3429000" indent="-228600" eaLnBrk="0" fontAlgn="base" hangingPunct="0">
+                  <a:spcBef>
+                    <a:spcPct val="0"/>
+                  </a:spcBef>
+                  <a:spcAft>
+                    <a:spcPct val="0"/>
+                  </a:spcAft>
+                  <a:defRPr>
+                    <a:solidFill>
+                      <a:schemeClr val="tx1"/>
+                    </a:solidFill>
+                    <a:latin typeface="Calibri" panose="020F0502020204030204" pitchFamily="34" charset="0"/>
+                  </a:defRPr>
+                </a:lvl8pPr>
+                <a:lvl9pPr marL="3886200" indent="-228600" eaLnBrk="0" fontAlgn="base" hangingPunct="0">
+                  <a:spcBef>
+                    <a:spcPct val="0"/>
+                  </a:spcBef>
+                  <a:spcAft>
+                    <a:spcPct val="0"/>
+                  </a:spcAft>
+                  <a:defRPr>
+                    <a:solidFill>
+                      <a:schemeClr val="tx1"/>
+                    </a:solidFill>
+                    <a:latin typeface="Calibri" panose="020F0502020204030204" pitchFamily="34" charset="0"/>
+                  </a:defRPr>
+                </a:lvl9pPr>
+              </a:lstStyle>
+              <a:p>
+                <a:pPr algn="ctr" eaLnBrk="1" hangingPunct="1"/>
+                <a:r>
+                  <a:rPr lang="en-US" altLang="en-US" sz="1100" dirty="0">
+                    <a:latin typeface="Arial" panose="020B0604020202020204" pitchFamily="34" charset="0"/>
+                    <a:ea typeface="Amazon Ember" panose="020B0603020204020204" pitchFamily="34" charset="0"/>
+                    <a:cs typeface="Arial" panose="020B0604020202020204" pitchFamily="34" charset="0"/>
+                  </a:rPr>
+                  <a:t>Amazon Kinesis</a:t>
+                </a:r>
+              </a:p>
+            </p:txBody>
+          </p:sp>
+        </p:grpSp>
+      </p:grpSp>
+      <p:sp>
+        <p:nvSpPr>
+          <p:cNvPr id="43" name="Rectangle 42">
+            <a:extLst>
+              <a:ext uri="{FF2B5EF4-FFF2-40B4-BE49-F238E27FC236}">
+                <a16:creationId xmlns:a16="http://schemas.microsoft.com/office/drawing/2014/main" id="{7BDD466C-4694-FA4C-9C0A-F5F723F0D86B}"/>
+              </a:ext>
+            </a:extLst>
+          </p:cNvPr>
+          <p:cNvSpPr/>
+          <p:nvPr/>
+        </p:nvSpPr>
+        <p:spPr>
+          <a:xfrm>
+            <a:off x="6539036" y="4348320"/>
+            <a:ext cx="4422913" cy="1376276"/>
+          </a:xfrm>
+          <a:prstGeom prst="rect">
+            <a:avLst/>
+          </a:prstGeom>
+          <a:noFill/>
+          <a:ln w="12700">
+            <a:solidFill>
+              <a:srgbClr val="5A6B86"/>
+            </a:solidFill>
+            <a:prstDash val="dash"/>
+          </a:ln>
+        </p:spPr>
+        <p:style>
+          <a:lnRef idx="2">
+            <a:schemeClr val="accent1">
+              <a:shade val="50000"/>
+            </a:schemeClr>
+          </a:lnRef>
+          <a:fillRef idx="1">
+            <a:schemeClr val="accent1"/>
+          </a:fillRef>
+          <a:effectRef idx="0">
+            <a:schemeClr val="accent1"/>
+          </a:effectRef>
+          <a:fontRef idx="minor">
+            <a:schemeClr val="lt1"/>
+          </a:fontRef>
+        </p:style>
+        <p:txBody>
+          <a:bodyPr tIns="91440"/>
+          <a:lstStyle/>
+          <a:p>
+            <a:pPr algn="ctr" eaLnBrk="1" fontAlgn="auto" hangingPunct="1">
+              <a:spcBef>
+                <a:spcPts val="0"/>
+              </a:spcBef>
+              <a:spcAft>
+                <a:spcPts val="0"/>
+              </a:spcAft>
+              <a:defRPr/>
+            </a:pPr>
+            <a:r>
+              <a:rPr lang="en-US" sz="1200" dirty="0">
+                <a:solidFill>
+                  <a:srgbClr val="5A6B86"/>
+                </a:solidFill>
+                <a:latin typeface="Arial" panose="020B0604020202020204" pitchFamily="34" charset="0"/>
+                <a:cs typeface="Arial" panose="020B0604020202020204" pitchFamily="34" charset="0"/>
+              </a:rPr>
+              <a:t>Destinations</a:t>
+            </a:r>
+          </a:p>
+        </p:txBody>
+      </p:sp>
+      <p:grpSp>
+        <p:nvGrpSpPr>
+          <p:cNvPr id="44" name="Group 43">
+            <a:extLst>
+              <a:ext uri="{FF2B5EF4-FFF2-40B4-BE49-F238E27FC236}">
+                <a16:creationId xmlns:a16="http://schemas.microsoft.com/office/drawing/2014/main" id="{1810373F-F5A7-3345-9EF5-C5FA70043564}"/>
+              </a:ext>
+            </a:extLst>
+          </p:cNvPr>
+          <p:cNvGrpSpPr/>
+          <p:nvPr/>
+        </p:nvGrpSpPr>
+        <p:grpSpPr>
+          <a:xfrm>
+            <a:off x="6684177" y="4595709"/>
+            <a:ext cx="952505" cy="921352"/>
+            <a:chOff x="1465018" y="4401122"/>
+            <a:chExt cx="952505" cy="921352"/>
+          </a:xfrm>
+        </p:grpSpPr>
+        <p:pic>
+          <p:nvPicPr>
+            <p:cNvPr id="45" name="Graphic 64">
+              <a:extLst>
+                <a:ext uri="{FF2B5EF4-FFF2-40B4-BE49-F238E27FC236}">
+                  <a16:creationId xmlns:a16="http://schemas.microsoft.com/office/drawing/2014/main" id="{B5A4F5C7-18BE-584C-8B14-9029107DF3FD}"/>
+                </a:ext>
+              </a:extLst>
+            </p:cNvPr>
+            <p:cNvPicPr>
+              <a:picLocks noChangeAspect="1" noChangeArrowheads="1"/>
+            </p:cNvPicPr>
+            <p:nvPr/>
+          </p:nvPicPr>
+          <p:blipFill>
+            <a:blip r:embed="rId9">
+              <a:extLst>
+                <a:ext uri="{28A0092B-C50C-407E-A947-70E740481C1C}">
+                  <a14:useLocalDpi xmlns:a14="http://schemas.microsoft.com/office/drawing/2010/main" val="0"/>
+                </a:ext>
+              </a:extLst>
+            </a:blip>
+            <a:srcRect/>
+            <a:stretch>
+              <a:fillRect/>
+            </a:stretch>
+          </p:blipFill>
+          <p:spPr bwMode="auto">
+            <a:xfrm>
+              <a:off x="1712671" y="4401122"/>
+              <a:ext cx="457200" cy="457200"/>
+            </a:xfrm>
+            <a:prstGeom prst="rect">
+              <a:avLst/>
+            </a:prstGeom>
+            <a:noFill/>
+            <a:ln>
+              <a:noFill/>
+            </a:ln>
+            <a:extLst>
+              <a:ext uri="{909E8E84-426E-40DD-AFC4-6F175D3DCCD1}">
+                <a14:hiddenFill xmlns:a14="http://schemas.microsoft.com/office/drawing/2010/main">
+                  <a:solidFill>
+                    <a:srgbClr val="FFFFFF"/>
+                  </a:solidFill>
+                </a14:hiddenFill>
+              </a:ext>
+              <a:ext uri="{91240B29-F687-4F45-9708-019B960494DF}">
+                <a14:hiddenLine xmlns:a14="http://schemas.microsoft.com/office/drawing/2010/main" w="9525">
+                  <a:solidFill>
+                    <a:srgbClr val="000000"/>
+                  </a:solidFill>
+                  <a:miter lim="800000"/>
+                  <a:headEnd/>
+                  <a:tailEnd/>
+                </a14:hiddenLine>
+              </a:ext>
+            </a:extLst>
+          </p:spPr>
+        </p:pic>
+        <p:sp>
+          <p:nvSpPr>
+            <p:cNvPr id="46" name="TextBox 45">
+              <a:extLst>
+                <a:ext uri="{FF2B5EF4-FFF2-40B4-BE49-F238E27FC236}">
+                  <a16:creationId xmlns:a16="http://schemas.microsoft.com/office/drawing/2014/main" id="{920A764F-5BCF-5440-97BC-FF3A7CF43717}"/>
+                </a:ext>
+              </a:extLst>
+            </p:cNvPr>
+            <p:cNvSpPr txBox="1"/>
+            <p:nvPr/>
+          </p:nvSpPr>
+          <p:spPr>
+            <a:xfrm>
+              <a:off x="1465018" y="4891587"/>
+              <a:ext cx="952505" cy="430887"/>
+            </a:xfrm>
+            <a:prstGeom prst="rect">
+              <a:avLst/>
+            </a:prstGeom>
+            <a:noFill/>
+          </p:spPr>
+          <p:txBody>
+            <a:bodyPr wrap="none" rtlCol="0">
+              <a:spAutoFit/>
+            </a:bodyPr>
+            <a:lstStyle/>
+            <a:p>
+              <a:pPr algn="ctr"/>
+              <a:r>
+                <a:rPr lang="en-US" sz="1100" dirty="0"/>
+                <a:t>Amazon S3 </a:t>
+              </a:r>
+            </a:p>
+            <a:p>
+              <a:pPr algn="ctr"/>
+              <a:r>
+                <a:rPr lang="en-US" sz="1100" dirty="0"/>
+                <a:t>Bucket</a:t>
+              </a:r>
+            </a:p>
+          </p:txBody>
+        </p:sp>
+      </p:grpSp>
+      <p:grpSp>
+        <p:nvGrpSpPr>
+          <p:cNvPr id="49" name="Group 48">
+            <a:extLst>
+              <a:ext uri="{FF2B5EF4-FFF2-40B4-BE49-F238E27FC236}">
+                <a16:creationId xmlns:a16="http://schemas.microsoft.com/office/drawing/2014/main" id="{06A754C5-F069-CD49-8CDB-1ACE3AA6D905}"/>
+              </a:ext>
+            </a:extLst>
+          </p:cNvPr>
+          <p:cNvGrpSpPr/>
+          <p:nvPr/>
+        </p:nvGrpSpPr>
+        <p:grpSpPr>
+          <a:xfrm>
+            <a:off x="8154623" y="4639400"/>
+            <a:ext cx="1166881" cy="768023"/>
+            <a:chOff x="7583612" y="4627816"/>
+            <a:chExt cx="1166881" cy="768023"/>
+          </a:xfrm>
+        </p:grpSpPr>
+        <p:sp>
+          <p:nvSpPr>
+            <p:cNvPr id="47" name="TextBox 18">
+              <a:extLst>
+                <a:ext uri="{FF2B5EF4-FFF2-40B4-BE49-F238E27FC236}">
+                  <a16:creationId xmlns:a16="http://schemas.microsoft.com/office/drawing/2014/main" id="{A216F64F-B038-1045-8805-12B78C1D11F9}"/>
+                </a:ext>
+              </a:extLst>
+            </p:cNvPr>
+            <p:cNvSpPr txBox="1">
+              <a:spLocks noChangeArrowheads="1"/>
+            </p:cNvSpPr>
+            <p:nvPr/>
+          </p:nvSpPr>
+          <p:spPr bwMode="auto">
+            <a:xfrm>
+              <a:off x="7583612" y="5134229"/>
+              <a:ext cx="1166881" cy="261610"/>
+            </a:xfrm>
+            <a:prstGeom prst="rect">
+              <a:avLst/>
+            </a:prstGeom>
+            <a:noFill/>
+            <a:ln>
+              <a:noFill/>
+            </a:ln>
+            <a:extLst>
+              <a:ext uri="{909E8E84-426E-40DD-AFC4-6F175D3DCCD1}">
+                <a14:hiddenFill xmlns:a14="http://schemas.microsoft.com/office/drawing/2010/main">
+                  <a:solidFill>
+                    <a:srgbClr val="FFFFFF"/>
+                  </a:solidFill>
+                </a14:hiddenFill>
+              </a:ext>
+              <a:ext uri="{91240B29-F687-4F45-9708-019B960494DF}">
+                <a14:hiddenLine xmlns:a14="http://schemas.microsoft.com/office/drawing/2010/main" w="9525">
+                  <a:solidFill>
+                    <a:srgbClr val="000000"/>
+                  </a:solidFill>
+                  <a:miter lim="800000"/>
+                  <a:headEnd/>
+                  <a:tailEnd/>
+                </a14:hiddenLine>
+              </a:ext>
+            </a:extLst>
+          </p:spPr>
+          <p:txBody>
+            <a:bodyPr wrap="square">
+              <a:spAutoFit/>
+            </a:bodyPr>
+            <a:lstStyle>
+              <a:lvl1pPr>
+                <a:defRPr>
+                  <a:solidFill>
+                    <a:schemeClr val="tx1"/>
+                  </a:solidFill>
+                  <a:latin typeface="Calibri" panose="020F0502020204030204" pitchFamily="34" charset="0"/>
+                </a:defRPr>
+              </a:lvl1pPr>
+              <a:lvl2pPr marL="742950" indent="-285750">
+                <a:defRPr>
+                  <a:solidFill>
+                    <a:schemeClr val="tx1"/>
+                  </a:solidFill>
+                  <a:latin typeface="Calibri" panose="020F0502020204030204" pitchFamily="34" charset="0"/>
+                </a:defRPr>
+              </a:lvl2pPr>
+              <a:lvl3pPr marL="1143000" indent="-228600">
+                <a:defRPr>
+                  <a:solidFill>
+                    <a:schemeClr val="tx1"/>
+                  </a:solidFill>
+                  <a:latin typeface="Calibri" panose="020F0502020204030204" pitchFamily="34" charset="0"/>
+                </a:defRPr>
+              </a:lvl3pPr>
+              <a:lvl4pPr marL="1600200" indent="-228600">
+                <a:defRPr>
+                  <a:solidFill>
+                    <a:schemeClr val="tx1"/>
+                  </a:solidFill>
+                  <a:latin typeface="Calibri" panose="020F0502020204030204" pitchFamily="34" charset="0"/>
+                </a:defRPr>
+              </a:lvl4pPr>
+              <a:lvl5pPr marL="2057400" indent="-228600">
+                <a:defRPr>
+                  <a:solidFill>
+                    <a:schemeClr val="tx1"/>
+                  </a:solidFill>
+                  <a:latin typeface="Calibri" panose="020F0502020204030204" pitchFamily="34" charset="0"/>
+                </a:defRPr>
+              </a:lvl5pPr>
+              <a:lvl6pPr marL="2514600" indent="-228600" eaLnBrk="0" fontAlgn="base" hangingPunct="0">
+                <a:spcBef>
+                  <a:spcPct val="0"/>
+                </a:spcBef>
+                <a:spcAft>
+                  <a:spcPct val="0"/>
+                </a:spcAft>
+                <a:defRPr>
+                  <a:solidFill>
+                    <a:schemeClr val="tx1"/>
+                  </a:solidFill>
+                  <a:latin typeface="Calibri" panose="020F0502020204030204" pitchFamily="34" charset="0"/>
+                </a:defRPr>
+              </a:lvl6pPr>
+              <a:lvl7pPr marL="2971800" indent="-228600" eaLnBrk="0" fontAlgn="base" hangingPunct="0">
+                <a:spcBef>
+                  <a:spcPct val="0"/>
+                </a:spcBef>
+                <a:spcAft>
+                  <a:spcPct val="0"/>
+                </a:spcAft>
+                <a:defRPr>
+                  <a:solidFill>
+                    <a:schemeClr val="tx1"/>
+                  </a:solidFill>
+                  <a:latin typeface="Calibri" panose="020F0502020204030204" pitchFamily="34" charset="0"/>
+                </a:defRPr>
+              </a:lvl7pPr>
+              <a:lvl8pPr marL="3429000" indent="-228600" eaLnBrk="0" fontAlgn="base" hangingPunct="0">
+                <a:spcBef>
+                  <a:spcPct val="0"/>
+                </a:spcBef>
+                <a:spcAft>
+                  <a:spcPct val="0"/>
+                </a:spcAft>
+                <a:defRPr>
+                  <a:solidFill>
+                    <a:schemeClr val="tx1"/>
+                  </a:solidFill>
+                  <a:latin typeface="Calibri" panose="020F0502020204030204" pitchFamily="34" charset="0"/>
+                </a:defRPr>
+              </a:lvl8pPr>
+              <a:lvl9pPr marL="3886200" indent="-228600" eaLnBrk="0" fontAlgn="base" hangingPunct="0">
+                <a:spcBef>
+                  <a:spcPct val="0"/>
+                </a:spcBef>
+                <a:spcAft>
+                  <a:spcPct val="0"/>
+                </a:spcAft>
+                <a:defRPr>
+                  <a:solidFill>
+                    <a:schemeClr val="tx1"/>
+                  </a:solidFill>
+                  <a:latin typeface="Calibri" panose="020F0502020204030204" pitchFamily="34" charset="0"/>
+                </a:defRPr>
+              </a:lvl9pPr>
+            </a:lstStyle>
+            <a:p>
+              <a:pPr algn="ctr" eaLnBrk="1" hangingPunct="1"/>
+              <a:r>
+                <a:rPr lang="en-US" altLang="en-US" sz="1100" dirty="0">
+                  <a:latin typeface="Arial" panose="020B0604020202020204" pitchFamily="34" charset="0"/>
+                  <a:ea typeface="Amazon Ember" panose="020B0603020204020204" pitchFamily="34" charset="0"/>
+                  <a:cs typeface="Arial" panose="020B0604020202020204" pitchFamily="34" charset="0"/>
+                </a:rPr>
+                <a:t>Data lake</a:t>
+              </a:r>
+            </a:p>
+          </p:txBody>
+        </p:sp>
+        <p:pic>
+          <p:nvPicPr>
+            <p:cNvPr id="48" name="Graphic 6">
+              <a:extLst>
+                <a:ext uri="{FF2B5EF4-FFF2-40B4-BE49-F238E27FC236}">
+                  <a16:creationId xmlns:a16="http://schemas.microsoft.com/office/drawing/2014/main" id="{61B0744B-5EB7-9748-9351-98175152A582}"/>
+                </a:ext>
+              </a:extLst>
+            </p:cNvPr>
+            <p:cNvPicPr>
+              <a:picLocks noChangeAspect="1" noChangeArrowheads="1"/>
+            </p:cNvPicPr>
+            <p:nvPr/>
+          </p:nvPicPr>
+          <p:blipFill>
+            <a:blip r:embed="rId12">
+              <a:extLst>
+                <a:ext uri="{28A0092B-C50C-407E-A947-70E740481C1C}">
+                  <a14:useLocalDpi xmlns:a14="http://schemas.microsoft.com/office/drawing/2010/main" val="0"/>
+                </a:ext>
+              </a:extLst>
+            </a:blip>
+            <a:srcRect/>
+            <a:stretch>
+              <a:fillRect/>
+            </a:stretch>
+          </p:blipFill>
+          <p:spPr bwMode="auto">
+            <a:xfrm>
+              <a:off x="7966999" y="4627816"/>
+              <a:ext cx="457200" cy="457200"/>
+            </a:xfrm>
+            <a:prstGeom prst="rect">
+              <a:avLst/>
+            </a:prstGeom>
+            <a:noFill/>
+            <a:ln>
+              <a:noFill/>
+            </a:ln>
+            <a:extLst>
+              <a:ext uri="{909E8E84-426E-40DD-AFC4-6F175D3DCCD1}">
+                <a14:hiddenFill xmlns:a14="http://schemas.microsoft.com/office/drawing/2010/main">
+                  <a:solidFill>
+                    <a:srgbClr val="FFFFFF"/>
+                  </a:solidFill>
+                </a14:hiddenFill>
+              </a:ext>
+              <a:ext uri="{91240B29-F687-4F45-9708-019B960494DF}">
+                <a14:hiddenLine xmlns:a14="http://schemas.microsoft.com/office/drawing/2010/main" w="9525">
+                  <a:solidFill>
+                    <a:srgbClr val="000000"/>
+                  </a:solidFill>
+                  <a:miter lim="800000"/>
+                  <a:headEnd/>
+                  <a:tailEnd/>
+                </a14:hiddenLine>
+              </a:ext>
+            </a:extLst>
+          </p:spPr>
+        </p:pic>
+      </p:grpSp>
+      <p:grpSp>
+        <p:nvGrpSpPr>
+          <p:cNvPr id="52" name="Group 51">
+            <a:extLst>
+              <a:ext uri="{FF2B5EF4-FFF2-40B4-BE49-F238E27FC236}">
+                <a16:creationId xmlns:a16="http://schemas.microsoft.com/office/drawing/2014/main" id="{4EFB91F2-84CD-2748-BDE5-B99775AB5EEF}"/>
+              </a:ext>
+            </a:extLst>
+          </p:cNvPr>
+          <p:cNvGrpSpPr/>
+          <p:nvPr/>
+        </p:nvGrpSpPr>
+        <p:grpSpPr>
+          <a:xfrm>
+            <a:off x="9541194" y="4640932"/>
+            <a:ext cx="1300356" cy="750626"/>
+            <a:chOff x="8974814" y="4645213"/>
+            <a:chExt cx="1300356" cy="750626"/>
+          </a:xfrm>
+        </p:grpSpPr>
+        <p:pic>
+          <p:nvPicPr>
+            <p:cNvPr id="50" name="Graphic 18">
+              <a:extLst>
+                <a:ext uri="{FF2B5EF4-FFF2-40B4-BE49-F238E27FC236}">
+                  <a16:creationId xmlns:a16="http://schemas.microsoft.com/office/drawing/2014/main" id="{3FEC52B3-0F66-7A46-B6C9-7528B626ED7B}"/>
+                </a:ext>
+              </a:extLst>
+            </p:cNvPr>
+            <p:cNvPicPr>
+              <a:picLocks noChangeAspect="1" noChangeArrowheads="1"/>
+            </p:cNvPicPr>
+            <p:nvPr/>
+          </p:nvPicPr>
+          <p:blipFill>
+            <a:blip r:embed="rId13">
+              <a:extLst>
+                <a:ext uri="{28A0092B-C50C-407E-A947-70E740481C1C}">
+                  <a14:useLocalDpi xmlns:a14="http://schemas.microsoft.com/office/drawing/2010/main" val="0"/>
+                </a:ext>
+              </a:extLst>
+            </a:blip>
+            <a:srcRect/>
+            <a:stretch>
+              <a:fillRect/>
+            </a:stretch>
+          </p:blipFill>
+          <p:spPr bwMode="auto">
+            <a:xfrm>
+              <a:off x="9310080" y="4645213"/>
+              <a:ext cx="491239" cy="491239"/>
+            </a:xfrm>
+            <a:prstGeom prst="rect">
+              <a:avLst/>
+            </a:prstGeom>
+            <a:noFill/>
+            <a:ln>
+              <a:noFill/>
+            </a:ln>
+            <a:extLst>
+              <a:ext uri="{909E8E84-426E-40DD-AFC4-6F175D3DCCD1}">
+                <a14:hiddenFill xmlns:a14="http://schemas.microsoft.com/office/drawing/2010/main">
+                  <a:solidFill>
+                    <a:srgbClr val="FFFFFF"/>
+                  </a:solidFill>
+                </a14:hiddenFill>
+              </a:ext>
+              <a:ext uri="{91240B29-F687-4F45-9708-019B960494DF}">
+                <a14:hiddenLine xmlns:a14="http://schemas.microsoft.com/office/drawing/2010/main" w="9525">
+                  <a:solidFill>
+                    <a:srgbClr val="000000"/>
+                  </a:solidFill>
+                  <a:miter lim="800000"/>
+                  <a:headEnd/>
+                  <a:tailEnd/>
+                </a14:hiddenLine>
+              </a:ext>
+            </a:extLst>
+          </p:spPr>
+        </p:pic>
+        <p:sp>
+          <p:nvSpPr>
+            <p:cNvPr id="51" name="TextBox 50">
+              <a:extLst>
+                <a:ext uri="{FF2B5EF4-FFF2-40B4-BE49-F238E27FC236}">
+                  <a16:creationId xmlns:a16="http://schemas.microsoft.com/office/drawing/2014/main" id="{83BEEBC0-5F73-D641-9B8C-4803DB66AAE7}"/>
+                </a:ext>
+              </a:extLst>
+            </p:cNvPr>
+            <p:cNvSpPr txBox="1"/>
+            <p:nvPr/>
+          </p:nvSpPr>
+          <p:spPr>
+            <a:xfrm>
+              <a:off x="8974814" y="5134229"/>
+              <a:ext cx="1300356" cy="261610"/>
+            </a:xfrm>
+            <a:prstGeom prst="rect">
+              <a:avLst/>
+            </a:prstGeom>
+            <a:noFill/>
+          </p:spPr>
+          <p:txBody>
+            <a:bodyPr wrap="none" rtlCol="0">
+              <a:spAutoFit/>
+            </a:bodyPr>
+            <a:lstStyle/>
+            <a:p>
+              <a:r>
+                <a:rPr lang="en-US" sz="1100" dirty="0"/>
+                <a:t>Analytics Solution</a:t>
+              </a:r>
+            </a:p>
+          </p:txBody>
+        </p:sp>
+      </p:grpSp>
+      <p:cxnSp>
+        <p:nvCxnSpPr>
+          <p:cNvPr id="56" name="Elbow Connector 55">
+            <a:extLst>
+              <a:ext uri="{FF2B5EF4-FFF2-40B4-BE49-F238E27FC236}">
+                <a16:creationId xmlns:a16="http://schemas.microsoft.com/office/drawing/2014/main" id="{AA1905B4-54AC-9141-B940-3CFD850152D8}"/>
+              </a:ext>
+            </a:extLst>
+          </p:cNvPr>
+          <p:cNvCxnSpPr>
+            <a:cxnSpLocks/>
+            <a:stCxn id="34" idx="1"/>
+            <a:endCxn id="9" idx="1"/>
+          </p:cNvCxnSpPr>
+          <p:nvPr/>
+        </p:nvCxnSpPr>
+        <p:spPr>
+          <a:xfrm rot="10800000" flipH="1">
+            <a:off x="1270005" y="3458346"/>
+            <a:ext cx="2327413" cy="1578113"/>
+          </a:xfrm>
+          <a:prstGeom prst="bentConnector3">
+            <a:avLst>
+              <a:gd name="adj1" fmla="val -9822"/>
+            </a:avLst>
+          </a:prstGeom>
+          <a:ln>
+            <a:headEnd type="none"/>
+            <a:tailEnd type="arrow"/>
+          </a:ln>
+        </p:spPr>
+        <p:style>
+          <a:lnRef idx="1">
+            <a:schemeClr val="dk1"/>
+          </a:lnRef>
+          <a:fillRef idx="0">
+            <a:schemeClr val="dk1"/>
+          </a:fillRef>
+          <a:effectRef idx="0">
+            <a:schemeClr val="dk1"/>
+          </a:effectRef>
+          <a:fontRef idx="minor">
+            <a:schemeClr val="tx1"/>
+          </a:fontRef>
+        </p:style>
+      </p:cxnSp>
+      <p:sp>
+        <p:nvSpPr>
+          <p:cNvPr id="53" name="Rectangle 52">
+            <a:extLst>
+              <a:ext uri="{FF2B5EF4-FFF2-40B4-BE49-F238E27FC236}">
+                <a16:creationId xmlns:a16="http://schemas.microsoft.com/office/drawing/2014/main" id="{F725E55C-DC76-004D-973E-52FCD8ED796E}"/>
+              </a:ext>
+            </a:extLst>
+          </p:cNvPr>
+          <p:cNvSpPr/>
+          <p:nvPr/>
+        </p:nvSpPr>
+        <p:spPr>
+          <a:xfrm>
+            <a:off x="3980917" y="3026009"/>
+            <a:ext cx="4696704" cy="1106488"/>
+          </a:xfrm>
+          <a:prstGeom prst="rect">
+            <a:avLst/>
+          </a:prstGeom>
+          <a:noFill/>
+          <a:ln w="12700">
+            <a:solidFill>
+              <a:srgbClr val="D86613"/>
+            </a:solidFill>
+            <a:prstDash val="dash"/>
+          </a:ln>
+        </p:spPr>
+        <p:style>
+          <a:lnRef idx="2">
+            <a:schemeClr val="accent1">
+              <a:shade val="50000"/>
+            </a:schemeClr>
+          </a:lnRef>
+          <a:fillRef idx="1">
+            <a:schemeClr val="accent1"/>
+          </a:fillRef>
+          <a:effectRef idx="0">
+            <a:schemeClr val="accent1"/>
+          </a:effectRef>
+          <a:fontRef idx="minor">
+            <a:schemeClr val="lt1"/>
+          </a:fontRef>
+        </p:style>
+        <p:txBody>
+          <a:bodyPr tIns="91440"/>
+          <a:lstStyle/>
+          <a:p>
+            <a:pPr algn="ctr" eaLnBrk="1" fontAlgn="auto" hangingPunct="1">
+              <a:spcBef>
+                <a:spcPts val="0"/>
+              </a:spcBef>
+              <a:spcAft>
+                <a:spcPts val="0"/>
+              </a:spcAft>
+              <a:defRPr/>
+            </a:pPr>
+            <a:endParaRPr lang="en-US" sz="1200" dirty="0">
+              <a:solidFill>
+                <a:srgbClr val="D86613"/>
+              </a:solidFill>
+              <a:latin typeface="Arial" panose="020B0604020202020204" pitchFamily="34" charset="0"/>
+              <a:cs typeface="Arial" panose="020B0604020202020204" pitchFamily="34" charset="0"/>
+            </a:endParaRPr>
+          </a:p>
+          <a:p>
+            <a:pPr algn="ctr" eaLnBrk="1" fontAlgn="auto" hangingPunct="1">
+              <a:spcBef>
+                <a:spcPts val="0"/>
+              </a:spcBef>
+              <a:spcAft>
+                <a:spcPts val="0"/>
+              </a:spcAft>
+              <a:defRPr/>
+            </a:pPr>
+            <a:endParaRPr lang="en-US" sz="1200" dirty="0">
+              <a:solidFill>
+                <a:srgbClr val="D86613"/>
+              </a:solidFill>
+              <a:latin typeface="Arial" panose="020B0604020202020204" pitchFamily="34" charset="0"/>
+              <a:cs typeface="Arial" panose="020B0604020202020204" pitchFamily="34" charset="0"/>
+            </a:endParaRPr>
+          </a:p>
+          <a:p>
+            <a:pPr algn="ctr" eaLnBrk="1" fontAlgn="auto" hangingPunct="1">
+              <a:spcBef>
+                <a:spcPts val="0"/>
+              </a:spcBef>
+              <a:spcAft>
+                <a:spcPts val="0"/>
+              </a:spcAft>
+              <a:defRPr/>
+            </a:pPr>
+            <a:r>
+              <a:rPr lang="en-US" sz="1200" dirty="0">
+                <a:solidFill>
+                  <a:srgbClr val="D86613"/>
+                </a:solidFill>
+                <a:latin typeface="Arial" panose="020B0604020202020204" pitchFamily="34" charset="0"/>
+                <a:cs typeface="Arial" panose="020B0604020202020204" pitchFamily="34" charset="0"/>
+              </a:rPr>
+              <a:t>Auto Scaling group</a:t>
+            </a:r>
+          </a:p>
+        </p:txBody>
+      </p:sp>
+      <p:sp>
+        <p:nvSpPr>
+          <p:cNvPr id="16" name="TextBox 18">
+            <a:extLst>
+              <a:ext uri="{FF2B5EF4-FFF2-40B4-BE49-F238E27FC236}">
+                <a16:creationId xmlns:a16="http://schemas.microsoft.com/office/drawing/2014/main" id="{DDEA0899-FC07-CA42-997F-0DD775351307}"/>
+              </a:ext>
+            </a:extLst>
+          </p:cNvPr>
+          <p:cNvSpPr txBox="1">
+            <a:spLocks noChangeArrowheads="1"/>
+          </p:cNvSpPr>
+          <p:nvPr/>
+        </p:nvSpPr>
+        <p:spPr bwMode="auto">
+          <a:xfrm>
+            <a:off x="6694646" y="3657509"/>
+            <a:ext cx="1767152" cy="261610"/>
+          </a:xfrm>
+          <a:prstGeom prst="rect">
+            <a:avLst/>
+          </a:prstGeom>
+          <a:noFill/>
+          <a:ln>
+            <a:noFill/>
+          </a:ln>
+          <a:extLst>
+            <a:ext uri="{909E8E84-426E-40DD-AFC4-6F175D3DCCD1}">
+              <a14:hiddenFill xmlns:a14="http://schemas.microsoft.com/office/drawing/2010/main">
+                <a:solidFill>
+                  <a:srgbClr val="FFFFFF"/>
+                </a:solidFill>
+              </a14:hiddenFill>
+            </a:ext>
+            <a:ext uri="{91240B29-F687-4F45-9708-019B960494DF}">
+              <a14:hiddenLine xmlns:a14="http://schemas.microsoft.com/office/drawing/2010/main" w="9525">
+                <a:solidFill>
+                  <a:srgbClr val="000000"/>
+                </a:solidFill>
+                <a:miter lim="800000"/>
+                <a:headEnd/>
+                <a:tailEnd/>
+              </a14:hiddenLine>
+            </a:ext>
+          </a:extLst>
+        </p:spPr>
+        <p:txBody>
+          <a:bodyPr>
+            <a:spAutoFit/>
+          </a:bodyPr>
+          <a:lstStyle>
+            <a:lvl1pPr>
+              <a:defRPr>
+                <a:solidFill>
+                  <a:schemeClr val="tx1"/>
+                </a:solidFill>
+                <a:latin typeface="Calibri" panose="020F0502020204030204" pitchFamily="34" charset="0"/>
+              </a:defRPr>
+            </a:lvl1pPr>
+            <a:lvl2pPr marL="742950" indent="-285750">
+              <a:defRPr>
+                <a:solidFill>
+                  <a:schemeClr val="tx1"/>
+                </a:solidFill>
+                <a:latin typeface="Calibri" panose="020F0502020204030204" pitchFamily="34" charset="0"/>
+              </a:defRPr>
+            </a:lvl2pPr>
+            <a:lvl3pPr marL="1143000" indent="-228600">
+              <a:defRPr>
+                <a:solidFill>
+                  <a:schemeClr val="tx1"/>
+                </a:solidFill>
+                <a:latin typeface="Calibri" panose="020F0502020204030204" pitchFamily="34" charset="0"/>
+              </a:defRPr>
+            </a:lvl3pPr>
+            <a:lvl4pPr marL="1600200" indent="-228600">
+              <a:defRPr>
+                <a:solidFill>
+                  <a:schemeClr val="tx1"/>
+                </a:solidFill>
+                <a:latin typeface="Calibri" panose="020F0502020204030204" pitchFamily="34" charset="0"/>
+              </a:defRPr>
+            </a:lvl4pPr>
+            <a:lvl5pPr marL="2057400" indent="-228600">
+              <a:defRPr>
+                <a:solidFill>
+                  <a:schemeClr val="tx1"/>
+                </a:solidFill>
+                <a:latin typeface="Calibri" panose="020F0502020204030204" pitchFamily="34" charset="0"/>
+              </a:defRPr>
+            </a:lvl5pPr>
+            <a:lvl6pPr marL="2514600" indent="-228600" eaLnBrk="0" fontAlgn="base" hangingPunct="0">
+              <a:spcBef>
+                <a:spcPct val="0"/>
+              </a:spcBef>
+              <a:spcAft>
+                <a:spcPct val="0"/>
+              </a:spcAft>
+              <a:defRPr>
+                <a:solidFill>
+                  <a:schemeClr val="tx1"/>
+                </a:solidFill>
+                <a:latin typeface="Calibri" panose="020F0502020204030204" pitchFamily="34" charset="0"/>
+              </a:defRPr>
+            </a:lvl6pPr>
+            <a:lvl7pPr marL="2971800" indent="-228600" eaLnBrk="0" fontAlgn="base" hangingPunct="0">
+              <a:spcBef>
+                <a:spcPct val="0"/>
+              </a:spcBef>
+              <a:spcAft>
+                <a:spcPct val="0"/>
+              </a:spcAft>
+              <a:defRPr>
+                <a:solidFill>
+                  <a:schemeClr val="tx1"/>
+                </a:solidFill>
+                <a:latin typeface="Calibri" panose="020F0502020204030204" pitchFamily="34" charset="0"/>
+              </a:defRPr>
+            </a:lvl7pPr>
+            <a:lvl8pPr marL="3429000" indent="-228600" eaLnBrk="0" fontAlgn="base" hangingPunct="0">
+              <a:spcBef>
+                <a:spcPct val="0"/>
+              </a:spcBef>
+              <a:spcAft>
+                <a:spcPct val="0"/>
+              </a:spcAft>
+              <a:defRPr>
+                <a:solidFill>
+                  <a:schemeClr val="tx1"/>
+                </a:solidFill>
+                <a:latin typeface="Calibri" panose="020F0502020204030204" pitchFamily="34" charset="0"/>
+              </a:defRPr>
+            </a:lvl8pPr>
+            <a:lvl9pPr marL="3886200" indent="-228600" eaLnBrk="0" fontAlgn="base" hangingPunct="0">
+              <a:spcBef>
+                <a:spcPct val="0"/>
+              </a:spcBef>
+              <a:spcAft>
+                <a:spcPct val="0"/>
+              </a:spcAft>
+              <a:defRPr>
+                <a:solidFill>
+                  <a:schemeClr val="tx1"/>
+                </a:solidFill>
+                <a:latin typeface="Calibri" panose="020F0502020204030204" pitchFamily="34" charset="0"/>
+              </a:defRPr>
+            </a:lvl9pPr>
+          </a:lstStyle>
+          <a:p>
+            <a:pPr algn="ctr" eaLnBrk="1" hangingPunct="1"/>
+            <a:r>
+              <a:rPr lang="en-US" altLang="en-US" sz="1100" dirty="0">
+                <a:solidFill>
+                  <a:srgbClr val="232F3E"/>
+                </a:solidFill>
+                <a:latin typeface="Arial" panose="020B0604020202020204" pitchFamily="34" charset="0"/>
+                <a:cs typeface="Arial" panose="020B0604020202020204" pitchFamily="34" charset="0"/>
+              </a:rPr>
+              <a:t>LogStream</a:t>
+            </a:r>
+          </a:p>
+        </p:txBody>
+      </p:sp>
+      <p:pic>
+        <p:nvPicPr>
+          <p:cNvPr id="15" name="Graphic 17">
+            <a:extLst>
+              <a:ext uri="{FF2B5EF4-FFF2-40B4-BE49-F238E27FC236}">
+                <a16:creationId xmlns:a16="http://schemas.microsoft.com/office/drawing/2014/main" id="{9A7E4015-4497-584F-9D9C-26993736A43D}"/>
+              </a:ext>
+            </a:extLst>
+          </p:cNvPr>
+          <p:cNvPicPr>
+            <a:picLocks noChangeAspect="1" noChangeArrowheads="1"/>
+          </p:cNvPicPr>
+          <p:nvPr/>
+        </p:nvPicPr>
+        <p:blipFill>
+          <a:blip r:embed="rId14">
+            <a:extLst>
+              <a:ext uri="{28A0092B-C50C-407E-A947-70E740481C1C}">
+                <a14:useLocalDpi xmlns:a14="http://schemas.microsoft.com/office/drawing/2010/main" val="0"/>
+              </a:ext>
+            </a:extLst>
+          </a:blip>
+          <a:srcRect/>
+          <a:stretch>
+            <a:fillRect/>
+          </a:stretch>
+        </p:blipFill>
+        <p:spPr bwMode="auto">
+          <a:xfrm>
+            <a:off x="7343873" y="3212139"/>
+            <a:ext cx="469900" cy="469900"/>
+          </a:xfrm>
+          <a:prstGeom prst="rect">
+            <a:avLst/>
+          </a:prstGeom>
+          <a:noFill/>
+          <a:ln>
+            <a:noFill/>
+          </a:ln>
+          <a:extLst>
+            <a:ext uri="{909E8E84-426E-40DD-AFC4-6F175D3DCCD1}">
+              <a14:hiddenFill xmlns:a14="http://schemas.microsoft.com/office/drawing/2010/main">
+                <a:solidFill>
+                  <a:srgbClr val="FFFFFF"/>
+                </a:solidFill>
+              </a14:hiddenFill>
+            </a:ext>
+            <a:ext uri="{91240B29-F687-4F45-9708-019B960494DF}">
+              <a14:hiddenLine xmlns:a14="http://schemas.microsoft.com/office/drawing/2010/main" w="9525">
+                <a:solidFill>
+                  <a:srgbClr val="000000"/>
+                </a:solidFill>
+                <a:miter lim="800000"/>
+                <a:headEnd/>
+                <a:tailEnd/>
+              </a14:hiddenLine>
+            </a:ext>
+          </a:extLst>
+        </p:spPr>
+      </p:pic>
+      <p:sp>
+        <p:nvSpPr>
+          <p:cNvPr id="54" name="Rectangle 53">
+            <a:extLst>
+              <a:ext uri="{FF2B5EF4-FFF2-40B4-BE49-F238E27FC236}">
+                <a16:creationId xmlns:a16="http://schemas.microsoft.com/office/drawing/2014/main" id="{23CF8B86-601D-044C-9CD9-8A4322BF7B96}"/>
+              </a:ext>
+            </a:extLst>
+          </p:cNvPr>
+          <p:cNvSpPr/>
+          <p:nvPr/>
+        </p:nvSpPr>
+        <p:spPr bwMode="auto">
+          <a:xfrm>
+            <a:off x="6539036" y="2710052"/>
+            <a:ext cx="2095500" cy="1530602"/>
+          </a:xfrm>
+          <a:prstGeom prst="rect">
+            <a:avLst/>
+          </a:prstGeom>
+          <a:noFill/>
+          <a:ln w="12700">
+            <a:solidFill>
+              <a:srgbClr val="5B9CD5"/>
+            </a:solidFill>
+            <a:prstDash val="dash"/>
+          </a:ln>
+        </p:spPr>
+        <p:style>
+          <a:lnRef idx="2">
+            <a:schemeClr val="accent1">
+              <a:shade val="50000"/>
+            </a:schemeClr>
+          </a:lnRef>
+          <a:fillRef idx="1">
+            <a:schemeClr val="accent1"/>
+          </a:fillRef>
+          <a:effectRef idx="0">
+            <a:schemeClr val="accent1"/>
+          </a:effectRef>
+          <a:fontRef idx="minor">
+            <a:schemeClr val="lt1"/>
+          </a:fontRef>
+        </p:style>
+        <p:txBody>
+          <a:bodyPr tIns="91440"/>
+          <a:lstStyle/>
+          <a:p>
+            <a:pPr algn="ctr" eaLnBrk="1" fontAlgn="auto" hangingPunct="1">
+              <a:spcBef>
+                <a:spcPts val="0"/>
+              </a:spcBef>
+              <a:spcAft>
+                <a:spcPts val="0"/>
+              </a:spcAft>
+              <a:defRPr/>
+            </a:pPr>
+            <a:r>
+              <a:rPr lang="en-US" sz="1200" dirty="0">
+                <a:solidFill>
+                  <a:srgbClr val="5B9CD5"/>
+                </a:solidFill>
+                <a:latin typeface="Arial" panose="020B0604020202020204" pitchFamily="34" charset="0"/>
+                <a:cs typeface="Arial" panose="020B0604020202020204" pitchFamily="34" charset="0"/>
+              </a:rPr>
+              <a:t>Availability Zone</a:t>
+            </a:r>
+          </a:p>
+        </p:txBody>
+      </p:sp>
+      <p:cxnSp>
+        <p:nvCxnSpPr>
+          <p:cNvPr id="67" name="Elbow Connector 66">
+            <a:extLst>
+              <a:ext uri="{FF2B5EF4-FFF2-40B4-BE49-F238E27FC236}">
+                <a16:creationId xmlns:a16="http://schemas.microsoft.com/office/drawing/2014/main" id="{BD71EB40-C40B-524A-9B25-58ED3EB8F12B}"/>
+              </a:ext>
+            </a:extLst>
+          </p:cNvPr>
+          <p:cNvCxnSpPr>
+            <a:cxnSpLocks/>
+            <a:stCxn id="54" idx="3"/>
+            <a:endCxn id="43" idx="3"/>
+          </p:cNvCxnSpPr>
+          <p:nvPr/>
+        </p:nvCxnSpPr>
+        <p:spPr>
+          <a:xfrm>
+            <a:off x="8634536" y="3475353"/>
+            <a:ext cx="2327413" cy="1561105"/>
+          </a:xfrm>
+          <a:prstGeom prst="bentConnector3">
+            <a:avLst>
+              <a:gd name="adj1" fmla="val 109822"/>
+            </a:avLst>
+          </a:prstGeom>
+          <a:ln>
+            <a:tailEnd type="arrow"/>
+          </a:ln>
+        </p:spPr>
+        <p:style>
+          <a:lnRef idx="1">
+            <a:schemeClr val="dk1"/>
+          </a:lnRef>
+          <a:fillRef idx="0">
+            <a:schemeClr val="dk1"/>
+          </a:fillRef>
+          <a:effectRef idx="0">
+            <a:schemeClr val="dk1"/>
+          </a:effectRef>
+          <a:fontRef idx="minor">
+            <a:schemeClr val="tx1"/>
+          </a:fontRef>
+        </p:style>
+      </p:cxnSp>
+      <p:pic>
+        <p:nvPicPr>
+          <p:cNvPr id="71" name="Graphic 70">
+            <a:extLst>
+              <a:ext uri="{FF2B5EF4-FFF2-40B4-BE49-F238E27FC236}">
+                <a16:creationId xmlns:a16="http://schemas.microsoft.com/office/drawing/2014/main" id="{53977C51-3FD2-2D4E-8552-6F7C54D6523E}"/>
+              </a:ext>
+            </a:extLst>
+          </p:cNvPr>
+          <p:cNvPicPr>
+            <a:picLocks noChangeAspect="1"/>
+          </p:cNvPicPr>
+          <p:nvPr/>
+        </p:nvPicPr>
+        <p:blipFill>
+          <a:blip r:embed="rId15">
+            <a:extLst>
+              <a:ext uri="{96DAC541-7B7A-43D3-8B79-37D633B846F1}">
+                <asvg:svgBlip xmlns:asvg="http://schemas.microsoft.com/office/drawing/2016/SVG/main" r:embed="rId16"/>
+              </a:ext>
+            </a:extLst>
+          </a:blip>
+          <a:stretch>
+            <a:fillRect/>
+          </a:stretch>
+        </p:blipFill>
+        <p:spPr>
+          <a:xfrm>
+            <a:off x="6118083" y="3050277"/>
+            <a:ext cx="381000" cy="381000"/>
+          </a:xfrm>
+          <a:prstGeom prst="rect">
+            <a:avLst/>
+          </a:prstGeom>
+        </p:spPr>
+      </p:pic>
+      <p:pic>
+        <p:nvPicPr>
+          <p:cNvPr id="62" name="Graphic 61">
+            <a:extLst>
+              <a:ext uri="{FF2B5EF4-FFF2-40B4-BE49-F238E27FC236}">
+                <a16:creationId xmlns:a16="http://schemas.microsoft.com/office/drawing/2014/main" id="{DBAAE73D-810F-9047-8836-4497D77BB12F}"/>
+              </a:ext>
+            </a:extLst>
+          </p:cNvPr>
+          <p:cNvPicPr>
+            <a:picLocks noChangeAspect="1"/>
+          </p:cNvPicPr>
+          <p:nvPr/>
+        </p:nvPicPr>
+        <p:blipFill>
+          <a:blip r:embed="rId17">
+            <a:extLst>
+              <a:ext uri="{96DAC541-7B7A-43D3-8B79-37D633B846F1}">
+                <asvg:svgBlip xmlns:asvg="http://schemas.microsoft.com/office/drawing/2016/SVG/main" r:embed="rId18"/>
+              </a:ext>
+            </a:extLst>
+          </a:blip>
+          <a:stretch>
+            <a:fillRect/>
+          </a:stretch>
+        </p:blipFill>
+        <p:spPr>
+          <a:xfrm>
+            <a:off x="3531378" y="1477970"/>
+            <a:ext cx="381000" cy="381000"/>
+          </a:xfrm>
+          <a:prstGeom prst="rect">
+            <a:avLst/>
+          </a:prstGeom>
+        </p:spPr>
+      </p:pic>
+    </p:spTree>
+    <p:extLst>
+      <p:ext uri="{BB962C8B-B14F-4D97-AF65-F5344CB8AC3E}">
+        <p14:creationId xmlns:p14="http://schemas.microsoft.com/office/powerpoint/2010/main" val="2953477617"/>
+      </p:ext>
+    </p:extLst>
+  </p:cSld>
+  <p:clrMapOvr>
+    <a:masterClrMapping/>
+  </p:clrMapOvr>
+</p:sld>
+</file>
+
+<file path=ppt/slides/slide6.xml><?xml version="1.0" encoding="utf-8"?>
+<p:sld xmlns:a="http://schemas.openxmlformats.org/drawingml/2006/main" xmlns:r="http://schemas.openxmlformats.org/officeDocument/2006/relationships" xmlns:p="http://schemas.openxmlformats.org/presentationml/2006/main">
+  <p:cSld>
+    <p:spTree>
+      <p:nvGrpSpPr>
+        <p:cNvPr id="1" name=""/>
+        <p:cNvGrpSpPr/>
+        <p:nvPr/>
+      </p:nvGrpSpPr>
+      <p:grpSpPr>
+        <a:xfrm>
+          <a:off x="0" y="0"/>
+          <a:ext cx="0" cy="0"/>
+          <a:chOff x="0" y="0"/>
+          <a:chExt cx="0" cy="0"/>
+        </a:xfrm>
+      </p:grpSpPr>
+      <p:sp>
+        <p:nvSpPr>
+          <p:cNvPr id="21" name="Rectangle 20">
+            <a:extLst>
+              <a:ext uri="{FF2B5EF4-FFF2-40B4-BE49-F238E27FC236}">
+                <a16:creationId xmlns:a16="http://schemas.microsoft.com/office/drawing/2014/main" id="{8B726A8C-3F89-7F43-BF99-786FBEDAFDAA}"/>
+              </a:ext>
+            </a:extLst>
+          </p:cNvPr>
+          <p:cNvSpPr/>
+          <p:nvPr/>
+        </p:nvSpPr>
+        <p:spPr>
+          <a:xfrm>
+            <a:off x="4385578" y="1845629"/>
+            <a:ext cx="1835414" cy="3478086"/>
+          </a:xfrm>
+          <a:prstGeom prst="rect">
+            <a:avLst/>
+          </a:prstGeom>
+          <a:solidFill>
+            <a:srgbClr val="1D8900">
+              <a:alpha val="9804"/>
+            </a:srgbClr>
+          </a:solidFill>
+          <a:ln w="12700">
+            <a:noFill/>
+            <a:prstDash val="dash"/>
+          </a:ln>
+        </p:spPr>
+        <p:style>
+          <a:lnRef idx="2">
+            <a:schemeClr val="accent1">
+              <a:shade val="50000"/>
+            </a:schemeClr>
+          </a:lnRef>
+          <a:fillRef idx="1">
+            <a:schemeClr val="accent1"/>
+          </a:fillRef>
+          <a:effectRef idx="0">
+            <a:schemeClr val="accent1"/>
+          </a:effectRef>
+          <a:fontRef idx="minor">
+            <a:schemeClr val="lt1"/>
+          </a:fontRef>
+        </p:style>
+        <p:txBody>
+          <a:bodyPr lIns="502920"/>
+          <a:lstStyle/>
+          <a:p>
+            <a:pPr eaLnBrk="1" fontAlgn="auto" hangingPunct="1">
+              <a:spcBef>
+                <a:spcPts val="0"/>
+              </a:spcBef>
+              <a:spcAft>
+                <a:spcPts val="0"/>
+              </a:spcAft>
+              <a:defRPr/>
+            </a:pPr>
+            <a:r>
+              <a:rPr lang="en-US" sz="1200" dirty="0">
+                <a:solidFill>
+                  <a:srgbClr val="1E8900"/>
+                </a:solidFill>
+                <a:latin typeface="Arial" panose="020B0604020202020204" pitchFamily="34" charset="0"/>
+                <a:cs typeface="Arial" panose="020B0604020202020204" pitchFamily="34" charset="0"/>
+              </a:rPr>
+              <a:t>Public subnet</a:t>
+            </a:r>
+          </a:p>
+        </p:txBody>
+      </p:sp>
+      <p:sp>
+        <p:nvSpPr>
+          <p:cNvPr id="5" name="Rectangle 4">
+            <a:extLst>
+              <a:ext uri="{FF2B5EF4-FFF2-40B4-BE49-F238E27FC236}">
+                <a16:creationId xmlns:a16="http://schemas.microsoft.com/office/drawing/2014/main" id="{022F608E-E56F-1A41-8CEC-612AC27FD125}"/>
+              </a:ext>
+            </a:extLst>
+          </p:cNvPr>
+          <p:cNvSpPr/>
+          <p:nvPr/>
+        </p:nvSpPr>
+        <p:spPr>
+          <a:xfrm>
+            <a:off x="4504487" y="2480668"/>
+            <a:ext cx="1600200" cy="2298692"/>
+          </a:xfrm>
+          <a:prstGeom prst="rect">
+            <a:avLst/>
+          </a:prstGeom>
+          <a:noFill/>
+          <a:ln w="12700">
+            <a:solidFill>
+              <a:srgbClr val="D86613"/>
+            </a:solidFill>
+            <a:prstDash val="dash"/>
+          </a:ln>
+        </p:spPr>
+        <p:style>
+          <a:lnRef idx="2">
+            <a:schemeClr val="accent1">
+              <a:shade val="50000"/>
+            </a:schemeClr>
+          </a:lnRef>
+          <a:fillRef idx="1">
+            <a:schemeClr val="accent1"/>
+          </a:fillRef>
+          <a:effectRef idx="0">
+            <a:schemeClr val="accent1"/>
+          </a:effectRef>
+          <a:fontRef idx="minor">
+            <a:schemeClr val="lt1"/>
+          </a:fontRef>
+        </p:style>
+        <p:txBody>
+          <a:bodyPr tIns="91440"/>
+          <a:lstStyle/>
+          <a:p>
+            <a:pPr algn="ctr" eaLnBrk="1" fontAlgn="auto" hangingPunct="1">
+              <a:spcBef>
+                <a:spcPts val="0"/>
+              </a:spcBef>
+              <a:spcAft>
+                <a:spcPts val="0"/>
+              </a:spcAft>
+              <a:defRPr/>
+            </a:pPr>
+            <a:endParaRPr lang="en-US" sz="1200" dirty="0">
+              <a:solidFill>
+                <a:srgbClr val="D86613"/>
+              </a:solidFill>
+              <a:latin typeface="Arial" panose="020B0604020202020204" pitchFamily="34" charset="0"/>
+              <a:cs typeface="Arial" panose="020B0604020202020204" pitchFamily="34" charset="0"/>
+            </a:endParaRPr>
+          </a:p>
+          <a:p>
+            <a:pPr algn="ctr" eaLnBrk="1" fontAlgn="auto" hangingPunct="1">
+              <a:spcBef>
+                <a:spcPts val="0"/>
+              </a:spcBef>
+              <a:spcAft>
+                <a:spcPts val="0"/>
+              </a:spcAft>
+              <a:defRPr/>
+            </a:pPr>
+            <a:endParaRPr lang="en-US" sz="1200" dirty="0">
+              <a:solidFill>
+                <a:srgbClr val="D86613"/>
+              </a:solidFill>
+              <a:latin typeface="Arial" panose="020B0604020202020204" pitchFamily="34" charset="0"/>
+              <a:cs typeface="Arial" panose="020B0604020202020204" pitchFamily="34" charset="0"/>
+            </a:endParaRPr>
+          </a:p>
+          <a:p>
+            <a:pPr algn="ctr" eaLnBrk="1" fontAlgn="auto" hangingPunct="1">
+              <a:spcBef>
+                <a:spcPts val="0"/>
+              </a:spcBef>
+              <a:spcAft>
+                <a:spcPts val="0"/>
+              </a:spcAft>
+              <a:defRPr/>
+            </a:pPr>
+            <a:r>
+              <a:rPr lang="en-US" sz="1200" dirty="0">
+                <a:solidFill>
+                  <a:srgbClr val="D86613"/>
+                </a:solidFill>
+                <a:latin typeface="Arial" panose="020B0604020202020204" pitchFamily="34" charset="0"/>
+                <a:cs typeface="Arial" panose="020B0604020202020204" pitchFamily="34" charset="0"/>
+              </a:rPr>
+              <a:t>Auto Scaling group</a:t>
+            </a:r>
+          </a:p>
+        </p:txBody>
+      </p:sp>
+      <p:pic>
+        <p:nvPicPr>
+          <p:cNvPr id="6" name="Graphic 5">
+            <a:extLst>
+              <a:ext uri="{FF2B5EF4-FFF2-40B4-BE49-F238E27FC236}">
+                <a16:creationId xmlns:a16="http://schemas.microsoft.com/office/drawing/2014/main" id="{DF91F3DE-A709-F743-9C49-51DA16B534B8}"/>
+              </a:ext>
+            </a:extLst>
+          </p:cNvPr>
+          <p:cNvPicPr>
+            <a:picLocks noChangeAspect="1"/>
+          </p:cNvPicPr>
+          <p:nvPr/>
+        </p:nvPicPr>
+        <p:blipFill>
+          <a:blip r:embed="rId2">
+            <a:extLst>
+              <a:ext uri="{96DAC541-7B7A-43D3-8B79-37D633B846F1}">
+                <asvg:svgBlip xmlns:asvg="http://schemas.microsoft.com/office/drawing/2016/SVG/main" r:embed="rId3"/>
+              </a:ext>
+            </a:extLst>
+          </a:blip>
+          <a:stretch>
+            <a:fillRect/>
+          </a:stretch>
+        </p:blipFill>
+        <p:spPr>
+          <a:xfrm>
+            <a:off x="5114087" y="2480668"/>
+            <a:ext cx="381000" cy="381000"/>
+          </a:xfrm>
+          <a:prstGeom prst="rect">
+            <a:avLst/>
+          </a:prstGeom>
+        </p:spPr>
+      </p:pic>
+      <p:grpSp>
+        <p:nvGrpSpPr>
+          <p:cNvPr id="70" name="Group 69">
+            <a:extLst>
+              <a:ext uri="{FF2B5EF4-FFF2-40B4-BE49-F238E27FC236}">
+                <a16:creationId xmlns:a16="http://schemas.microsoft.com/office/drawing/2014/main" id="{609E64C4-D9C9-5C45-9094-183B370DFEA1}"/>
+              </a:ext>
+            </a:extLst>
+          </p:cNvPr>
+          <p:cNvGrpSpPr/>
+          <p:nvPr/>
+        </p:nvGrpSpPr>
+        <p:grpSpPr>
+          <a:xfrm>
+            <a:off x="4425053" y="4016604"/>
+            <a:ext cx="1767152" cy="724125"/>
+            <a:chOff x="4425053" y="3730854"/>
+            <a:chExt cx="1767152" cy="724125"/>
+          </a:xfrm>
+        </p:grpSpPr>
+        <p:sp>
+          <p:nvSpPr>
+            <p:cNvPr id="7" name="TextBox 18">
+              <a:extLst>
+                <a:ext uri="{FF2B5EF4-FFF2-40B4-BE49-F238E27FC236}">
+                  <a16:creationId xmlns:a16="http://schemas.microsoft.com/office/drawing/2014/main" id="{561F0F51-9230-F44B-B8C7-538150FDD9E9}"/>
+                </a:ext>
+              </a:extLst>
+            </p:cNvPr>
+            <p:cNvSpPr txBox="1">
+              <a:spLocks noChangeArrowheads="1"/>
+            </p:cNvSpPr>
+            <p:nvPr/>
+          </p:nvSpPr>
+          <p:spPr bwMode="auto">
+            <a:xfrm>
+              <a:off x="4425053" y="4193369"/>
+              <a:ext cx="1767152" cy="261610"/>
+            </a:xfrm>
+            <a:prstGeom prst="rect">
+              <a:avLst/>
+            </a:prstGeom>
+            <a:noFill/>
+            <a:ln>
+              <a:noFill/>
+            </a:ln>
+            <a:extLst>
+              <a:ext uri="{909E8E84-426E-40DD-AFC4-6F175D3DCCD1}">
+                <a14:hiddenFill xmlns:a14="http://schemas.microsoft.com/office/drawing/2010/main">
+                  <a:solidFill>
+                    <a:srgbClr val="FFFFFF"/>
+                  </a:solidFill>
+                </a14:hiddenFill>
+              </a:ext>
+              <a:ext uri="{91240B29-F687-4F45-9708-019B960494DF}">
+                <a14:hiddenLine xmlns:a14="http://schemas.microsoft.com/office/drawing/2010/main" w="9525">
+                  <a:solidFill>
+                    <a:srgbClr val="000000"/>
+                  </a:solidFill>
+                  <a:miter lim="800000"/>
+                  <a:headEnd/>
+                  <a:tailEnd/>
+                </a14:hiddenLine>
+              </a:ext>
+            </a:extLst>
+          </p:spPr>
+          <p:txBody>
+            <a:bodyPr>
+              <a:spAutoFit/>
+            </a:bodyPr>
+            <a:lstStyle>
+              <a:lvl1pPr>
+                <a:defRPr>
+                  <a:solidFill>
+                    <a:schemeClr val="tx1"/>
+                  </a:solidFill>
+                  <a:latin typeface="Calibri" panose="020F0502020204030204" pitchFamily="34" charset="0"/>
+                </a:defRPr>
+              </a:lvl1pPr>
+              <a:lvl2pPr marL="742950" indent="-285750">
+                <a:defRPr>
+                  <a:solidFill>
+                    <a:schemeClr val="tx1"/>
+                  </a:solidFill>
+                  <a:latin typeface="Calibri" panose="020F0502020204030204" pitchFamily="34" charset="0"/>
+                </a:defRPr>
+              </a:lvl2pPr>
+              <a:lvl3pPr marL="1143000" indent="-228600">
+                <a:defRPr>
+                  <a:solidFill>
+                    <a:schemeClr val="tx1"/>
+                  </a:solidFill>
+                  <a:latin typeface="Calibri" panose="020F0502020204030204" pitchFamily="34" charset="0"/>
+                </a:defRPr>
+              </a:lvl3pPr>
+              <a:lvl4pPr marL="1600200" indent="-228600">
+                <a:defRPr>
+                  <a:solidFill>
+                    <a:schemeClr val="tx1"/>
+                  </a:solidFill>
+                  <a:latin typeface="Calibri" panose="020F0502020204030204" pitchFamily="34" charset="0"/>
+                </a:defRPr>
+              </a:lvl4pPr>
+              <a:lvl5pPr marL="2057400" indent="-228600">
+                <a:defRPr>
+                  <a:solidFill>
+                    <a:schemeClr val="tx1"/>
+                  </a:solidFill>
+                  <a:latin typeface="Calibri" panose="020F0502020204030204" pitchFamily="34" charset="0"/>
+                </a:defRPr>
+              </a:lvl5pPr>
+              <a:lvl6pPr marL="2514600" indent="-228600" eaLnBrk="0" fontAlgn="base" hangingPunct="0">
+                <a:spcBef>
+                  <a:spcPct val="0"/>
+                </a:spcBef>
+                <a:spcAft>
+                  <a:spcPct val="0"/>
+                </a:spcAft>
+                <a:defRPr>
+                  <a:solidFill>
+                    <a:schemeClr val="tx1"/>
+                  </a:solidFill>
+                  <a:latin typeface="Calibri" panose="020F0502020204030204" pitchFamily="34" charset="0"/>
+                </a:defRPr>
+              </a:lvl6pPr>
+              <a:lvl7pPr marL="2971800" indent="-228600" eaLnBrk="0" fontAlgn="base" hangingPunct="0">
+                <a:spcBef>
+                  <a:spcPct val="0"/>
+                </a:spcBef>
+                <a:spcAft>
+                  <a:spcPct val="0"/>
+                </a:spcAft>
+                <a:defRPr>
+                  <a:solidFill>
+                    <a:schemeClr val="tx1"/>
+                  </a:solidFill>
+                  <a:latin typeface="Calibri" panose="020F0502020204030204" pitchFamily="34" charset="0"/>
+                </a:defRPr>
+              </a:lvl7pPr>
+              <a:lvl8pPr marL="3429000" indent="-228600" eaLnBrk="0" fontAlgn="base" hangingPunct="0">
+                <a:spcBef>
+                  <a:spcPct val="0"/>
+                </a:spcBef>
+                <a:spcAft>
+                  <a:spcPct val="0"/>
+                </a:spcAft>
+                <a:defRPr>
+                  <a:solidFill>
+                    <a:schemeClr val="tx1"/>
+                  </a:solidFill>
+                  <a:latin typeface="Calibri" panose="020F0502020204030204" pitchFamily="34" charset="0"/>
+                </a:defRPr>
+              </a:lvl8pPr>
+              <a:lvl9pPr marL="3886200" indent="-228600" eaLnBrk="0" fontAlgn="base" hangingPunct="0">
+                <a:spcBef>
+                  <a:spcPct val="0"/>
+                </a:spcBef>
+                <a:spcAft>
+                  <a:spcPct val="0"/>
+                </a:spcAft>
+                <a:defRPr>
+                  <a:solidFill>
+                    <a:schemeClr val="tx1"/>
+                  </a:solidFill>
+                  <a:latin typeface="Calibri" panose="020F0502020204030204" pitchFamily="34" charset="0"/>
+                </a:defRPr>
+              </a:lvl9pPr>
+            </a:lstStyle>
+            <a:p>
+              <a:pPr algn="ctr" eaLnBrk="1" hangingPunct="1"/>
+              <a:r>
+                <a:rPr lang="en-US" altLang="en-US" sz="1100" dirty="0">
+                  <a:solidFill>
+                    <a:srgbClr val="232F3E"/>
+                  </a:solidFill>
+                  <a:latin typeface="Arial" panose="020B0604020202020204" pitchFamily="34" charset="0"/>
+                  <a:cs typeface="Arial" panose="020B0604020202020204" pitchFamily="34" charset="0"/>
+                </a:rPr>
+                <a:t>LogStream</a:t>
+              </a:r>
+            </a:p>
+          </p:txBody>
+        </p:sp>
+        <p:pic>
+          <p:nvPicPr>
+            <p:cNvPr id="8" name="Graphic 17">
+              <a:extLst>
+                <a:ext uri="{FF2B5EF4-FFF2-40B4-BE49-F238E27FC236}">
+                  <a16:creationId xmlns:a16="http://schemas.microsoft.com/office/drawing/2014/main" id="{DB7D6A96-F941-2549-B305-C03165A30AB7}"/>
+                </a:ext>
+              </a:extLst>
+            </p:cNvPr>
+            <p:cNvPicPr>
+              <a:picLocks noChangeAspect="1" noChangeArrowheads="1"/>
+            </p:cNvPicPr>
+            <p:nvPr/>
+          </p:nvPicPr>
+          <p:blipFill>
+            <a:blip r:embed="rId4">
+              <a:extLst>
+                <a:ext uri="{28A0092B-C50C-407E-A947-70E740481C1C}">
+                  <a14:useLocalDpi xmlns:a14="http://schemas.microsoft.com/office/drawing/2010/main" val="0"/>
+                </a:ext>
+              </a:extLst>
+            </a:blip>
+            <a:srcRect/>
+            <a:stretch>
+              <a:fillRect/>
+            </a:stretch>
+          </p:blipFill>
+          <p:spPr bwMode="auto">
+            <a:xfrm>
+              <a:off x="5074280" y="3730854"/>
+              <a:ext cx="469900" cy="469900"/>
+            </a:xfrm>
+            <a:prstGeom prst="rect">
+              <a:avLst/>
+            </a:prstGeom>
+            <a:noFill/>
+            <a:ln>
+              <a:noFill/>
+            </a:ln>
+            <a:extLst>
+              <a:ext uri="{909E8E84-426E-40DD-AFC4-6F175D3DCCD1}">
+                <a14:hiddenFill xmlns:a14="http://schemas.microsoft.com/office/drawing/2010/main">
+                  <a:solidFill>
+                    <a:srgbClr val="FFFFFF"/>
+                  </a:solidFill>
+                </a14:hiddenFill>
+              </a:ext>
+              <a:ext uri="{91240B29-F687-4F45-9708-019B960494DF}">
+                <a14:hiddenLine xmlns:a14="http://schemas.microsoft.com/office/drawing/2010/main" w="9525">
+                  <a:solidFill>
+                    <a:srgbClr val="000000"/>
+                  </a:solidFill>
+                  <a:miter lim="800000"/>
+                  <a:headEnd/>
+                  <a:tailEnd/>
+                </a14:hiddenLine>
+              </a:ext>
+            </a:extLst>
+          </p:spPr>
+        </p:pic>
+      </p:grpSp>
+      <p:sp>
+        <p:nvSpPr>
+          <p:cNvPr id="9" name="Rectangle 8">
+            <a:extLst>
+              <a:ext uri="{FF2B5EF4-FFF2-40B4-BE49-F238E27FC236}">
+                <a16:creationId xmlns:a16="http://schemas.microsoft.com/office/drawing/2014/main" id="{D6700FEB-E664-1846-BA04-7567CCD7268F}"/>
+              </a:ext>
+            </a:extLst>
+          </p:cNvPr>
+          <p:cNvSpPr/>
+          <p:nvPr/>
+        </p:nvSpPr>
+        <p:spPr bwMode="auto">
+          <a:xfrm>
+            <a:off x="4267830" y="1447332"/>
+            <a:ext cx="2057400" cy="1965423"/>
+          </a:xfrm>
+          <a:prstGeom prst="rect">
+            <a:avLst/>
+          </a:prstGeom>
+          <a:noFill/>
+          <a:ln w="12700">
+            <a:solidFill>
+              <a:srgbClr val="5B9CD5"/>
+            </a:solidFill>
+            <a:prstDash val="dash"/>
+          </a:ln>
+        </p:spPr>
+        <p:style>
+          <a:lnRef idx="2">
+            <a:schemeClr val="accent1">
+              <a:shade val="50000"/>
+            </a:schemeClr>
+          </a:lnRef>
+          <a:fillRef idx="1">
+            <a:schemeClr val="accent1"/>
+          </a:fillRef>
+          <a:effectRef idx="0">
+            <a:schemeClr val="accent1"/>
+          </a:effectRef>
+          <a:fontRef idx="minor">
+            <a:schemeClr val="lt1"/>
+          </a:fontRef>
+        </p:style>
+        <p:txBody>
+          <a:bodyPr tIns="91440"/>
+          <a:lstStyle/>
+          <a:p>
+            <a:pPr algn="ctr" eaLnBrk="1" fontAlgn="auto" hangingPunct="1">
+              <a:spcBef>
+                <a:spcPts val="0"/>
+              </a:spcBef>
+              <a:spcAft>
+                <a:spcPts val="0"/>
+              </a:spcAft>
+              <a:defRPr/>
+            </a:pPr>
+            <a:r>
+              <a:rPr lang="en-US" sz="1200" dirty="0">
+                <a:solidFill>
+                  <a:srgbClr val="5B9CD5"/>
+                </a:solidFill>
+                <a:latin typeface="Arial" panose="020B0604020202020204" pitchFamily="34" charset="0"/>
+                <a:cs typeface="Arial" panose="020B0604020202020204" pitchFamily="34" charset="0"/>
+              </a:rPr>
+              <a:t>Availability Zone</a:t>
+            </a:r>
+          </a:p>
+        </p:txBody>
+      </p:sp>
+      <p:sp>
+        <p:nvSpPr>
+          <p:cNvPr id="10" name="Rectangle 9">
+            <a:extLst>
+              <a:ext uri="{FF2B5EF4-FFF2-40B4-BE49-F238E27FC236}">
+                <a16:creationId xmlns:a16="http://schemas.microsoft.com/office/drawing/2014/main" id="{EC36E4B3-8A98-9C48-AFF7-D01168D87DB9}"/>
+              </a:ext>
+            </a:extLst>
+          </p:cNvPr>
+          <p:cNvSpPr/>
+          <p:nvPr/>
+        </p:nvSpPr>
+        <p:spPr bwMode="auto">
+          <a:xfrm>
+            <a:off x="4267830" y="3536028"/>
+            <a:ext cx="2057400" cy="1908297"/>
+          </a:xfrm>
+          <a:prstGeom prst="rect">
+            <a:avLst/>
+          </a:prstGeom>
+          <a:noFill/>
+          <a:ln w="12700">
+            <a:solidFill>
+              <a:srgbClr val="5B9CD5"/>
+            </a:solidFill>
+            <a:prstDash val="dash"/>
+          </a:ln>
+        </p:spPr>
+        <p:style>
+          <a:lnRef idx="2">
+            <a:schemeClr val="accent1">
+              <a:shade val="50000"/>
+            </a:schemeClr>
+          </a:lnRef>
+          <a:fillRef idx="1">
+            <a:schemeClr val="accent1"/>
+          </a:fillRef>
+          <a:effectRef idx="0">
+            <a:schemeClr val="accent1"/>
+          </a:effectRef>
+          <a:fontRef idx="minor">
+            <a:schemeClr val="lt1"/>
+          </a:fontRef>
+        </p:style>
+        <p:txBody>
+          <a:bodyPr tIns="91440"/>
+          <a:lstStyle/>
+          <a:p>
+            <a:pPr algn="ctr" eaLnBrk="1" fontAlgn="auto" hangingPunct="1">
+              <a:spcBef>
+                <a:spcPts val="0"/>
+              </a:spcBef>
+              <a:spcAft>
+                <a:spcPts val="0"/>
+              </a:spcAft>
+              <a:defRPr/>
+            </a:pPr>
+            <a:r>
+              <a:rPr lang="en-US" sz="1200" dirty="0">
+                <a:solidFill>
+                  <a:srgbClr val="5B9CD5"/>
+                </a:solidFill>
+                <a:latin typeface="Arial" panose="020B0604020202020204" pitchFamily="34" charset="0"/>
+                <a:cs typeface="Arial" panose="020B0604020202020204" pitchFamily="34" charset="0"/>
+              </a:rPr>
+              <a:t>Availability Zone</a:t>
+            </a:r>
+          </a:p>
+        </p:txBody>
+      </p:sp>
+      <p:grpSp>
+        <p:nvGrpSpPr>
+          <p:cNvPr id="17" name="Group 16">
+            <a:extLst>
+              <a:ext uri="{FF2B5EF4-FFF2-40B4-BE49-F238E27FC236}">
+                <a16:creationId xmlns:a16="http://schemas.microsoft.com/office/drawing/2014/main" id="{02C9660C-0D99-CE46-9BEA-C269392669C2}"/>
+              </a:ext>
+            </a:extLst>
+          </p:cNvPr>
+          <p:cNvGrpSpPr/>
+          <p:nvPr/>
+        </p:nvGrpSpPr>
+        <p:grpSpPr>
+          <a:xfrm>
+            <a:off x="2916657" y="3211186"/>
+            <a:ext cx="1339850" cy="905549"/>
+            <a:chOff x="6865178" y="2805113"/>
+            <a:chExt cx="1339850" cy="905549"/>
+          </a:xfrm>
+        </p:grpSpPr>
+        <p:sp>
+          <p:nvSpPr>
+            <p:cNvPr id="18" name="TextBox 19">
+              <a:extLst>
+                <a:ext uri="{FF2B5EF4-FFF2-40B4-BE49-F238E27FC236}">
+                  <a16:creationId xmlns:a16="http://schemas.microsoft.com/office/drawing/2014/main" id="{104191CD-2CAD-AB45-A5EF-A59A0B879029}"/>
+                </a:ext>
+              </a:extLst>
+            </p:cNvPr>
+            <p:cNvSpPr txBox="1">
+              <a:spLocks noChangeArrowheads="1"/>
+            </p:cNvSpPr>
+            <p:nvPr/>
+          </p:nvSpPr>
+          <p:spPr bwMode="auto">
+            <a:xfrm>
+              <a:off x="6865178" y="3279775"/>
+              <a:ext cx="1339850" cy="430887"/>
+            </a:xfrm>
+            <a:prstGeom prst="rect">
+              <a:avLst/>
+            </a:prstGeom>
+            <a:noFill/>
+            <a:ln>
+              <a:noFill/>
+            </a:ln>
+            <a:extLst>
+              <a:ext uri="{909E8E84-426E-40DD-AFC4-6F175D3DCCD1}">
+                <a14:hiddenFill xmlns:a14="http://schemas.microsoft.com/office/drawing/2010/main">
+                  <a:solidFill>
+                    <a:srgbClr val="FFFFFF"/>
+                  </a:solidFill>
+                </a14:hiddenFill>
+              </a:ext>
+              <a:ext uri="{91240B29-F687-4F45-9708-019B960494DF}">
+                <a14:hiddenLine xmlns:a14="http://schemas.microsoft.com/office/drawing/2010/main" w="9525">
+                  <a:solidFill>
+                    <a:srgbClr val="000000"/>
+                  </a:solidFill>
+                  <a:miter lim="800000"/>
+                  <a:headEnd/>
+                  <a:tailEnd/>
+                </a14:hiddenLine>
+              </a:ext>
+            </a:extLst>
+          </p:spPr>
+          <p:txBody>
+            <a:bodyPr wrap="square">
+              <a:spAutoFit/>
+            </a:bodyPr>
+            <a:lstStyle>
+              <a:lvl1pPr>
+                <a:defRPr>
+                  <a:solidFill>
+                    <a:schemeClr val="tx1"/>
+                  </a:solidFill>
+                  <a:latin typeface="Calibri" panose="020F0502020204030204" pitchFamily="34" charset="0"/>
+                </a:defRPr>
+              </a:lvl1pPr>
+              <a:lvl2pPr marL="742950" indent="-285750">
+                <a:defRPr>
+                  <a:solidFill>
+                    <a:schemeClr val="tx1"/>
+                  </a:solidFill>
+                  <a:latin typeface="Calibri" panose="020F0502020204030204" pitchFamily="34" charset="0"/>
+                </a:defRPr>
+              </a:lvl2pPr>
+              <a:lvl3pPr marL="1143000" indent="-228600">
+                <a:defRPr>
+                  <a:solidFill>
+                    <a:schemeClr val="tx1"/>
+                  </a:solidFill>
+                  <a:latin typeface="Calibri" panose="020F0502020204030204" pitchFamily="34" charset="0"/>
+                </a:defRPr>
+              </a:lvl3pPr>
+              <a:lvl4pPr marL="1600200" indent="-228600">
+                <a:defRPr>
+                  <a:solidFill>
+                    <a:schemeClr val="tx1"/>
+                  </a:solidFill>
+                  <a:latin typeface="Calibri" panose="020F0502020204030204" pitchFamily="34" charset="0"/>
+                </a:defRPr>
+              </a:lvl4pPr>
+              <a:lvl5pPr marL="2057400" indent="-228600">
+                <a:defRPr>
+                  <a:solidFill>
+                    <a:schemeClr val="tx1"/>
+                  </a:solidFill>
+                  <a:latin typeface="Calibri" panose="020F0502020204030204" pitchFamily="34" charset="0"/>
+                </a:defRPr>
+              </a:lvl5pPr>
+              <a:lvl6pPr marL="2514600" indent="-228600" eaLnBrk="0" fontAlgn="base" hangingPunct="0">
+                <a:spcBef>
+                  <a:spcPct val="0"/>
+                </a:spcBef>
+                <a:spcAft>
+                  <a:spcPct val="0"/>
+                </a:spcAft>
+                <a:defRPr>
+                  <a:solidFill>
+                    <a:schemeClr val="tx1"/>
+                  </a:solidFill>
+                  <a:latin typeface="Calibri" panose="020F0502020204030204" pitchFamily="34" charset="0"/>
+                </a:defRPr>
+              </a:lvl6pPr>
+              <a:lvl7pPr marL="2971800" indent="-228600" eaLnBrk="0" fontAlgn="base" hangingPunct="0">
+                <a:spcBef>
+                  <a:spcPct val="0"/>
+                </a:spcBef>
+                <a:spcAft>
+                  <a:spcPct val="0"/>
+                </a:spcAft>
+                <a:defRPr>
+                  <a:solidFill>
+                    <a:schemeClr val="tx1"/>
+                  </a:solidFill>
+                  <a:latin typeface="Calibri" panose="020F0502020204030204" pitchFamily="34" charset="0"/>
+                </a:defRPr>
+              </a:lvl7pPr>
+              <a:lvl8pPr marL="3429000" indent="-228600" eaLnBrk="0" fontAlgn="base" hangingPunct="0">
+                <a:spcBef>
+                  <a:spcPct val="0"/>
+                </a:spcBef>
+                <a:spcAft>
+                  <a:spcPct val="0"/>
+                </a:spcAft>
+                <a:defRPr>
+                  <a:solidFill>
+                    <a:schemeClr val="tx1"/>
+                  </a:solidFill>
+                  <a:latin typeface="Calibri" panose="020F0502020204030204" pitchFamily="34" charset="0"/>
+                </a:defRPr>
+              </a:lvl8pPr>
+              <a:lvl9pPr marL="3886200" indent="-228600" eaLnBrk="0" fontAlgn="base" hangingPunct="0">
+                <a:spcBef>
+                  <a:spcPct val="0"/>
+                </a:spcBef>
+                <a:spcAft>
+                  <a:spcPct val="0"/>
+                </a:spcAft>
+                <a:defRPr>
+                  <a:solidFill>
+                    <a:schemeClr val="tx1"/>
+                  </a:solidFill>
+                  <a:latin typeface="Calibri" panose="020F0502020204030204" pitchFamily="34" charset="0"/>
+                </a:defRPr>
+              </a:lvl9pPr>
+            </a:lstStyle>
+            <a:p>
+              <a:pPr algn="ctr" eaLnBrk="1" hangingPunct="1"/>
+              <a:r>
+                <a:rPr lang="en-US" altLang="en-US" sz="1100" dirty="0">
+                  <a:latin typeface="Arial" panose="020B0604020202020204" pitchFamily="34" charset="0"/>
+                  <a:ea typeface="Amazon Ember" panose="020B0603020204020204" pitchFamily="34" charset="0"/>
+                  <a:cs typeface="Arial" panose="020B0604020202020204" pitchFamily="34" charset="0"/>
+                </a:rPr>
+                <a:t>Application Load </a:t>
+              </a:r>
+              <a:br>
+                <a:rPr lang="en-US" altLang="en-US" sz="1100" dirty="0">
+                  <a:latin typeface="Arial" panose="020B0604020202020204" pitchFamily="34" charset="0"/>
+                  <a:ea typeface="Amazon Ember" panose="020B0603020204020204" pitchFamily="34" charset="0"/>
+                  <a:cs typeface="Arial" panose="020B0604020202020204" pitchFamily="34" charset="0"/>
+                </a:rPr>
+              </a:br>
+              <a:r>
+                <a:rPr lang="en-US" altLang="en-US" sz="1100" dirty="0">
+                  <a:latin typeface="Arial" panose="020B0604020202020204" pitchFamily="34" charset="0"/>
+                  <a:ea typeface="Amazon Ember" panose="020B0603020204020204" pitchFamily="34" charset="0"/>
+                  <a:cs typeface="Arial" panose="020B0604020202020204" pitchFamily="34" charset="0"/>
+                </a:rPr>
+                <a:t>Balancer</a:t>
+              </a:r>
+            </a:p>
+          </p:txBody>
+        </p:sp>
+        <p:pic>
+          <p:nvPicPr>
+            <p:cNvPr id="19" name="Graphic 8">
+              <a:extLst>
+                <a:ext uri="{FF2B5EF4-FFF2-40B4-BE49-F238E27FC236}">
+                  <a16:creationId xmlns:a16="http://schemas.microsoft.com/office/drawing/2014/main" id="{377AA1E3-127E-F84F-9FB7-E3C9A9C93D7A}"/>
+                </a:ext>
+              </a:extLst>
+            </p:cNvPr>
+            <p:cNvPicPr>
+              <a:picLocks noChangeAspect="1" noChangeArrowheads="1"/>
+            </p:cNvPicPr>
+            <p:nvPr/>
+          </p:nvPicPr>
+          <p:blipFill>
+            <a:blip r:embed="rId5">
+              <a:extLst>
+                <a:ext uri="{28A0092B-C50C-407E-A947-70E740481C1C}">
+                  <a14:useLocalDpi xmlns:a14="http://schemas.microsoft.com/office/drawing/2010/main" val="0"/>
+                </a:ext>
+              </a:extLst>
+            </a:blip>
+            <a:srcRect/>
+            <a:stretch>
+              <a:fillRect/>
+            </a:stretch>
+          </p:blipFill>
+          <p:spPr bwMode="auto">
+            <a:xfrm>
+              <a:off x="7302500" y="2805113"/>
+              <a:ext cx="457200" cy="457200"/>
+            </a:xfrm>
+            <a:prstGeom prst="rect">
+              <a:avLst/>
+            </a:prstGeom>
+            <a:noFill/>
+            <a:ln>
+              <a:noFill/>
+            </a:ln>
+            <a:extLst>
+              <a:ext uri="{909E8E84-426E-40DD-AFC4-6F175D3DCCD1}">
+                <a14:hiddenFill xmlns:a14="http://schemas.microsoft.com/office/drawing/2010/main">
+                  <a:solidFill>
+                    <a:srgbClr val="FFFFFF"/>
+                  </a:solidFill>
+                </a14:hiddenFill>
+              </a:ext>
+              <a:ext uri="{91240B29-F687-4F45-9708-019B960494DF}">
+                <a14:hiddenLine xmlns:a14="http://schemas.microsoft.com/office/drawing/2010/main" w="9525">
+                  <a:solidFill>
+                    <a:srgbClr val="000000"/>
+                  </a:solidFill>
+                  <a:miter lim="800000"/>
+                  <a:headEnd/>
+                  <a:tailEnd/>
+                </a14:hiddenLine>
+              </a:ext>
+            </a:extLst>
+          </p:spPr>
+        </p:pic>
+      </p:grpSp>
+      <p:pic>
+        <p:nvPicPr>
+          <p:cNvPr id="22" name="Graphic 21">
+            <a:extLst>
+              <a:ext uri="{FF2B5EF4-FFF2-40B4-BE49-F238E27FC236}">
+                <a16:creationId xmlns:a16="http://schemas.microsoft.com/office/drawing/2014/main" id="{EF7FE07A-8E4E-E341-8A3D-8FEF763C68BC}"/>
+              </a:ext>
+            </a:extLst>
+          </p:cNvPr>
+          <p:cNvPicPr>
+            <a:picLocks noChangeAspect="1"/>
+          </p:cNvPicPr>
+          <p:nvPr/>
+        </p:nvPicPr>
+        <p:blipFill>
+          <a:blip r:embed="rId6">
+            <a:extLst>
+              <a:ext uri="{96DAC541-7B7A-43D3-8B79-37D633B846F1}">
+                <asvg:svgBlip xmlns:asvg="http://schemas.microsoft.com/office/drawing/2016/SVG/main" r:embed="rId7"/>
+              </a:ext>
+            </a:extLst>
+          </a:blip>
+          <a:stretch>
+            <a:fillRect/>
+          </a:stretch>
+        </p:blipFill>
+        <p:spPr>
+          <a:xfrm>
+            <a:off x="4394218" y="1847217"/>
+            <a:ext cx="381000" cy="381000"/>
+          </a:xfrm>
+          <a:prstGeom prst="rect">
+            <a:avLst/>
+          </a:prstGeom>
+        </p:spPr>
+      </p:pic>
+      <p:grpSp>
+        <p:nvGrpSpPr>
+          <p:cNvPr id="66" name="Group 65">
+            <a:extLst>
+              <a:ext uri="{FF2B5EF4-FFF2-40B4-BE49-F238E27FC236}">
+                <a16:creationId xmlns:a16="http://schemas.microsoft.com/office/drawing/2014/main" id="{1062DBE2-AD22-6B4E-AB05-31B4710A780D}"/>
+              </a:ext>
+            </a:extLst>
+          </p:cNvPr>
+          <p:cNvGrpSpPr/>
+          <p:nvPr/>
+        </p:nvGrpSpPr>
+        <p:grpSpPr>
+          <a:xfrm>
+            <a:off x="1292019" y="2601333"/>
+            <a:ext cx="1600200" cy="2842990"/>
+            <a:chOff x="1712689" y="2472796"/>
+            <a:chExt cx="1600200" cy="2842990"/>
+          </a:xfrm>
+        </p:grpSpPr>
+        <p:sp>
+          <p:nvSpPr>
+            <p:cNvPr id="26" name="Rectangle 25">
+              <a:extLst>
+                <a:ext uri="{FF2B5EF4-FFF2-40B4-BE49-F238E27FC236}">
+                  <a16:creationId xmlns:a16="http://schemas.microsoft.com/office/drawing/2014/main" id="{D68522D4-5BB1-8B4A-96E5-3DBEE01F915B}"/>
+                </a:ext>
+              </a:extLst>
+            </p:cNvPr>
+            <p:cNvSpPr/>
+            <p:nvPr/>
+          </p:nvSpPr>
+          <p:spPr>
+            <a:xfrm>
+              <a:off x="1712689" y="2472796"/>
+              <a:ext cx="1600200" cy="2842990"/>
+            </a:xfrm>
+            <a:prstGeom prst="rect">
+              <a:avLst/>
+            </a:prstGeom>
+            <a:noFill/>
+            <a:ln w="12700">
+              <a:solidFill>
+                <a:srgbClr val="5A6B86"/>
+              </a:solidFill>
+              <a:prstDash val="dash"/>
+            </a:ln>
+          </p:spPr>
+          <p:style>
+            <a:lnRef idx="2">
+              <a:schemeClr val="accent1">
+                <a:shade val="50000"/>
+              </a:schemeClr>
+            </a:lnRef>
+            <a:fillRef idx="1">
+              <a:schemeClr val="accent1"/>
+            </a:fillRef>
+            <a:effectRef idx="0">
+              <a:schemeClr val="accent1"/>
+            </a:effectRef>
+            <a:fontRef idx="minor">
+              <a:schemeClr val="lt1"/>
+            </a:fontRef>
+          </p:style>
+          <p:txBody>
+            <a:bodyPr tIns="91440"/>
+            <a:lstStyle/>
+            <a:p>
+              <a:pPr algn="ctr" eaLnBrk="1" fontAlgn="auto" hangingPunct="1">
+                <a:spcBef>
+                  <a:spcPts val="0"/>
+                </a:spcBef>
+                <a:spcAft>
+                  <a:spcPts val="0"/>
+                </a:spcAft>
+                <a:defRPr/>
+              </a:pPr>
+              <a:r>
+                <a:rPr lang="en-US" sz="1200" dirty="0">
+                  <a:solidFill>
+                    <a:srgbClr val="5A6B86"/>
+                  </a:solidFill>
+                  <a:latin typeface="Arial" panose="020B0604020202020204" pitchFamily="34" charset="0"/>
+                  <a:cs typeface="Arial" panose="020B0604020202020204" pitchFamily="34" charset="0"/>
+                </a:rPr>
+                <a:t>Sources</a:t>
+              </a:r>
+            </a:p>
+          </p:txBody>
+        </p:sp>
+        <p:grpSp>
+          <p:nvGrpSpPr>
+            <p:cNvPr id="27" name="Group 26">
+              <a:extLst>
+                <a:ext uri="{FF2B5EF4-FFF2-40B4-BE49-F238E27FC236}">
+                  <a16:creationId xmlns:a16="http://schemas.microsoft.com/office/drawing/2014/main" id="{4C938DAC-AB55-8E48-A858-34E78282C37C}"/>
+                </a:ext>
+              </a:extLst>
+            </p:cNvPr>
+            <p:cNvGrpSpPr/>
+            <p:nvPr/>
+          </p:nvGrpSpPr>
+          <p:grpSpPr>
+            <a:xfrm>
+              <a:off x="2030868" y="4394434"/>
+              <a:ext cx="952505" cy="921352"/>
+              <a:chOff x="1465018" y="4401122"/>
+              <a:chExt cx="952505" cy="921352"/>
+            </a:xfrm>
+          </p:grpSpPr>
+          <p:pic>
+            <p:nvPicPr>
+              <p:cNvPr id="34" name="Graphic 64">
+                <a:extLst>
+                  <a:ext uri="{FF2B5EF4-FFF2-40B4-BE49-F238E27FC236}">
+                    <a16:creationId xmlns:a16="http://schemas.microsoft.com/office/drawing/2014/main" id="{7B90216E-79A8-6148-A5FF-644FC9BF29F6}"/>
+                  </a:ext>
+                </a:extLst>
+              </p:cNvPr>
+              <p:cNvPicPr>
+                <a:picLocks noChangeAspect="1" noChangeArrowheads="1"/>
+              </p:cNvPicPr>
+              <p:nvPr/>
+            </p:nvPicPr>
+            <p:blipFill>
+              <a:blip r:embed="rId8">
+                <a:extLst>
+                  <a:ext uri="{28A0092B-C50C-407E-A947-70E740481C1C}">
+                    <a14:useLocalDpi xmlns:a14="http://schemas.microsoft.com/office/drawing/2010/main" val="0"/>
+                  </a:ext>
+                </a:extLst>
+              </a:blip>
+              <a:srcRect/>
+              <a:stretch>
+                <a:fillRect/>
+              </a:stretch>
+            </p:blipFill>
+            <p:spPr bwMode="auto">
+              <a:xfrm>
+                <a:off x="1712671" y="4401122"/>
+                <a:ext cx="457200" cy="457200"/>
+              </a:xfrm>
+              <a:prstGeom prst="rect">
+                <a:avLst/>
+              </a:prstGeom>
+              <a:noFill/>
+              <a:ln>
+                <a:noFill/>
+              </a:ln>
+              <a:extLst>
+                <a:ext uri="{909E8E84-426E-40DD-AFC4-6F175D3DCCD1}">
+                  <a14:hiddenFill xmlns:a14="http://schemas.microsoft.com/office/drawing/2010/main">
+                    <a:solidFill>
+                      <a:srgbClr val="FFFFFF"/>
+                    </a:solidFill>
+                  </a14:hiddenFill>
+                </a:ext>
+                <a:ext uri="{91240B29-F687-4F45-9708-019B960494DF}">
+                  <a14:hiddenLine xmlns:a14="http://schemas.microsoft.com/office/drawing/2010/main" w="9525">
+                    <a:solidFill>
+                      <a:srgbClr val="000000"/>
+                    </a:solidFill>
+                    <a:miter lim="800000"/>
+                    <a:headEnd/>
+                    <a:tailEnd/>
+                  </a14:hiddenLine>
+                </a:ext>
+              </a:extLst>
+            </p:spPr>
+          </p:pic>
+          <p:sp>
+            <p:nvSpPr>
+              <p:cNvPr id="35" name="TextBox 34">
+                <a:extLst>
+                  <a:ext uri="{FF2B5EF4-FFF2-40B4-BE49-F238E27FC236}">
+                    <a16:creationId xmlns:a16="http://schemas.microsoft.com/office/drawing/2014/main" id="{6267C135-E14B-D14D-83C6-E667D0F9EB63}"/>
+                  </a:ext>
+                </a:extLst>
+              </p:cNvPr>
+              <p:cNvSpPr txBox="1"/>
+              <p:nvPr/>
+            </p:nvSpPr>
+            <p:spPr>
+              <a:xfrm>
+                <a:off x="1465018" y="4891587"/>
+                <a:ext cx="952505" cy="430887"/>
+              </a:xfrm>
+              <a:prstGeom prst="rect">
+                <a:avLst/>
+              </a:prstGeom>
+              <a:noFill/>
+            </p:spPr>
+            <p:txBody>
+              <a:bodyPr wrap="none" rtlCol="0">
+                <a:spAutoFit/>
+              </a:bodyPr>
+              <a:lstStyle/>
+              <a:p>
+                <a:pPr algn="ctr"/>
+                <a:r>
+                  <a:rPr lang="en-US" sz="1100" dirty="0"/>
+                  <a:t>Amazon S3 </a:t>
+                </a:r>
+              </a:p>
+              <a:p>
+                <a:pPr algn="ctr"/>
+                <a:r>
+                  <a:rPr lang="en-US" sz="1100" dirty="0"/>
+                  <a:t>Bucket</a:t>
+                </a:r>
+              </a:p>
+            </p:txBody>
+          </p:sp>
+        </p:grpSp>
+        <p:grpSp>
+          <p:nvGrpSpPr>
+            <p:cNvPr id="28" name="Group 27">
+              <a:extLst>
+                <a:ext uri="{FF2B5EF4-FFF2-40B4-BE49-F238E27FC236}">
+                  <a16:creationId xmlns:a16="http://schemas.microsoft.com/office/drawing/2014/main" id="{287BCDFB-6960-0D4B-83BA-89F6175D2382}"/>
+                </a:ext>
+              </a:extLst>
+            </p:cNvPr>
+            <p:cNvGrpSpPr/>
+            <p:nvPr/>
+          </p:nvGrpSpPr>
+          <p:grpSpPr>
+            <a:xfrm>
+              <a:off x="1987587" y="3600765"/>
+              <a:ext cx="1039067" cy="752709"/>
+              <a:chOff x="2427626" y="4401122"/>
+              <a:chExt cx="1039067" cy="752709"/>
+            </a:xfrm>
+          </p:grpSpPr>
+          <p:pic>
+            <p:nvPicPr>
+              <p:cNvPr id="32" name="Graphic 26">
+                <a:extLst>
+                  <a:ext uri="{FF2B5EF4-FFF2-40B4-BE49-F238E27FC236}">
+                    <a16:creationId xmlns:a16="http://schemas.microsoft.com/office/drawing/2014/main" id="{35F2F7EA-A137-644A-B7F1-75C2522A4B1C}"/>
+                  </a:ext>
+                </a:extLst>
+              </p:cNvPr>
+              <p:cNvPicPr>
+                <a:picLocks noChangeAspect="1" noChangeArrowheads="1"/>
+              </p:cNvPicPr>
+              <p:nvPr/>
+            </p:nvPicPr>
+            <p:blipFill>
+              <a:blip r:embed="rId9">
+                <a:extLst>
+                  <a:ext uri="{28A0092B-C50C-407E-A947-70E740481C1C}">
+                    <a14:useLocalDpi xmlns:a14="http://schemas.microsoft.com/office/drawing/2010/main" val="0"/>
+                  </a:ext>
+                </a:extLst>
+              </a:blip>
+              <a:srcRect/>
+              <a:stretch>
+                <a:fillRect/>
+              </a:stretch>
+            </p:blipFill>
+            <p:spPr bwMode="auto">
+              <a:xfrm>
+                <a:off x="2718559" y="4401122"/>
+                <a:ext cx="457200" cy="457200"/>
+              </a:xfrm>
+              <a:prstGeom prst="rect">
+                <a:avLst/>
+              </a:prstGeom>
+              <a:noFill/>
+              <a:ln>
+                <a:noFill/>
+              </a:ln>
+              <a:extLst>
+                <a:ext uri="{909E8E84-426E-40DD-AFC4-6F175D3DCCD1}">
+                  <a14:hiddenFill xmlns:a14="http://schemas.microsoft.com/office/drawing/2010/main">
+                    <a:solidFill>
+                      <a:srgbClr val="FFFFFF"/>
+                    </a:solidFill>
+                  </a14:hiddenFill>
+                </a:ext>
+                <a:ext uri="{91240B29-F687-4F45-9708-019B960494DF}">
+                  <a14:hiddenLine xmlns:a14="http://schemas.microsoft.com/office/drawing/2010/main" w="9525">
+                    <a:solidFill>
+                      <a:srgbClr val="000000"/>
+                    </a:solidFill>
+                    <a:miter lim="800000"/>
+                    <a:headEnd/>
+                    <a:tailEnd/>
+                  </a14:hiddenLine>
+                </a:ext>
+              </a:extLst>
+            </p:spPr>
+          </p:pic>
+          <p:sp>
+            <p:nvSpPr>
+              <p:cNvPr id="33" name="TextBox 32">
+                <a:extLst>
+                  <a:ext uri="{FF2B5EF4-FFF2-40B4-BE49-F238E27FC236}">
+                    <a16:creationId xmlns:a16="http://schemas.microsoft.com/office/drawing/2014/main" id="{2F542C45-46A7-4140-8C00-A6A20C80B4A1}"/>
+                  </a:ext>
+                </a:extLst>
+              </p:cNvPr>
+              <p:cNvSpPr txBox="1"/>
+              <p:nvPr/>
+            </p:nvSpPr>
+            <p:spPr>
+              <a:xfrm>
+                <a:off x="2427626" y="4892221"/>
+                <a:ext cx="1039067" cy="261610"/>
+              </a:xfrm>
+              <a:prstGeom prst="rect">
+                <a:avLst/>
+              </a:prstGeom>
+              <a:noFill/>
+            </p:spPr>
+            <p:txBody>
+              <a:bodyPr wrap="none" rtlCol="0">
+                <a:spAutoFit/>
+              </a:bodyPr>
+              <a:lstStyle/>
+              <a:p>
+                <a:pPr algn="ctr"/>
+                <a:r>
+                  <a:rPr lang="en-US" sz="1100" dirty="0"/>
+                  <a:t>Amazon SQS</a:t>
+                </a:r>
+              </a:p>
+            </p:txBody>
+          </p:sp>
+        </p:grpSp>
+        <p:grpSp>
+          <p:nvGrpSpPr>
+            <p:cNvPr id="58" name="Group 57">
+              <a:extLst>
+                <a:ext uri="{FF2B5EF4-FFF2-40B4-BE49-F238E27FC236}">
+                  <a16:creationId xmlns:a16="http://schemas.microsoft.com/office/drawing/2014/main" id="{CA8F71A9-A69D-D34E-BF4C-B14E43C102F3}"/>
+                </a:ext>
+              </a:extLst>
+            </p:cNvPr>
+            <p:cNvGrpSpPr/>
+            <p:nvPr/>
+          </p:nvGrpSpPr>
+          <p:grpSpPr>
+            <a:xfrm>
+              <a:off x="1905935" y="2824261"/>
+              <a:ext cx="1202371" cy="735544"/>
+              <a:chOff x="2991802" y="971600"/>
+              <a:chExt cx="1202371" cy="735544"/>
+            </a:xfrm>
+          </p:grpSpPr>
+          <p:pic>
+            <p:nvPicPr>
+              <p:cNvPr id="30" name="Graphic 24">
+                <a:extLst>
+                  <a:ext uri="{FF2B5EF4-FFF2-40B4-BE49-F238E27FC236}">
+                    <a16:creationId xmlns:a16="http://schemas.microsoft.com/office/drawing/2014/main" id="{1BBFEB85-E741-8542-B479-D961C3EF1024}"/>
+                  </a:ext>
+                </a:extLst>
+              </p:cNvPr>
+              <p:cNvPicPr>
+                <a:picLocks noChangeAspect="1" noChangeArrowheads="1"/>
+              </p:cNvPicPr>
+              <p:nvPr/>
+            </p:nvPicPr>
+            <p:blipFill>
+              <a:blip r:embed="rId10">
+                <a:extLst>
+                  <a:ext uri="{28A0092B-C50C-407E-A947-70E740481C1C}">
+                    <a14:useLocalDpi xmlns:a14="http://schemas.microsoft.com/office/drawing/2010/main" val="0"/>
+                  </a:ext>
+                </a:extLst>
+              </a:blip>
+              <a:srcRect/>
+              <a:stretch>
+                <a:fillRect/>
+              </a:stretch>
+            </p:blipFill>
+            <p:spPr bwMode="auto">
+              <a:xfrm>
+                <a:off x="3366554" y="971600"/>
+                <a:ext cx="457200" cy="457200"/>
+              </a:xfrm>
+              <a:prstGeom prst="rect">
+                <a:avLst/>
+              </a:prstGeom>
+              <a:noFill/>
+              <a:ln>
+                <a:noFill/>
+              </a:ln>
+              <a:extLst>
+                <a:ext uri="{909E8E84-426E-40DD-AFC4-6F175D3DCCD1}">
+                  <a14:hiddenFill xmlns:a14="http://schemas.microsoft.com/office/drawing/2010/main">
+                    <a:solidFill>
+                      <a:srgbClr val="FFFFFF"/>
+                    </a:solidFill>
+                  </a14:hiddenFill>
+                </a:ext>
+                <a:ext uri="{91240B29-F687-4F45-9708-019B960494DF}">
+                  <a14:hiddenLine xmlns:a14="http://schemas.microsoft.com/office/drawing/2010/main" w="9525">
+                    <a:solidFill>
+                      <a:srgbClr val="000000"/>
+                    </a:solidFill>
+                    <a:miter lim="800000"/>
+                    <a:headEnd/>
+                    <a:tailEnd/>
+                  </a14:hiddenLine>
+                </a:ext>
+              </a:extLst>
+            </p:spPr>
+          </p:pic>
+          <p:sp>
+            <p:nvSpPr>
+              <p:cNvPr id="31" name="TextBox 19">
+                <a:extLst>
+                  <a:ext uri="{FF2B5EF4-FFF2-40B4-BE49-F238E27FC236}">
+                    <a16:creationId xmlns:a16="http://schemas.microsoft.com/office/drawing/2014/main" id="{0AA08742-08E3-414F-BA46-D67B3C0D803E}"/>
+                  </a:ext>
+                </a:extLst>
+              </p:cNvPr>
+              <p:cNvSpPr txBox="1">
+                <a:spLocks noChangeArrowheads="1"/>
+              </p:cNvSpPr>
+              <p:nvPr/>
+            </p:nvSpPr>
+            <p:spPr bwMode="auto">
+              <a:xfrm>
+                <a:off x="2991802" y="1445534"/>
+                <a:ext cx="1202371" cy="261610"/>
+              </a:xfrm>
+              <a:prstGeom prst="rect">
+                <a:avLst/>
+              </a:prstGeom>
+              <a:noFill/>
+              <a:ln>
+                <a:noFill/>
+              </a:ln>
+              <a:extLst>
+                <a:ext uri="{909E8E84-426E-40DD-AFC4-6F175D3DCCD1}">
+                  <a14:hiddenFill xmlns:a14="http://schemas.microsoft.com/office/drawing/2010/main">
+                    <a:solidFill>
+                      <a:srgbClr val="FFFFFF"/>
+                    </a:solidFill>
+                  </a14:hiddenFill>
+                </a:ext>
+                <a:ext uri="{91240B29-F687-4F45-9708-019B960494DF}">
+                  <a14:hiddenLine xmlns:a14="http://schemas.microsoft.com/office/drawing/2010/main" w="9525">
+                    <a:solidFill>
+                      <a:srgbClr val="000000"/>
+                    </a:solidFill>
+                    <a:miter lim="800000"/>
+                    <a:headEnd/>
+                    <a:tailEnd/>
+                  </a14:hiddenLine>
+                </a:ext>
+              </a:extLst>
+            </p:spPr>
+            <p:txBody>
+              <a:bodyPr wrap="square">
+                <a:spAutoFit/>
+              </a:bodyPr>
+              <a:lstStyle>
+                <a:lvl1pPr>
+                  <a:defRPr>
+                    <a:solidFill>
+                      <a:schemeClr val="tx1"/>
+                    </a:solidFill>
+                    <a:latin typeface="Calibri" panose="020F0502020204030204" pitchFamily="34" charset="0"/>
+                  </a:defRPr>
+                </a:lvl1pPr>
+                <a:lvl2pPr marL="742950" indent="-285750">
+                  <a:defRPr>
+                    <a:solidFill>
+                      <a:schemeClr val="tx1"/>
+                    </a:solidFill>
+                    <a:latin typeface="Calibri" panose="020F0502020204030204" pitchFamily="34" charset="0"/>
+                  </a:defRPr>
+                </a:lvl2pPr>
+                <a:lvl3pPr marL="1143000" indent="-228600">
+                  <a:defRPr>
+                    <a:solidFill>
+                      <a:schemeClr val="tx1"/>
+                    </a:solidFill>
+                    <a:latin typeface="Calibri" panose="020F0502020204030204" pitchFamily="34" charset="0"/>
+                  </a:defRPr>
+                </a:lvl3pPr>
+                <a:lvl4pPr marL="1600200" indent="-228600">
+                  <a:defRPr>
+                    <a:solidFill>
+                      <a:schemeClr val="tx1"/>
+                    </a:solidFill>
+                    <a:latin typeface="Calibri" panose="020F0502020204030204" pitchFamily="34" charset="0"/>
+                  </a:defRPr>
+                </a:lvl4pPr>
+                <a:lvl5pPr marL="2057400" indent="-228600">
+                  <a:defRPr>
+                    <a:solidFill>
+                      <a:schemeClr val="tx1"/>
+                    </a:solidFill>
+                    <a:latin typeface="Calibri" panose="020F0502020204030204" pitchFamily="34" charset="0"/>
+                  </a:defRPr>
+                </a:lvl5pPr>
+                <a:lvl6pPr marL="2514600" indent="-228600" eaLnBrk="0" fontAlgn="base" hangingPunct="0">
+                  <a:spcBef>
+                    <a:spcPct val="0"/>
+                  </a:spcBef>
+                  <a:spcAft>
+                    <a:spcPct val="0"/>
+                  </a:spcAft>
+                  <a:defRPr>
+                    <a:solidFill>
+                      <a:schemeClr val="tx1"/>
+                    </a:solidFill>
+                    <a:latin typeface="Calibri" panose="020F0502020204030204" pitchFamily="34" charset="0"/>
+                  </a:defRPr>
+                </a:lvl6pPr>
+                <a:lvl7pPr marL="2971800" indent="-228600" eaLnBrk="0" fontAlgn="base" hangingPunct="0">
+                  <a:spcBef>
+                    <a:spcPct val="0"/>
+                  </a:spcBef>
+                  <a:spcAft>
+                    <a:spcPct val="0"/>
+                  </a:spcAft>
+                  <a:defRPr>
+                    <a:solidFill>
+                      <a:schemeClr val="tx1"/>
+                    </a:solidFill>
+                    <a:latin typeface="Calibri" panose="020F0502020204030204" pitchFamily="34" charset="0"/>
+                  </a:defRPr>
+                </a:lvl7pPr>
+                <a:lvl8pPr marL="3429000" indent="-228600" eaLnBrk="0" fontAlgn="base" hangingPunct="0">
+                  <a:spcBef>
+                    <a:spcPct val="0"/>
+                  </a:spcBef>
+                  <a:spcAft>
+                    <a:spcPct val="0"/>
+                  </a:spcAft>
+                  <a:defRPr>
+                    <a:solidFill>
+                      <a:schemeClr val="tx1"/>
+                    </a:solidFill>
+                    <a:latin typeface="Calibri" panose="020F0502020204030204" pitchFamily="34" charset="0"/>
+                  </a:defRPr>
+                </a:lvl8pPr>
+                <a:lvl9pPr marL="3886200" indent="-228600" eaLnBrk="0" fontAlgn="base" hangingPunct="0">
+                  <a:spcBef>
+                    <a:spcPct val="0"/>
+                  </a:spcBef>
+                  <a:spcAft>
+                    <a:spcPct val="0"/>
+                  </a:spcAft>
+                  <a:defRPr>
+                    <a:solidFill>
+                      <a:schemeClr val="tx1"/>
+                    </a:solidFill>
+                    <a:latin typeface="Calibri" panose="020F0502020204030204" pitchFamily="34" charset="0"/>
+                  </a:defRPr>
+                </a:lvl9pPr>
+              </a:lstStyle>
+              <a:p>
+                <a:pPr algn="ctr" eaLnBrk="1" hangingPunct="1"/>
+                <a:r>
+                  <a:rPr lang="en-US" altLang="en-US" sz="1100" dirty="0">
+                    <a:latin typeface="Arial" panose="020B0604020202020204" pitchFamily="34" charset="0"/>
+                    <a:ea typeface="Amazon Ember" panose="020B0603020204020204" pitchFamily="34" charset="0"/>
+                    <a:cs typeface="Arial" panose="020B0604020202020204" pitchFamily="34" charset="0"/>
+                  </a:rPr>
+                  <a:t>Amazon Kinesis</a:t>
+                </a:r>
+              </a:p>
+            </p:txBody>
+          </p:sp>
+        </p:grpSp>
+      </p:grpSp>
+      <p:sp>
+        <p:nvSpPr>
+          <p:cNvPr id="36" name="Rectangle 35">
+            <a:extLst>
+              <a:ext uri="{FF2B5EF4-FFF2-40B4-BE49-F238E27FC236}">
+                <a16:creationId xmlns:a16="http://schemas.microsoft.com/office/drawing/2014/main" id="{7B6BA493-FE6C-764E-B35E-28F09F5461BD}"/>
+              </a:ext>
+            </a:extLst>
+          </p:cNvPr>
+          <p:cNvSpPr/>
+          <p:nvPr/>
+        </p:nvSpPr>
+        <p:spPr>
+          <a:xfrm>
+            <a:off x="6614476" y="2601333"/>
+            <a:ext cx="1600200" cy="2842991"/>
+          </a:xfrm>
+          <a:prstGeom prst="rect">
+            <a:avLst/>
+          </a:prstGeom>
+          <a:noFill/>
+          <a:ln w="12700">
+            <a:solidFill>
+              <a:srgbClr val="5A6B86"/>
+            </a:solidFill>
+            <a:prstDash val="dash"/>
+          </a:ln>
+        </p:spPr>
+        <p:style>
+          <a:lnRef idx="2">
+            <a:schemeClr val="accent1">
+              <a:shade val="50000"/>
+            </a:schemeClr>
+          </a:lnRef>
+          <a:fillRef idx="1">
+            <a:schemeClr val="accent1"/>
+          </a:fillRef>
+          <a:effectRef idx="0">
+            <a:schemeClr val="accent1"/>
+          </a:effectRef>
+          <a:fontRef idx="minor">
+            <a:schemeClr val="lt1"/>
+          </a:fontRef>
+        </p:style>
+        <p:txBody>
+          <a:bodyPr tIns="91440"/>
+          <a:lstStyle/>
+          <a:p>
+            <a:pPr algn="ctr" eaLnBrk="1" fontAlgn="auto" hangingPunct="1">
+              <a:spcBef>
+                <a:spcPts val="0"/>
+              </a:spcBef>
+              <a:spcAft>
+                <a:spcPts val="0"/>
+              </a:spcAft>
+              <a:defRPr/>
+            </a:pPr>
+            <a:r>
+              <a:rPr lang="en-US" sz="1200" dirty="0">
+                <a:solidFill>
+                  <a:srgbClr val="5A6B86"/>
+                </a:solidFill>
+                <a:latin typeface="Arial" panose="020B0604020202020204" pitchFamily="34" charset="0"/>
+                <a:cs typeface="Arial" panose="020B0604020202020204" pitchFamily="34" charset="0"/>
+              </a:rPr>
+              <a:t>Destinations</a:t>
+            </a:r>
+          </a:p>
+        </p:txBody>
+      </p:sp>
+      <p:grpSp>
+        <p:nvGrpSpPr>
+          <p:cNvPr id="37" name="Group 36">
+            <a:extLst>
+              <a:ext uri="{FF2B5EF4-FFF2-40B4-BE49-F238E27FC236}">
+                <a16:creationId xmlns:a16="http://schemas.microsoft.com/office/drawing/2014/main" id="{EBC1D2E0-1B76-7040-BA8A-5EE1BC9F2E5F}"/>
+              </a:ext>
+            </a:extLst>
+          </p:cNvPr>
+          <p:cNvGrpSpPr/>
+          <p:nvPr/>
+        </p:nvGrpSpPr>
+        <p:grpSpPr>
+          <a:xfrm>
+            <a:off x="6914167" y="4522973"/>
+            <a:ext cx="952505" cy="921352"/>
+            <a:chOff x="1465018" y="4401122"/>
+            <a:chExt cx="952505" cy="921352"/>
+          </a:xfrm>
+        </p:grpSpPr>
+        <p:pic>
+          <p:nvPicPr>
+            <p:cNvPr id="38" name="Graphic 64">
+              <a:extLst>
+                <a:ext uri="{FF2B5EF4-FFF2-40B4-BE49-F238E27FC236}">
+                  <a16:creationId xmlns:a16="http://schemas.microsoft.com/office/drawing/2014/main" id="{A1739CBB-021C-AD4B-A0E3-D151D783FC7C}"/>
+                </a:ext>
+              </a:extLst>
+            </p:cNvPr>
+            <p:cNvPicPr>
+              <a:picLocks noChangeAspect="1" noChangeArrowheads="1"/>
+            </p:cNvPicPr>
+            <p:nvPr/>
+          </p:nvPicPr>
+          <p:blipFill>
+            <a:blip r:embed="rId8">
+              <a:extLst>
+                <a:ext uri="{28A0092B-C50C-407E-A947-70E740481C1C}">
+                  <a14:useLocalDpi xmlns:a14="http://schemas.microsoft.com/office/drawing/2010/main" val="0"/>
+                </a:ext>
+              </a:extLst>
+            </a:blip>
+            <a:srcRect/>
+            <a:stretch>
+              <a:fillRect/>
+            </a:stretch>
+          </p:blipFill>
+          <p:spPr bwMode="auto">
+            <a:xfrm>
+              <a:off x="1712671" y="4401122"/>
+              <a:ext cx="457200" cy="457200"/>
+            </a:xfrm>
+            <a:prstGeom prst="rect">
+              <a:avLst/>
+            </a:prstGeom>
+            <a:noFill/>
+            <a:ln>
+              <a:noFill/>
+            </a:ln>
+            <a:extLst>
+              <a:ext uri="{909E8E84-426E-40DD-AFC4-6F175D3DCCD1}">
+                <a14:hiddenFill xmlns:a14="http://schemas.microsoft.com/office/drawing/2010/main">
+                  <a:solidFill>
+                    <a:srgbClr val="FFFFFF"/>
+                  </a:solidFill>
+                </a14:hiddenFill>
+              </a:ext>
+              <a:ext uri="{91240B29-F687-4F45-9708-019B960494DF}">
+                <a14:hiddenLine xmlns:a14="http://schemas.microsoft.com/office/drawing/2010/main" w="9525">
+                  <a:solidFill>
+                    <a:srgbClr val="000000"/>
+                  </a:solidFill>
+                  <a:miter lim="800000"/>
+                  <a:headEnd/>
+                  <a:tailEnd/>
+                </a14:hiddenLine>
+              </a:ext>
+            </a:extLst>
+          </p:spPr>
+        </p:pic>
+        <p:sp>
+          <p:nvSpPr>
+            <p:cNvPr id="39" name="TextBox 38">
+              <a:extLst>
+                <a:ext uri="{FF2B5EF4-FFF2-40B4-BE49-F238E27FC236}">
+                  <a16:creationId xmlns:a16="http://schemas.microsoft.com/office/drawing/2014/main" id="{38719BFB-A320-6F43-8711-D09D5019597A}"/>
+                </a:ext>
+              </a:extLst>
+            </p:cNvPr>
+            <p:cNvSpPr txBox="1"/>
+            <p:nvPr/>
+          </p:nvSpPr>
+          <p:spPr>
+            <a:xfrm>
+              <a:off x="1465018" y="4891587"/>
+              <a:ext cx="952505" cy="430887"/>
+            </a:xfrm>
+            <a:prstGeom prst="rect">
+              <a:avLst/>
+            </a:prstGeom>
+            <a:noFill/>
+          </p:spPr>
+          <p:txBody>
+            <a:bodyPr wrap="none" rtlCol="0">
+              <a:spAutoFit/>
+            </a:bodyPr>
+            <a:lstStyle/>
+            <a:p>
+              <a:pPr algn="ctr"/>
+              <a:r>
+                <a:rPr lang="en-US" sz="1100" dirty="0"/>
+                <a:t>Amazon S3 </a:t>
+              </a:r>
+            </a:p>
+            <a:p>
+              <a:pPr algn="ctr"/>
+              <a:r>
+                <a:rPr lang="en-US" sz="1100" dirty="0"/>
+                <a:t>Bucket</a:t>
+              </a:r>
+            </a:p>
+          </p:txBody>
+        </p:sp>
+      </p:grpSp>
+      <p:grpSp>
+        <p:nvGrpSpPr>
+          <p:cNvPr id="69" name="Group 68">
+            <a:extLst>
+              <a:ext uri="{FF2B5EF4-FFF2-40B4-BE49-F238E27FC236}">
+                <a16:creationId xmlns:a16="http://schemas.microsoft.com/office/drawing/2014/main" id="{544CD599-EA83-9845-BC13-D98E114896D8}"/>
+              </a:ext>
+            </a:extLst>
+          </p:cNvPr>
+          <p:cNvGrpSpPr/>
+          <p:nvPr/>
+        </p:nvGrpSpPr>
+        <p:grpSpPr>
+          <a:xfrm>
+            <a:off x="6830529" y="2952800"/>
+            <a:ext cx="1166881" cy="739448"/>
+            <a:chOff x="6830529" y="2952800"/>
+            <a:chExt cx="1166881" cy="739448"/>
+          </a:xfrm>
+        </p:grpSpPr>
+        <p:sp>
+          <p:nvSpPr>
+            <p:cNvPr id="41" name="TextBox 18">
+              <a:extLst>
+                <a:ext uri="{FF2B5EF4-FFF2-40B4-BE49-F238E27FC236}">
+                  <a16:creationId xmlns:a16="http://schemas.microsoft.com/office/drawing/2014/main" id="{3E016DBA-884C-B54C-96A6-1FB85A0AFAE4}"/>
+                </a:ext>
+              </a:extLst>
+            </p:cNvPr>
+            <p:cNvSpPr txBox="1">
+              <a:spLocks noChangeArrowheads="1"/>
+            </p:cNvSpPr>
+            <p:nvPr/>
+          </p:nvSpPr>
+          <p:spPr bwMode="auto">
+            <a:xfrm>
+              <a:off x="6830529" y="3430638"/>
+              <a:ext cx="1166881" cy="261610"/>
+            </a:xfrm>
+            <a:prstGeom prst="rect">
+              <a:avLst/>
+            </a:prstGeom>
+            <a:noFill/>
+            <a:ln>
+              <a:noFill/>
+            </a:ln>
+            <a:extLst>
+              <a:ext uri="{909E8E84-426E-40DD-AFC4-6F175D3DCCD1}">
+                <a14:hiddenFill xmlns:a14="http://schemas.microsoft.com/office/drawing/2010/main">
+                  <a:solidFill>
+                    <a:srgbClr val="FFFFFF"/>
+                  </a:solidFill>
+                </a14:hiddenFill>
+              </a:ext>
+              <a:ext uri="{91240B29-F687-4F45-9708-019B960494DF}">
+                <a14:hiddenLine xmlns:a14="http://schemas.microsoft.com/office/drawing/2010/main" w="9525">
+                  <a:solidFill>
+                    <a:srgbClr val="000000"/>
+                  </a:solidFill>
+                  <a:miter lim="800000"/>
+                  <a:headEnd/>
+                  <a:tailEnd/>
+                </a14:hiddenLine>
+              </a:ext>
+            </a:extLst>
+          </p:spPr>
+          <p:txBody>
+            <a:bodyPr wrap="square">
+              <a:spAutoFit/>
+            </a:bodyPr>
+            <a:lstStyle>
+              <a:lvl1pPr>
+                <a:defRPr>
+                  <a:solidFill>
+                    <a:schemeClr val="tx1"/>
+                  </a:solidFill>
+                  <a:latin typeface="Calibri" panose="020F0502020204030204" pitchFamily="34" charset="0"/>
+                </a:defRPr>
+              </a:lvl1pPr>
+              <a:lvl2pPr marL="742950" indent="-285750">
+                <a:defRPr>
+                  <a:solidFill>
+                    <a:schemeClr val="tx1"/>
+                  </a:solidFill>
+                  <a:latin typeface="Calibri" panose="020F0502020204030204" pitchFamily="34" charset="0"/>
+                </a:defRPr>
+              </a:lvl2pPr>
+              <a:lvl3pPr marL="1143000" indent="-228600">
+                <a:defRPr>
+                  <a:solidFill>
+                    <a:schemeClr val="tx1"/>
+                  </a:solidFill>
+                  <a:latin typeface="Calibri" panose="020F0502020204030204" pitchFamily="34" charset="0"/>
+                </a:defRPr>
+              </a:lvl3pPr>
+              <a:lvl4pPr marL="1600200" indent="-228600">
+                <a:defRPr>
+                  <a:solidFill>
+                    <a:schemeClr val="tx1"/>
+                  </a:solidFill>
+                  <a:latin typeface="Calibri" panose="020F0502020204030204" pitchFamily="34" charset="0"/>
+                </a:defRPr>
+              </a:lvl4pPr>
+              <a:lvl5pPr marL="2057400" indent="-228600">
+                <a:defRPr>
+                  <a:solidFill>
+                    <a:schemeClr val="tx1"/>
+                  </a:solidFill>
+                  <a:latin typeface="Calibri" panose="020F0502020204030204" pitchFamily="34" charset="0"/>
+                </a:defRPr>
+              </a:lvl5pPr>
+              <a:lvl6pPr marL="2514600" indent="-228600" eaLnBrk="0" fontAlgn="base" hangingPunct="0">
+                <a:spcBef>
+                  <a:spcPct val="0"/>
+                </a:spcBef>
+                <a:spcAft>
+                  <a:spcPct val="0"/>
+                </a:spcAft>
+                <a:defRPr>
+                  <a:solidFill>
+                    <a:schemeClr val="tx1"/>
+                  </a:solidFill>
+                  <a:latin typeface="Calibri" panose="020F0502020204030204" pitchFamily="34" charset="0"/>
+                </a:defRPr>
+              </a:lvl6pPr>
+              <a:lvl7pPr marL="2971800" indent="-228600" eaLnBrk="0" fontAlgn="base" hangingPunct="0">
+                <a:spcBef>
+                  <a:spcPct val="0"/>
+                </a:spcBef>
+                <a:spcAft>
+                  <a:spcPct val="0"/>
+                </a:spcAft>
+                <a:defRPr>
+                  <a:solidFill>
+                    <a:schemeClr val="tx1"/>
+                  </a:solidFill>
+                  <a:latin typeface="Calibri" panose="020F0502020204030204" pitchFamily="34" charset="0"/>
+                </a:defRPr>
+              </a:lvl7pPr>
+              <a:lvl8pPr marL="3429000" indent="-228600" eaLnBrk="0" fontAlgn="base" hangingPunct="0">
+                <a:spcBef>
+                  <a:spcPct val="0"/>
+                </a:spcBef>
+                <a:spcAft>
+                  <a:spcPct val="0"/>
+                </a:spcAft>
+                <a:defRPr>
+                  <a:solidFill>
+                    <a:schemeClr val="tx1"/>
+                  </a:solidFill>
+                  <a:latin typeface="Calibri" panose="020F0502020204030204" pitchFamily="34" charset="0"/>
+                </a:defRPr>
+              </a:lvl8pPr>
+              <a:lvl9pPr marL="3886200" indent="-228600" eaLnBrk="0" fontAlgn="base" hangingPunct="0">
+                <a:spcBef>
+                  <a:spcPct val="0"/>
+                </a:spcBef>
+                <a:spcAft>
+                  <a:spcPct val="0"/>
+                </a:spcAft>
+                <a:defRPr>
+                  <a:solidFill>
+                    <a:schemeClr val="tx1"/>
+                  </a:solidFill>
+                  <a:latin typeface="Calibri" panose="020F0502020204030204" pitchFamily="34" charset="0"/>
+                </a:defRPr>
+              </a:lvl9pPr>
+            </a:lstStyle>
+            <a:p>
+              <a:pPr algn="ctr" eaLnBrk="1" hangingPunct="1"/>
+              <a:r>
+                <a:rPr lang="en-US" altLang="en-US" sz="1100" dirty="0">
+                  <a:latin typeface="Arial" panose="020B0604020202020204" pitchFamily="34" charset="0"/>
+                  <a:ea typeface="Amazon Ember" panose="020B0603020204020204" pitchFamily="34" charset="0"/>
+                  <a:cs typeface="Arial" panose="020B0604020202020204" pitchFamily="34" charset="0"/>
+                </a:rPr>
+                <a:t>Data lake</a:t>
+              </a:r>
+            </a:p>
+          </p:txBody>
+        </p:sp>
+        <p:pic>
+          <p:nvPicPr>
+            <p:cNvPr id="42" name="Graphic 6">
+              <a:extLst>
+                <a:ext uri="{FF2B5EF4-FFF2-40B4-BE49-F238E27FC236}">
+                  <a16:creationId xmlns:a16="http://schemas.microsoft.com/office/drawing/2014/main" id="{056B439F-91FD-794D-983A-544ABA41A462}"/>
+                </a:ext>
+              </a:extLst>
+            </p:cNvPr>
+            <p:cNvPicPr>
+              <a:picLocks noChangeAspect="1" noChangeArrowheads="1"/>
+            </p:cNvPicPr>
+            <p:nvPr/>
+          </p:nvPicPr>
+          <p:blipFill>
+            <a:blip r:embed="rId11">
+              <a:extLst>
+                <a:ext uri="{28A0092B-C50C-407E-A947-70E740481C1C}">
+                  <a14:useLocalDpi xmlns:a14="http://schemas.microsoft.com/office/drawing/2010/main" val="0"/>
+                </a:ext>
+              </a:extLst>
+            </a:blip>
+            <a:srcRect/>
+            <a:stretch>
+              <a:fillRect/>
+            </a:stretch>
+          </p:blipFill>
+          <p:spPr bwMode="auto">
+            <a:xfrm>
+              <a:off x="7213916" y="2952800"/>
+              <a:ext cx="457200" cy="457200"/>
+            </a:xfrm>
+            <a:prstGeom prst="rect">
+              <a:avLst/>
+            </a:prstGeom>
+            <a:noFill/>
+            <a:ln>
+              <a:noFill/>
+            </a:ln>
+            <a:extLst>
+              <a:ext uri="{909E8E84-426E-40DD-AFC4-6F175D3DCCD1}">
+                <a14:hiddenFill xmlns:a14="http://schemas.microsoft.com/office/drawing/2010/main">
+                  <a:solidFill>
+                    <a:srgbClr val="FFFFFF"/>
+                  </a:solidFill>
+                </a14:hiddenFill>
+              </a:ext>
+              <a:ext uri="{91240B29-F687-4F45-9708-019B960494DF}">
+                <a14:hiddenLine xmlns:a14="http://schemas.microsoft.com/office/drawing/2010/main" w="9525">
+                  <a:solidFill>
+                    <a:srgbClr val="000000"/>
+                  </a:solidFill>
+                  <a:miter lim="800000"/>
+                  <a:headEnd/>
+                  <a:tailEnd/>
+                </a14:hiddenLine>
+              </a:ext>
+            </a:extLst>
+          </p:spPr>
+        </p:pic>
+      </p:grpSp>
+      <p:grpSp>
+        <p:nvGrpSpPr>
+          <p:cNvPr id="67" name="Group 66">
+            <a:extLst>
+              <a:ext uri="{FF2B5EF4-FFF2-40B4-BE49-F238E27FC236}">
+                <a16:creationId xmlns:a16="http://schemas.microsoft.com/office/drawing/2014/main" id="{321BD365-48AC-3543-AE70-8A633F72F3A2}"/>
+              </a:ext>
+            </a:extLst>
+          </p:cNvPr>
+          <p:cNvGrpSpPr/>
+          <p:nvPr/>
+        </p:nvGrpSpPr>
+        <p:grpSpPr>
+          <a:xfrm>
+            <a:off x="6763792" y="3729304"/>
+            <a:ext cx="1300356" cy="745245"/>
+            <a:chOff x="3765862" y="3625299"/>
+            <a:chExt cx="1300356" cy="745245"/>
+          </a:xfrm>
+        </p:grpSpPr>
+        <p:pic>
+          <p:nvPicPr>
+            <p:cNvPr id="44" name="Graphic 18">
+              <a:extLst>
+                <a:ext uri="{FF2B5EF4-FFF2-40B4-BE49-F238E27FC236}">
+                  <a16:creationId xmlns:a16="http://schemas.microsoft.com/office/drawing/2014/main" id="{8AA22E29-8DC9-B049-AAED-20659A3AB4ED}"/>
+                </a:ext>
+              </a:extLst>
+            </p:cNvPr>
+            <p:cNvPicPr>
+              <a:picLocks noChangeAspect="1" noChangeArrowheads="1"/>
+            </p:cNvPicPr>
+            <p:nvPr/>
+          </p:nvPicPr>
+          <p:blipFill>
+            <a:blip r:embed="rId12">
+              <a:extLst>
+                <a:ext uri="{28A0092B-C50C-407E-A947-70E740481C1C}">
+                  <a14:useLocalDpi xmlns:a14="http://schemas.microsoft.com/office/drawing/2010/main" val="0"/>
+                </a:ext>
+              </a:extLst>
+            </a:blip>
+            <a:srcRect/>
+            <a:stretch>
+              <a:fillRect/>
+            </a:stretch>
+          </p:blipFill>
+          <p:spPr bwMode="auto">
+            <a:xfrm>
+              <a:off x="4163890" y="3625299"/>
+              <a:ext cx="457200" cy="457200"/>
+            </a:xfrm>
+            <a:prstGeom prst="rect">
+              <a:avLst/>
+            </a:prstGeom>
+            <a:noFill/>
+            <a:ln>
+              <a:noFill/>
+            </a:ln>
+            <a:extLst>
+              <a:ext uri="{909E8E84-426E-40DD-AFC4-6F175D3DCCD1}">
+                <a14:hiddenFill xmlns:a14="http://schemas.microsoft.com/office/drawing/2010/main">
+                  <a:solidFill>
+                    <a:srgbClr val="FFFFFF"/>
+                  </a:solidFill>
+                </a14:hiddenFill>
+              </a:ext>
+              <a:ext uri="{91240B29-F687-4F45-9708-019B960494DF}">
+                <a14:hiddenLine xmlns:a14="http://schemas.microsoft.com/office/drawing/2010/main" w="9525">
+                  <a:solidFill>
+                    <a:srgbClr val="000000"/>
+                  </a:solidFill>
+                  <a:miter lim="800000"/>
+                  <a:headEnd/>
+                  <a:tailEnd/>
+                </a14:hiddenLine>
+              </a:ext>
+            </a:extLst>
+          </p:spPr>
+        </p:pic>
+        <p:sp>
+          <p:nvSpPr>
+            <p:cNvPr id="45" name="TextBox 44">
+              <a:extLst>
+                <a:ext uri="{FF2B5EF4-FFF2-40B4-BE49-F238E27FC236}">
+                  <a16:creationId xmlns:a16="http://schemas.microsoft.com/office/drawing/2014/main" id="{B988DA77-CDE4-FC45-941D-F11CB0C28255}"/>
+                </a:ext>
+              </a:extLst>
+            </p:cNvPr>
+            <p:cNvSpPr txBox="1"/>
+            <p:nvPr/>
+          </p:nvSpPr>
+          <p:spPr>
+            <a:xfrm>
+              <a:off x="3765862" y="4108934"/>
+              <a:ext cx="1300356" cy="261610"/>
+            </a:xfrm>
+            <a:prstGeom prst="rect">
+              <a:avLst/>
+            </a:prstGeom>
+            <a:noFill/>
+          </p:spPr>
+          <p:txBody>
+            <a:bodyPr wrap="none" rtlCol="0">
+              <a:spAutoFit/>
+            </a:bodyPr>
+            <a:lstStyle/>
+            <a:p>
+              <a:r>
+                <a:rPr lang="en-US" sz="1100" dirty="0"/>
+                <a:t>Analytics Solution</a:t>
+              </a:r>
+            </a:p>
+          </p:txBody>
+        </p:sp>
+      </p:grpSp>
+      <p:grpSp>
+        <p:nvGrpSpPr>
+          <p:cNvPr id="47" name="Group 46">
+            <a:extLst>
+              <a:ext uri="{FF2B5EF4-FFF2-40B4-BE49-F238E27FC236}">
+                <a16:creationId xmlns:a16="http://schemas.microsoft.com/office/drawing/2014/main" id="{C75EF2C8-DB64-C949-B5C0-B1C9673E4BBB}"/>
+              </a:ext>
+            </a:extLst>
+          </p:cNvPr>
+          <p:cNvGrpSpPr/>
+          <p:nvPr/>
+        </p:nvGrpSpPr>
+        <p:grpSpPr>
+          <a:xfrm>
+            <a:off x="1597373" y="1713240"/>
+            <a:ext cx="978153" cy="888093"/>
+            <a:chOff x="3821723" y="1554772"/>
+            <a:chExt cx="978153" cy="888093"/>
+          </a:xfrm>
+        </p:grpSpPr>
+        <p:pic>
+          <p:nvPicPr>
+            <p:cNvPr id="48" name="Graphic 6">
+              <a:extLst>
+                <a:ext uri="{FF2B5EF4-FFF2-40B4-BE49-F238E27FC236}">
+                  <a16:creationId xmlns:a16="http://schemas.microsoft.com/office/drawing/2014/main" id="{419D95D5-060C-344C-9EEE-C8563B8A2923}"/>
+                </a:ext>
+              </a:extLst>
+            </p:cNvPr>
+            <p:cNvPicPr>
+              <a:picLocks noChangeAspect="1" noChangeArrowheads="1"/>
+            </p:cNvPicPr>
+            <p:nvPr/>
+          </p:nvPicPr>
+          <p:blipFill>
+            <a:blip r:embed="rId13">
+              <a:extLst>
+                <a:ext uri="{96DAC541-7B7A-43D3-8B79-37D633B846F1}">
+                  <asvg:svgBlip xmlns:asvg="http://schemas.microsoft.com/office/drawing/2016/SVG/main" r:embed="rId14"/>
+                </a:ext>
+              </a:extLst>
+            </a:blip>
+            <a:srcRect/>
+            <a:stretch/>
+          </p:blipFill>
+          <p:spPr bwMode="auto">
+            <a:xfrm flipH="1">
+              <a:off x="4066748" y="1554772"/>
+              <a:ext cx="469900" cy="469900"/>
+            </a:xfrm>
+            <a:prstGeom prst="rect">
+              <a:avLst/>
+            </a:prstGeom>
+            <a:noFill/>
+            <a:ln>
+              <a:noFill/>
+            </a:ln>
+            <a:extLst>
+              <a:ext uri="{909E8E84-426E-40DD-AFC4-6F175D3DCCD1}">
+                <a14:hiddenFill xmlns:a14="http://schemas.microsoft.com/office/drawing/2010/main">
+                  <a:solidFill>
+                    <a:srgbClr val="FFFFFF"/>
+                  </a:solidFill>
+                </a14:hiddenFill>
+              </a:ext>
+              <a:ext uri="{91240B29-F687-4F45-9708-019B960494DF}">
+                <a14:hiddenLine xmlns:a14="http://schemas.microsoft.com/office/drawing/2010/main" w="9525">
+                  <a:solidFill>
+                    <a:srgbClr val="000000"/>
+                  </a:solidFill>
+                  <a:miter lim="800000"/>
+                  <a:headEnd/>
+                  <a:tailEnd/>
+                </a14:hiddenLine>
+              </a:ext>
+            </a:extLst>
+          </p:spPr>
+        </p:pic>
+        <p:sp>
+          <p:nvSpPr>
+            <p:cNvPr id="49" name="TextBox 48">
+              <a:extLst>
+                <a:ext uri="{FF2B5EF4-FFF2-40B4-BE49-F238E27FC236}">
+                  <a16:creationId xmlns:a16="http://schemas.microsoft.com/office/drawing/2014/main" id="{928EC54F-D8A3-7F4B-967F-BDE94AEBA10B}"/>
+                </a:ext>
+              </a:extLst>
+            </p:cNvPr>
+            <p:cNvSpPr txBox="1"/>
+            <p:nvPr/>
+          </p:nvSpPr>
+          <p:spPr>
+            <a:xfrm>
+              <a:off x="3821723" y="1981200"/>
+              <a:ext cx="978153" cy="461665"/>
+            </a:xfrm>
+            <a:prstGeom prst="rect">
+              <a:avLst/>
+            </a:prstGeom>
+            <a:noFill/>
+          </p:spPr>
+          <p:txBody>
+            <a:bodyPr wrap="none" rtlCol="0">
+              <a:spAutoFit/>
+            </a:bodyPr>
+            <a:lstStyle/>
+            <a:p>
+              <a:pPr algn="ctr"/>
+              <a:r>
+                <a:rPr lang="en-US" sz="1200" dirty="0"/>
+                <a:t>LogStream </a:t>
+              </a:r>
+            </a:p>
+            <a:p>
+              <a:pPr algn="ctr"/>
+              <a:r>
+                <a:rPr lang="en-US" sz="1200" dirty="0"/>
+                <a:t>Users</a:t>
+              </a:r>
+            </a:p>
+          </p:txBody>
+        </p:sp>
+      </p:grpSp>
+      <p:sp>
+        <p:nvSpPr>
+          <p:cNvPr id="51" name="Freeform 50">
+            <a:extLst>
+              <a:ext uri="{FF2B5EF4-FFF2-40B4-BE49-F238E27FC236}">
+                <a16:creationId xmlns:a16="http://schemas.microsoft.com/office/drawing/2014/main" id="{2FA256AC-2B3D-7241-B8DB-F352D82A9783}"/>
+              </a:ext>
+            </a:extLst>
+          </p:cNvPr>
+          <p:cNvSpPr/>
+          <p:nvPr/>
+        </p:nvSpPr>
+        <p:spPr>
+          <a:xfrm rot="5400000" flipH="1">
+            <a:off x="2365460" y="1995246"/>
+            <a:ext cx="1162776" cy="1269104"/>
+          </a:xfrm>
+          <a:custGeom>
+            <a:avLst/>
+            <a:gdLst>
+              <a:gd name="connsiteX0" fmla="*/ 1371600 w 1371600"/>
+              <a:gd name="connsiteY0" fmla="*/ 711200 h 711200"/>
+              <a:gd name="connsiteX1" fmla="*/ 1371600 w 1371600"/>
+              <a:gd name="connsiteY1" fmla="*/ 0 h 711200"/>
+              <a:gd name="connsiteX2" fmla="*/ 0 w 1371600"/>
+              <a:gd name="connsiteY2" fmla="*/ 0 h 711200"/>
+            </a:gdLst>
+            <a:ahLst/>
+            <a:cxnLst>
+              <a:cxn ang="0">
+                <a:pos x="connsiteX0" y="connsiteY0"/>
+              </a:cxn>
+              <a:cxn ang="0">
+                <a:pos x="connsiteX1" y="connsiteY1"/>
+              </a:cxn>
+              <a:cxn ang="0">
+                <a:pos x="connsiteX2" y="connsiteY2"/>
+              </a:cxn>
+            </a:cxnLst>
+            <a:rect l="l" t="t" r="r" b="b"/>
+            <a:pathLst>
+              <a:path w="1371600" h="711200">
+                <a:moveTo>
+                  <a:pt x="1371600" y="711200"/>
+                </a:moveTo>
+                <a:lnTo>
+                  <a:pt x="1371600" y="0"/>
+                </a:lnTo>
+                <a:lnTo>
+                  <a:pt x="0" y="0"/>
+                </a:lnTo>
+              </a:path>
+            </a:pathLst>
+          </a:custGeom>
+          <a:noFill/>
+          <a:ln w="12700">
+            <a:solidFill>
+              <a:schemeClr val="tx2"/>
+            </a:solidFill>
+            <a:headEnd type="none" w="med" len="sm"/>
+            <a:tailEnd type="arrow" w="med" len="sm"/>
+          </a:ln>
+        </p:spPr>
+        <p:style>
+          <a:lnRef idx="2">
+            <a:schemeClr val="accent1">
+              <a:shade val="50000"/>
+            </a:schemeClr>
+          </a:lnRef>
+          <a:fillRef idx="1">
+            <a:schemeClr val="accent1"/>
+          </a:fillRef>
+          <a:effectRef idx="0">
+            <a:schemeClr val="accent1"/>
+          </a:effectRef>
+          <a:fontRef idx="minor">
+            <a:schemeClr val="lt1"/>
+          </a:fontRef>
+        </p:style>
+        <p:txBody>
+          <a:bodyPr anchor="ctr"/>
+          <a:lstStyle/>
+          <a:p>
+            <a:pPr algn="ctr" eaLnBrk="1" fontAlgn="auto" hangingPunct="1">
+              <a:spcBef>
+                <a:spcPts val="0"/>
+              </a:spcBef>
+              <a:spcAft>
+                <a:spcPts val="0"/>
+              </a:spcAft>
+              <a:defRPr/>
+            </a:pPr>
+            <a:endParaRPr lang="en-US" dirty="0"/>
+          </a:p>
+        </p:txBody>
+      </p:sp>
+      <p:sp>
+        <p:nvSpPr>
+          <p:cNvPr id="52" name="Freeform 51">
+            <a:extLst>
+              <a:ext uri="{FF2B5EF4-FFF2-40B4-BE49-F238E27FC236}">
+                <a16:creationId xmlns:a16="http://schemas.microsoft.com/office/drawing/2014/main" id="{7BC48835-A068-F24E-BDCB-24A75A9C7A24}"/>
+              </a:ext>
+            </a:extLst>
+          </p:cNvPr>
+          <p:cNvSpPr/>
+          <p:nvPr/>
+        </p:nvSpPr>
+        <p:spPr>
+          <a:xfrm rot="16200000" flipH="1" flipV="1">
+            <a:off x="3026332" y="3966068"/>
+            <a:ext cx="430889" cy="679245"/>
+          </a:xfrm>
+          <a:custGeom>
+            <a:avLst/>
+            <a:gdLst>
+              <a:gd name="connsiteX0" fmla="*/ 1371600 w 1371600"/>
+              <a:gd name="connsiteY0" fmla="*/ 711200 h 711200"/>
+              <a:gd name="connsiteX1" fmla="*/ 1371600 w 1371600"/>
+              <a:gd name="connsiteY1" fmla="*/ 0 h 711200"/>
+              <a:gd name="connsiteX2" fmla="*/ 0 w 1371600"/>
+              <a:gd name="connsiteY2" fmla="*/ 0 h 711200"/>
+            </a:gdLst>
+            <a:ahLst/>
+            <a:cxnLst>
+              <a:cxn ang="0">
+                <a:pos x="connsiteX0" y="connsiteY0"/>
+              </a:cxn>
+              <a:cxn ang="0">
+                <a:pos x="connsiteX1" y="connsiteY1"/>
+              </a:cxn>
+              <a:cxn ang="0">
+                <a:pos x="connsiteX2" y="connsiteY2"/>
+              </a:cxn>
+            </a:cxnLst>
+            <a:rect l="l" t="t" r="r" b="b"/>
+            <a:pathLst>
+              <a:path w="1371600" h="711200">
+                <a:moveTo>
+                  <a:pt x="1371600" y="711200"/>
+                </a:moveTo>
+                <a:lnTo>
+                  <a:pt x="1371600" y="0"/>
+                </a:lnTo>
+                <a:lnTo>
+                  <a:pt x="0" y="0"/>
+                </a:lnTo>
+              </a:path>
+            </a:pathLst>
+          </a:custGeom>
+          <a:noFill/>
+          <a:ln w="12700">
+            <a:solidFill>
+              <a:schemeClr val="tx2"/>
+            </a:solidFill>
+            <a:headEnd type="none" w="med" len="sm"/>
+            <a:tailEnd type="arrow" w="med" len="sm"/>
+          </a:ln>
+        </p:spPr>
+        <p:style>
+          <a:lnRef idx="2">
+            <a:schemeClr val="accent1">
+              <a:shade val="50000"/>
+            </a:schemeClr>
+          </a:lnRef>
+          <a:fillRef idx="1">
+            <a:schemeClr val="accent1"/>
+          </a:fillRef>
+          <a:effectRef idx="0">
+            <a:schemeClr val="accent1"/>
+          </a:effectRef>
+          <a:fontRef idx="minor">
+            <a:schemeClr val="lt1"/>
+          </a:fontRef>
+        </p:style>
+        <p:txBody>
+          <a:bodyPr anchor="ctr"/>
+          <a:lstStyle/>
+          <a:p>
+            <a:pPr algn="ctr" eaLnBrk="1" fontAlgn="auto" hangingPunct="1">
+              <a:spcBef>
+                <a:spcPts val="0"/>
+              </a:spcBef>
+              <a:spcAft>
+                <a:spcPts val="0"/>
+              </a:spcAft>
+              <a:defRPr/>
+            </a:pPr>
+            <a:endParaRPr lang="en-US" dirty="0"/>
+          </a:p>
+        </p:txBody>
+      </p:sp>
+      <p:cxnSp>
+        <p:nvCxnSpPr>
+          <p:cNvPr id="53" name="Straight Arrow Connector 52">
+            <a:extLst>
+              <a:ext uri="{FF2B5EF4-FFF2-40B4-BE49-F238E27FC236}">
+                <a16:creationId xmlns:a16="http://schemas.microsoft.com/office/drawing/2014/main" id="{9A489ECE-CE32-2B43-B97B-A1C2137A38ED}"/>
+              </a:ext>
+            </a:extLst>
+          </p:cNvPr>
+          <p:cNvCxnSpPr>
+            <a:cxnSpLocks/>
+          </p:cNvCxnSpPr>
+          <p:nvPr/>
+        </p:nvCxnSpPr>
+        <p:spPr>
+          <a:xfrm>
+            <a:off x="3782763" y="3473686"/>
+            <a:ext cx="721724" cy="0"/>
+          </a:xfrm>
+          <a:prstGeom prst="straightConnector1">
+            <a:avLst/>
+          </a:prstGeom>
+          <a:ln w="12700">
+            <a:solidFill>
+              <a:srgbClr val="545B64"/>
+            </a:solidFill>
+            <a:headEnd type="none" w="med" len="sm"/>
+            <a:tailEnd type="arrow" w="med" len="sm"/>
+          </a:ln>
+        </p:spPr>
+        <p:style>
+          <a:lnRef idx="1">
+            <a:schemeClr val="accent1"/>
+          </a:lnRef>
+          <a:fillRef idx="0">
+            <a:schemeClr val="accent1"/>
+          </a:fillRef>
+          <a:effectRef idx="0">
+            <a:schemeClr val="accent1"/>
+          </a:effectRef>
+          <a:fontRef idx="minor">
+            <a:schemeClr val="tx1"/>
+          </a:fontRef>
+        </p:style>
+      </p:cxnSp>
+      <p:cxnSp>
+        <p:nvCxnSpPr>
+          <p:cNvPr id="59" name="Straight Arrow Connector 58">
+            <a:extLst>
+              <a:ext uri="{FF2B5EF4-FFF2-40B4-BE49-F238E27FC236}">
+                <a16:creationId xmlns:a16="http://schemas.microsoft.com/office/drawing/2014/main" id="{3B972704-ED15-9744-BA2B-635C0F5C8A38}"/>
+              </a:ext>
+            </a:extLst>
+          </p:cNvPr>
+          <p:cNvCxnSpPr>
+            <a:cxnSpLocks/>
+          </p:cNvCxnSpPr>
+          <p:nvPr/>
+        </p:nvCxnSpPr>
+        <p:spPr>
+          <a:xfrm>
+            <a:off x="6104687" y="3473686"/>
+            <a:ext cx="509789" cy="0"/>
+          </a:xfrm>
+          <a:prstGeom prst="straightConnector1">
+            <a:avLst/>
+          </a:prstGeom>
+          <a:ln w="12700">
+            <a:solidFill>
+              <a:srgbClr val="545B64"/>
+            </a:solidFill>
+            <a:headEnd type="none" w="med" len="sm"/>
+            <a:tailEnd type="arrow" w="med" len="sm"/>
+          </a:ln>
+        </p:spPr>
+        <p:style>
+          <a:lnRef idx="1">
+            <a:schemeClr val="accent1"/>
+          </a:lnRef>
+          <a:fillRef idx="0">
+            <a:schemeClr val="accent1"/>
+          </a:fillRef>
+          <a:effectRef idx="0">
+            <a:schemeClr val="accent1"/>
+          </a:effectRef>
+          <a:fontRef idx="minor">
+            <a:schemeClr val="tx1"/>
+          </a:fontRef>
+        </p:style>
+      </p:cxnSp>
+      <p:sp>
+        <p:nvSpPr>
+          <p:cNvPr id="62" name="Rectangle 61">
+            <a:extLst>
+              <a:ext uri="{FF2B5EF4-FFF2-40B4-BE49-F238E27FC236}">
+                <a16:creationId xmlns:a16="http://schemas.microsoft.com/office/drawing/2014/main" id="{AC78B5E2-AD04-0A4D-81A1-21A0E414821F}"/>
+              </a:ext>
+            </a:extLst>
+          </p:cNvPr>
+          <p:cNvSpPr/>
+          <p:nvPr/>
+        </p:nvSpPr>
+        <p:spPr bwMode="auto">
+          <a:xfrm>
+            <a:off x="909431" y="1262086"/>
+            <a:ext cx="7651148" cy="4378238"/>
+          </a:xfrm>
+          <a:prstGeom prst="rect">
+            <a:avLst/>
+          </a:prstGeom>
+          <a:noFill/>
+          <a:ln w="12700">
+            <a:solidFill>
+              <a:srgbClr val="1E8900"/>
+            </a:solidFill>
+          </a:ln>
+        </p:spPr>
+        <p:style>
+          <a:lnRef idx="2">
+            <a:schemeClr val="accent1">
+              <a:shade val="50000"/>
+            </a:schemeClr>
+          </a:lnRef>
+          <a:fillRef idx="1">
+            <a:schemeClr val="accent1"/>
+          </a:fillRef>
+          <a:effectRef idx="0">
+            <a:schemeClr val="accent1"/>
+          </a:effectRef>
+          <a:fontRef idx="minor">
+            <a:schemeClr val="lt1"/>
+          </a:fontRef>
+        </p:style>
+        <p:txBody>
+          <a:bodyPr lIns="502920" tIns="91440"/>
+          <a:lstStyle/>
+          <a:p>
+            <a:pPr eaLnBrk="1" fontAlgn="auto" hangingPunct="1">
+              <a:spcBef>
+                <a:spcPts val="0"/>
+              </a:spcBef>
+              <a:spcAft>
+                <a:spcPts val="0"/>
+              </a:spcAft>
+              <a:defRPr/>
+            </a:pPr>
+            <a:r>
+              <a:rPr lang="en-US" sz="1200" dirty="0">
+                <a:ln w="0"/>
+                <a:solidFill>
+                  <a:srgbClr val="1E8900"/>
+                </a:solidFill>
+                <a:latin typeface="Arial" panose="020B0604020202020204" pitchFamily="34" charset="0"/>
+                <a:cs typeface="Arial" panose="020B0604020202020204" pitchFamily="34" charset="0"/>
+              </a:rPr>
+              <a:t>VPC</a:t>
+            </a:r>
+          </a:p>
+        </p:txBody>
+      </p:sp>
+      <p:sp>
+        <p:nvSpPr>
+          <p:cNvPr id="63" name="Rectangle 62">
+            <a:extLst>
+              <a:ext uri="{FF2B5EF4-FFF2-40B4-BE49-F238E27FC236}">
+                <a16:creationId xmlns:a16="http://schemas.microsoft.com/office/drawing/2014/main" id="{109F29A1-50E1-BC40-B364-16907D14D270}"/>
+              </a:ext>
+            </a:extLst>
+          </p:cNvPr>
+          <p:cNvSpPr/>
+          <p:nvPr/>
+        </p:nvSpPr>
+        <p:spPr bwMode="auto">
+          <a:xfrm>
+            <a:off x="528431" y="881084"/>
+            <a:ext cx="8424835" cy="5172515"/>
+          </a:xfrm>
+          <a:prstGeom prst="rect">
+            <a:avLst/>
+          </a:prstGeom>
+          <a:noFill/>
+          <a:ln w="12700">
+            <a:solidFill>
+              <a:schemeClr val="tx1"/>
+            </a:solidFill>
+          </a:ln>
+        </p:spPr>
+        <p:style>
+          <a:lnRef idx="2">
+            <a:schemeClr val="accent1">
+              <a:shade val="50000"/>
+            </a:schemeClr>
+          </a:lnRef>
+          <a:fillRef idx="1">
+            <a:schemeClr val="accent1"/>
+          </a:fillRef>
+          <a:effectRef idx="0">
+            <a:schemeClr val="accent1"/>
+          </a:effectRef>
+          <a:fontRef idx="minor">
+            <a:schemeClr val="lt1"/>
+          </a:fontRef>
+        </p:style>
+        <p:txBody>
+          <a:bodyPr lIns="502920" tIns="91440"/>
+          <a:lstStyle/>
+          <a:p>
+            <a:pPr eaLnBrk="1" fontAlgn="auto" hangingPunct="1">
+              <a:spcBef>
+                <a:spcPts val="0"/>
+              </a:spcBef>
+              <a:spcAft>
+                <a:spcPts val="0"/>
+              </a:spcAft>
+              <a:defRPr/>
+            </a:pPr>
+            <a:r>
+              <a:rPr lang="en-US" sz="1200" dirty="0">
+                <a:solidFill>
+                  <a:sysClr val="windowText" lastClr="000000"/>
+                </a:solidFill>
+                <a:latin typeface="Arial" panose="020B0604020202020204" pitchFamily="34" charset="0"/>
+                <a:cs typeface="Arial" panose="020B0604020202020204" pitchFamily="34" charset="0"/>
+              </a:rPr>
+              <a:t>AWS Cloud</a:t>
+            </a:r>
+          </a:p>
+        </p:txBody>
+      </p:sp>
+      <p:pic>
+        <p:nvPicPr>
+          <p:cNvPr id="64" name="Graphic 63">
+            <a:extLst>
+              <a:ext uri="{FF2B5EF4-FFF2-40B4-BE49-F238E27FC236}">
+                <a16:creationId xmlns:a16="http://schemas.microsoft.com/office/drawing/2014/main" id="{2612AAE9-E7AA-6749-A592-A0F64711056A}"/>
+              </a:ext>
+            </a:extLst>
+          </p:cNvPr>
+          <p:cNvPicPr>
+            <a:picLocks noChangeAspect="1"/>
+          </p:cNvPicPr>
+          <p:nvPr/>
+        </p:nvPicPr>
+        <p:blipFill>
+          <a:blip r:embed="rId15">
+            <a:extLst>
+              <a:ext uri="{96DAC541-7B7A-43D3-8B79-37D633B846F1}">
+                <asvg:svgBlip xmlns:asvg="http://schemas.microsoft.com/office/drawing/2016/SVG/main" r:embed="rId16"/>
+              </a:ext>
+            </a:extLst>
+          </a:blip>
+          <a:srcRect/>
+          <a:stretch/>
+        </p:blipFill>
+        <p:spPr>
+          <a:xfrm>
+            <a:off x="528431" y="878391"/>
+            <a:ext cx="381000" cy="381000"/>
+          </a:xfrm>
+          <a:prstGeom prst="rect">
+            <a:avLst/>
+          </a:prstGeom>
+        </p:spPr>
+      </p:pic>
+      <p:pic>
+        <p:nvPicPr>
+          <p:cNvPr id="65" name="Graphic 64">
+            <a:extLst>
+              <a:ext uri="{FF2B5EF4-FFF2-40B4-BE49-F238E27FC236}">
+                <a16:creationId xmlns:a16="http://schemas.microsoft.com/office/drawing/2014/main" id="{EFD9AE97-E29D-8E44-8E9C-1DB712E207ED}"/>
+              </a:ext>
+            </a:extLst>
+          </p:cNvPr>
+          <p:cNvPicPr>
+            <a:picLocks noChangeAspect="1"/>
+          </p:cNvPicPr>
+          <p:nvPr/>
+        </p:nvPicPr>
+        <p:blipFill>
+          <a:blip r:embed="rId17">
+            <a:extLst>
+              <a:ext uri="{96DAC541-7B7A-43D3-8B79-37D633B846F1}">
+                <asvg:svgBlip xmlns:asvg="http://schemas.microsoft.com/office/drawing/2016/SVG/main" r:embed="rId18"/>
+              </a:ext>
+            </a:extLst>
+          </a:blip>
+          <a:stretch>
+            <a:fillRect/>
+          </a:stretch>
+        </p:blipFill>
+        <p:spPr>
+          <a:xfrm>
+            <a:off x="911019" y="1259391"/>
+            <a:ext cx="381000" cy="381000"/>
+          </a:xfrm>
+          <a:prstGeom prst="rect">
+            <a:avLst/>
+          </a:prstGeom>
+        </p:spPr>
+      </p:pic>
+    </p:spTree>
+    <p:extLst>
+      <p:ext uri="{BB962C8B-B14F-4D97-AF65-F5344CB8AC3E}">
+        <p14:creationId xmlns:p14="http://schemas.microsoft.com/office/powerpoint/2010/main" val="2060120190"/>
+      </p:ext>
+    </p:extLst>
+  </p:cSld>
+  <p:clrMapOvr>
+    <a:masterClrMapping/>
+  </p:clrMapOvr>
+</p:sld>
+</file>
+
+<file path=ppt/slides/slide7.xml><?xml version="1.0" encoding="utf-8"?>
+<p:sld xmlns:a="http://schemas.openxmlformats.org/drawingml/2006/main" xmlns:r="http://schemas.openxmlformats.org/officeDocument/2006/relationships" xmlns:p="http://schemas.openxmlformats.org/presentationml/2006/main">
+  <p:cSld>
+    <p:spTree>
+      <p:nvGrpSpPr>
+        <p:cNvPr id="1" name=""/>
         <p:cNvGrpSpPr/>
         <p:nvPr/>
       </p:nvGrpSpPr>
@@ -18745,6 +23780,11 @@
         </a:xfrm>
       </p:grpSpPr>
     </p:spTree>
+    <p:extLst>
+      <p:ext uri="{BB962C8B-B14F-4D97-AF65-F5344CB8AC3E}">
+        <p14:creationId xmlns:p14="http://schemas.microsoft.com/office/powerpoint/2010/main" val="2253262690"/>
+      </p:ext>
+    </p:extLst>
   </p:cSld>
   <p:clrMapOvr>
     <a:masterClrMapping/>
